--- a/translations/en-us/Project/BackgroundResearch.pptx
+++ b/translations/en-us/Project/BackgroundResearch.pptx
@@ -1,8 +1,8 @@
 
 <file path=ppt/presentation.xml><?xml version="1.0" encoding="utf-8"?>
-<p:presentation xmlns:a="http://schemas.openxmlformats.org/drawingml/2006/main" xmlns:r="http://schemas.openxmlformats.org/officeDocument/2006/relationships" xmlns:p="http://schemas.openxmlformats.org/presentationml/2006/main" saveSubsetFonts="1" autoCompressPictures="0">
+<p:presentation xmlns:a="http://schemas.openxmlformats.org/drawingml/2006/main" xmlns:r="http://schemas.openxmlformats.org/officeDocument/2006/relationships" xmlns:p="http://schemas.openxmlformats.org/presentationml/2006/main" showSpecialPlsOnTitleSld="0" saveSubsetFonts="1" autoCompressPictures="0">
   <p:sldMasterIdLst>
-    <p:sldMasterId id="2147483779" r:id="rId1"/>
+    <p:sldMasterId id="2147483791" r:id="rId1"/>
   </p:sldMasterIdLst>
   <p:notesMasterIdLst>
     <p:notesMasterId r:id="rId12"/>
@@ -206,7 +206,7 @@
           <a:p>
             <a:fld id="{A78B980B-A051-5042-A199-B77431CF73D3}" type="datetimeFigureOut">
               <a:rPr lang="en-US" smtClean="0"/>
-              <a:t>6/7/18</a:t>
+              <a:t>6/12/18</a:t>
             </a:fld>
             <a:endParaRPr lang="en-US"/>
           </a:p>
@@ -726,7 +726,7 @@
 </file>
 
 <file path=ppt/slideLayouts/slideLayout1.xml><?xml version="1.0" encoding="utf-8"?>
-<p:sldLayout xmlns:a="http://schemas.openxmlformats.org/drawingml/2006/main" xmlns:r="http://schemas.openxmlformats.org/officeDocument/2006/relationships" xmlns:p="http://schemas.openxmlformats.org/presentationml/2006/main" showMasterSp="0" type="title" preserve="1">
+<p:sldLayout xmlns:a="http://schemas.openxmlformats.org/drawingml/2006/main" xmlns:r="http://schemas.openxmlformats.org/officeDocument/2006/relationships" xmlns:p="http://schemas.openxmlformats.org/presentationml/2006/main" type="title" preserve="1">
   <p:cSld name="Title Slide">
     <p:spTree>
       <p:nvGrpSpPr>
@@ -750,14 +750,381 @@
         </p:nvSpPr>
         <p:spPr>
           <a:xfrm>
-            <a:off x="2382" y="6400800"/>
-            <a:ext cx="9141619" cy="457200"/>
+            <a:off x="448091" y="563880"/>
+            <a:ext cx="8240108" cy="5682175"/>
           </a:xfrm>
           <a:prstGeom prst="rect">
             <a:avLst/>
           </a:prstGeom>
           <a:solidFill>
-            <a:srgbClr val="034A85"/>
+            <a:schemeClr val="accent1"/>
+          </a:solidFill>
+          <a:ln>
+            <a:noFill/>
+          </a:ln>
+          <a:effectLst/>
+        </p:spPr>
+        <p:style>
+          <a:lnRef idx="1">
+            <a:schemeClr val="accent1"/>
+          </a:lnRef>
+          <a:fillRef idx="3">
+            <a:schemeClr val="accent1"/>
+          </a:fillRef>
+          <a:effectRef idx="2">
+            <a:schemeClr val="accent1"/>
+          </a:effectRef>
+          <a:fontRef idx="minor">
+            <a:schemeClr val="lt1"/>
+          </a:fontRef>
+        </p:style>
+      </p:sp>
+      <p:sp>
+        <p:nvSpPr>
+          <p:cNvPr id="2" name="Title 1"/>
+          <p:cNvSpPr>
+            <a:spLocks noGrp="1"/>
+          </p:cNvSpPr>
+          <p:nvPr>
+            <p:ph type="ctrTitle" hasCustomPrompt="1"/>
+          </p:nvPr>
+        </p:nvSpPr>
+        <p:spPr>
+          <a:xfrm>
+            <a:off x="581192" y="3936453"/>
+            <a:ext cx="7989752" cy="1033133"/>
+          </a:xfrm>
+          <a:ln>
+            <a:noFill/>
+          </a:ln>
+          <a:effectLst/>
+        </p:spPr>
+        <p:txBody>
+          <a:bodyPr anchor="b">
+            <a:normAutofit/>
+          </a:bodyPr>
+          <a:lstStyle>
+            <a:lvl1pPr algn="ctr">
+              <a:defRPr sz="3600">
+                <a:solidFill>
+                  <a:schemeClr val="bg1"/>
+                </a:solidFill>
+              </a:defRPr>
+            </a:lvl1pPr>
+          </a:lstStyle>
+          <a:p>
+            <a:r>
+              <a:rPr lang="en-US" dirty="0"/>
+              <a:t>title style</a:t>
+            </a:r>
+          </a:p>
+        </p:txBody>
+      </p:sp>
+      <p:sp>
+        <p:nvSpPr>
+          <p:cNvPr id="3" name="Subtitle 2"/>
+          <p:cNvSpPr>
+            <a:spLocks noGrp="1"/>
+          </p:cNvSpPr>
+          <p:nvPr>
+            <p:ph type="subTitle" idx="1"/>
+          </p:nvPr>
+        </p:nvSpPr>
+        <p:spPr>
+          <a:xfrm>
+            <a:off x="581192" y="5175772"/>
+            <a:ext cx="7989752" cy="590321"/>
+          </a:xfrm>
+          <a:ln>
+            <a:noFill/>
+          </a:ln>
+        </p:spPr>
+        <p:txBody>
+          <a:bodyPr anchor="t">
+            <a:normAutofit/>
+          </a:bodyPr>
+          <a:lstStyle>
+            <a:lvl1pPr marL="0" indent="0" algn="ctr">
+              <a:buNone/>
+              <a:defRPr sz="1600" cap="all">
+                <a:solidFill>
+                  <a:schemeClr val="bg1"/>
+                </a:solidFill>
+              </a:defRPr>
+            </a:lvl1pPr>
+            <a:lvl2pPr marL="457200" indent="0" algn="ctr">
+              <a:buNone/>
+              <a:defRPr>
+                <a:solidFill>
+                  <a:schemeClr val="tx1">
+                    <a:tint val="75000"/>
+                  </a:schemeClr>
+                </a:solidFill>
+              </a:defRPr>
+            </a:lvl2pPr>
+            <a:lvl3pPr marL="914400" indent="0" algn="ctr">
+              <a:buNone/>
+              <a:defRPr>
+                <a:solidFill>
+                  <a:schemeClr val="tx1">
+                    <a:tint val="75000"/>
+                  </a:schemeClr>
+                </a:solidFill>
+              </a:defRPr>
+            </a:lvl3pPr>
+            <a:lvl4pPr marL="1371600" indent="0" algn="ctr">
+              <a:buNone/>
+              <a:defRPr>
+                <a:solidFill>
+                  <a:schemeClr val="tx1">
+                    <a:tint val="75000"/>
+                  </a:schemeClr>
+                </a:solidFill>
+              </a:defRPr>
+            </a:lvl4pPr>
+            <a:lvl5pPr marL="1828800" indent="0" algn="ctr">
+              <a:buNone/>
+              <a:defRPr>
+                <a:solidFill>
+                  <a:schemeClr val="tx1">
+                    <a:tint val="75000"/>
+                  </a:schemeClr>
+                </a:solidFill>
+              </a:defRPr>
+            </a:lvl5pPr>
+            <a:lvl6pPr marL="2286000" indent="0" algn="ctr">
+              <a:buNone/>
+              <a:defRPr>
+                <a:solidFill>
+                  <a:schemeClr val="tx1">
+                    <a:tint val="75000"/>
+                  </a:schemeClr>
+                </a:solidFill>
+              </a:defRPr>
+            </a:lvl6pPr>
+            <a:lvl7pPr marL="2743200" indent="0" algn="ctr">
+              <a:buNone/>
+              <a:defRPr>
+                <a:solidFill>
+                  <a:schemeClr val="tx1">
+                    <a:tint val="75000"/>
+                  </a:schemeClr>
+                </a:solidFill>
+              </a:defRPr>
+            </a:lvl7pPr>
+            <a:lvl8pPr marL="3200400" indent="0" algn="ctr">
+              <a:buNone/>
+              <a:defRPr>
+                <a:solidFill>
+                  <a:schemeClr val="tx1">
+                    <a:tint val="75000"/>
+                  </a:schemeClr>
+                </a:solidFill>
+              </a:defRPr>
+            </a:lvl8pPr>
+            <a:lvl9pPr marL="3657600" indent="0" algn="ctr">
+              <a:buNone/>
+              <a:defRPr>
+                <a:solidFill>
+                  <a:schemeClr val="tx1">
+                    <a:tint val="75000"/>
+                  </a:schemeClr>
+                </a:solidFill>
+              </a:defRPr>
+            </a:lvl9pPr>
+          </a:lstStyle>
+          <a:p>
+            <a:r>
+              <a:rPr lang="en-US"/>
+              <a:t>Click to edit Master subtitle style</a:t>
+            </a:r>
+            <a:endParaRPr lang="en-US" dirty="0"/>
+          </a:p>
+        </p:txBody>
+      </p:sp>
+      <p:sp>
+        <p:nvSpPr>
+          <p:cNvPr id="4" name="Date Placeholder 3"/>
+          <p:cNvSpPr>
+            <a:spLocks noGrp="1"/>
+          </p:cNvSpPr>
+          <p:nvPr>
+            <p:ph type="dt" sz="half" idx="10"/>
+          </p:nvPr>
+        </p:nvSpPr>
+        <p:spPr>
+          <a:xfrm>
+            <a:off x="5559327" y="6392242"/>
+            <a:ext cx="2133600" cy="365125"/>
+          </a:xfrm>
+          <a:prstGeom prst="rect">
+            <a:avLst/>
+          </a:prstGeom>
+        </p:spPr>
+        <p:txBody>
+          <a:bodyPr/>
+          <a:lstStyle>
+            <a:lvl1pPr>
+              <a:defRPr>
+                <a:solidFill>
+                  <a:schemeClr val="accent1">
+                    <a:lumMod val="75000"/>
+                    <a:lumOff val="25000"/>
+                  </a:schemeClr>
+                </a:solidFill>
+              </a:defRPr>
+            </a:lvl1pPr>
+          </a:lstStyle>
+          <a:p>
+            <a:fld id="{F6866A5A-0A55-4D5D-B5E8-F3D8DD37FB3A}" type="datetime1">
+              <a:rPr lang="en-US" smtClean="0"/>
+              <a:t>6/12/18</a:t>
+            </a:fld>
+            <a:endParaRPr lang="en-US" dirty="0"/>
+          </a:p>
+        </p:txBody>
+      </p:sp>
+      <p:sp>
+        <p:nvSpPr>
+          <p:cNvPr id="5" name="Footer Placeholder 4"/>
+          <p:cNvSpPr>
+            <a:spLocks noGrp="1"/>
+          </p:cNvSpPr>
+          <p:nvPr>
+            <p:ph type="ftr" sz="quarter" idx="11"/>
+          </p:nvPr>
+        </p:nvSpPr>
+        <p:spPr>
+          <a:xfrm>
+            <a:off x="581192" y="6387916"/>
+            <a:ext cx="4870585" cy="365125"/>
+          </a:xfrm>
+          <a:prstGeom prst="rect">
+            <a:avLst/>
+          </a:prstGeom>
+        </p:spPr>
+        <p:txBody>
+          <a:bodyPr/>
+          <a:lstStyle>
+            <a:lvl1pPr>
+              <a:defRPr>
+                <a:solidFill>
+                  <a:schemeClr val="accent1">
+                    <a:lumMod val="75000"/>
+                    <a:lumOff val="25000"/>
+                  </a:schemeClr>
+                </a:solidFill>
+              </a:defRPr>
+            </a:lvl1pPr>
+          </a:lstStyle>
+          <a:p>
+            <a:r>
+              <a:rPr lang="en-US"/>
+              <a:t>© 2018, FLL Tutorials (Last Edit 6/11/2018)</a:t>
+            </a:r>
+            <a:endParaRPr lang="en-US" dirty="0"/>
+          </a:p>
+        </p:txBody>
+      </p:sp>
+      <p:sp>
+        <p:nvSpPr>
+          <p:cNvPr id="6" name="Slide Number Placeholder 5"/>
+          <p:cNvSpPr>
+            <a:spLocks noGrp="1"/>
+          </p:cNvSpPr>
+          <p:nvPr>
+            <p:ph type="sldNum" sz="quarter" idx="12"/>
+          </p:nvPr>
+        </p:nvSpPr>
+        <p:spPr>
+          <a:xfrm>
+            <a:off x="7800476" y="6392242"/>
+            <a:ext cx="770468" cy="365125"/>
+          </a:xfrm>
+          <a:prstGeom prst="rect">
+            <a:avLst/>
+          </a:prstGeom>
+        </p:spPr>
+        <p:txBody>
+          <a:bodyPr/>
+          <a:lstStyle>
+            <a:lvl1pPr>
+              <a:defRPr>
+                <a:solidFill>
+                  <a:schemeClr val="accent1">
+                    <a:lumMod val="75000"/>
+                    <a:lumOff val="25000"/>
+                  </a:schemeClr>
+                </a:solidFill>
+              </a:defRPr>
+            </a:lvl1pPr>
+          </a:lstStyle>
+          <a:p>
+            <a:fld id="{6D22F896-40B5-4ADD-8801-0D06FADFA095}" type="slidenum">
+              <a:rPr lang="en-US" smtClean="0"/>
+              <a:t>‹#›</a:t>
+            </a:fld>
+            <a:endParaRPr lang="en-US" dirty="0"/>
+          </a:p>
+        </p:txBody>
+      </p:sp>
+      <p:pic>
+        <p:nvPicPr>
+          <p:cNvPr id="8" name="Picture 7">
+            <a:extLst>
+              <a:ext uri="{FF2B5EF4-FFF2-40B4-BE49-F238E27FC236}">
+                <a16:creationId xmlns:a16="http://schemas.microsoft.com/office/drawing/2014/main" id="{D4B45051-E032-1249-AC8B-C5EB1B15FB44}"/>
+              </a:ext>
+            </a:extLst>
+          </p:cNvPr>
+          <p:cNvPicPr>
+            <a:picLocks noChangeAspect="1"/>
+          </p:cNvPicPr>
+          <p:nvPr/>
+        </p:nvPicPr>
+        <p:blipFill rotWithShape="1">
+          <a:blip r:embed="rId2" cstate="print">
+            <a:extLst>
+              <a:ext uri="{28A0092B-C50C-407E-A947-70E740481C1C}">
+                <a14:useLocalDpi xmlns:a14="http://schemas.microsoft.com/office/drawing/2010/main"/>
+              </a:ext>
+            </a:extLst>
+          </a:blip>
+          <a:srcRect/>
+          <a:stretch/>
+        </p:blipFill>
+        <p:spPr>
+          <a:xfrm>
+            <a:off x="335280" y="563880"/>
+            <a:ext cx="8488680" cy="2915504"/>
+          </a:xfrm>
+          <a:prstGeom prst="rect">
+            <a:avLst/>
+          </a:prstGeom>
+        </p:spPr>
+      </p:pic>
+      <p:sp>
+        <p:nvSpPr>
+          <p:cNvPr id="9" name="Rectangle 8">
+            <a:extLst>
+              <a:ext uri="{FF2B5EF4-FFF2-40B4-BE49-F238E27FC236}">
+                <a16:creationId xmlns:a16="http://schemas.microsoft.com/office/drawing/2014/main" id="{D3F668BD-7077-43F8-82C1-E64A5DF178BD}"/>
+              </a:ext>
+            </a:extLst>
+          </p:cNvPr>
+          <p:cNvSpPr/>
+          <p:nvPr userDrawn="1"/>
+        </p:nvSpPr>
+        <p:spPr>
+          <a:xfrm>
+            <a:off x="-2358" y="6272819"/>
+            <a:ext cx="9141619" cy="64008"/>
+          </a:xfrm>
+          <a:prstGeom prst="rect">
+            <a:avLst/>
+          </a:prstGeom>
+          <a:solidFill>
+            <a:srgbClr val="24CF39"/>
           </a:solidFill>
           <a:ln>
             <a:noFill/>
@@ -779,617 +1146,20 @@
             <a:schemeClr val="lt1"/>
           </a:fontRef>
         </p:style>
-      </p:sp>
-      <p:sp>
-        <p:nvSpPr>
-          <p:cNvPr id="8" name="Rectangle 7"/>
-          <p:cNvSpPr/>
-          <p:nvPr/>
-        </p:nvSpPr>
-        <p:spPr>
-          <a:xfrm>
-            <a:off x="12" y="6334316"/>
-            <a:ext cx="9141619" cy="64008"/>
-          </a:xfrm>
-          <a:prstGeom prst="rect">
-            <a:avLst/>
-          </a:prstGeom>
-          <a:solidFill>
-            <a:srgbClr val="652C90"/>
-          </a:solidFill>
-          <a:ln>
-            <a:noFill/>
-          </a:ln>
-        </p:spPr>
-        <p:style>
-          <a:lnRef idx="2">
-            <a:schemeClr val="accent1">
-              <a:shade val="50000"/>
-            </a:schemeClr>
-          </a:lnRef>
-          <a:fillRef idx="1">
-            <a:schemeClr val="accent1"/>
-          </a:fillRef>
-          <a:effectRef idx="0">
-            <a:schemeClr val="accent1"/>
-          </a:effectRef>
-          <a:fontRef idx="minor">
-            <a:schemeClr val="lt1"/>
-          </a:fontRef>
-        </p:style>
-      </p:sp>
-      <p:sp>
-        <p:nvSpPr>
-          <p:cNvPr id="2" name="Title 1"/>
-          <p:cNvSpPr>
-            <a:spLocks noGrp="1"/>
-          </p:cNvSpPr>
-          <p:nvPr>
-            <p:ph type="ctrTitle"/>
-          </p:nvPr>
-        </p:nvSpPr>
-        <p:spPr>
-          <a:xfrm>
-            <a:off x="600325" y="3297658"/>
-            <a:ext cx="8017477" cy="911046"/>
-          </a:xfrm>
-        </p:spPr>
-        <p:txBody>
-          <a:bodyPr anchor="b">
-            <a:normAutofit/>
-          </a:bodyPr>
-          <a:lstStyle>
-            <a:lvl1pPr algn="ctr">
-              <a:lnSpc>
-                <a:spcPct val="85000"/>
-              </a:lnSpc>
-              <a:defRPr sz="4800" spc="-50" baseline="0">
-                <a:solidFill>
-                  <a:schemeClr val="tx1">
-                    <a:lumMod val="85000"/>
-                    <a:lumOff val="15000"/>
-                  </a:schemeClr>
-                </a:solidFill>
-              </a:defRPr>
-            </a:lvl1pPr>
-          </a:lstStyle>
-          <a:p>
-            <a:r>
-              <a:rPr lang="en-US" dirty="0"/>
-              <a:t>Click to edit Master title style</a:t>
-            </a:r>
-          </a:p>
-        </p:txBody>
-      </p:sp>
-      <p:sp>
-        <p:nvSpPr>
-          <p:cNvPr id="3" name="Subtitle 2"/>
-          <p:cNvSpPr>
-            <a:spLocks noGrp="1"/>
-          </p:cNvSpPr>
-          <p:nvPr>
-            <p:ph type="subTitle" idx="1"/>
-          </p:nvPr>
-        </p:nvSpPr>
-        <p:spPr>
-          <a:xfrm>
-            <a:off x="796551" y="4446449"/>
-            <a:ext cx="7543800" cy="488911"/>
-          </a:xfrm>
-        </p:spPr>
-        <p:txBody>
-          <a:bodyPr lIns="91440" rIns="91440">
-            <a:normAutofit/>
-          </a:bodyPr>
-          <a:lstStyle>
-            <a:lvl1pPr marL="0" indent="0" algn="ctr">
-              <a:buNone/>
-              <a:defRPr sz="2400" cap="all" spc="200" baseline="0">
-                <a:solidFill>
-                  <a:schemeClr val="tx2"/>
-                </a:solidFill>
-                <a:latin typeface="+mj-lt"/>
-              </a:defRPr>
-            </a:lvl1pPr>
-            <a:lvl2pPr marL="457200" indent="0" algn="ctr">
-              <a:buNone/>
-              <a:defRPr sz="2400"/>
-            </a:lvl2pPr>
-            <a:lvl3pPr marL="914400" indent="0" algn="ctr">
-              <a:buNone/>
-              <a:defRPr sz="2400"/>
-            </a:lvl3pPr>
-            <a:lvl4pPr marL="1371600" indent="0" algn="ctr">
-              <a:buNone/>
-              <a:defRPr sz="2000"/>
-            </a:lvl4pPr>
-            <a:lvl5pPr marL="1828800" indent="0" algn="ctr">
-              <a:buNone/>
-              <a:defRPr sz="2000"/>
-            </a:lvl5pPr>
-            <a:lvl6pPr marL="2286000" indent="0" algn="ctr">
-              <a:buNone/>
-              <a:defRPr sz="2000"/>
-            </a:lvl6pPr>
-            <a:lvl7pPr marL="2743200" indent="0" algn="ctr">
-              <a:buNone/>
-              <a:defRPr sz="2000"/>
-            </a:lvl7pPr>
-            <a:lvl8pPr marL="3200400" indent="0" algn="ctr">
-              <a:buNone/>
-              <a:defRPr sz="2000"/>
-            </a:lvl8pPr>
-            <a:lvl9pPr marL="3657600" indent="0" algn="ctr">
-              <a:buNone/>
-              <a:defRPr sz="2000"/>
-            </a:lvl9pPr>
-          </a:lstStyle>
-          <a:p>
-            <a:endParaRPr lang="en-US" dirty="0"/>
-          </a:p>
-        </p:txBody>
-      </p:sp>
-      <p:sp>
-        <p:nvSpPr>
-          <p:cNvPr id="4" name="Date Placeholder 3"/>
-          <p:cNvSpPr>
-            <a:spLocks noGrp="1"/>
-          </p:cNvSpPr>
-          <p:nvPr>
-            <p:ph type="dt" sz="half" idx="10"/>
-          </p:nvPr>
-        </p:nvSpPr>
-        <p:spPr/>
         <p:txBody>
           <a:bodyPr/>
           <a:lstStyle/>
           <a:p>
-            <a:fld id="{7106192D-0F4B-49ED-9036-6E9BE2517EE0}" type="datetime1">
-              <a:rPr lang="en-US" smtClean="0"/>
-              <a:t>6/7/18</a:t>
-            </a:fld>
-            <a:endParaRPr lang="en-US" dirty="0"/>
-          </a:p>
-        </p:txBody>
-      </p:sp>
-      <p:sp>
-        <p:nvSpPr>
-          <p:cNvPr id="5" name="Footer Placeholder 4"/>
-          <p:cNvSpPr>
-            <a:spLocks noGrp="1"/>
-          </p:cNvSpPr>
-          <p:nvPr>
-            <p:ph type="ftr" sz="quarter" idx="11"/>
-          </p:nvPr>
-        </p:nvSpPr>
-        <p:spPr/>
-        <p:txBody>
-          <a:bodyPr/>
-          <a:lstStyle/>
-          <a:p>
-            <a:r>
-              <a:rPr lang="en-US"/>
-              <a:t>© 2018, FLL Tutorials (Last Edit 9/27/2017)</a:t>
-            </a:r>
-            <a:endParaRPr lang="en-US" dirty="0"/>
-          </a:p>
-        </p:txBody>
-      </p:sp>
-      <p:sp>
-        <p:nvSpPr>
-          <p:cNvPr id="6" name="Slide Number Placeholder 5"/>
-          <p:cNvSpPr>
-            <a:spLocks noGrp="1"/>
-          </p:cNvSpPr>
-          <p:nvPr>
-            <p:ph type="sldNum" sz="quarter" idx="12"/>
-          </p:nvPr>
-        </p:nvSpPr>
-        <p:spPr/>
-        <p:txBody>
-          <a:bodyPr/>
-          <a:lstStyle/>
-          <a:p>
-            <a:fld id="{6D22F896-40B5-4ADD-8801-0D06FADFA095}" type="slidenum">
-              <a:rPr lang="en-US" smtClean="0"/>
-              <a:t>‹#›</a:t>
-            </a:fld>
-            <a:endParaRPr lang="en-US" dirty="0"/>
-          </a:p>
-        </p:txBody>
-      </p:sp>
-      <p:cxnSp>
-        <p:nvCxnSpPr>
-          <p:cNvPr id="9" name="Straight Connector 8"/>
-          <p:cNvCxnSpPr/>
-          <p:nvPr/>
-        </p:nvCxnSpPr>
-        <p:spPr>
-          <a:xfrm>
-            <a:off x="905744" y="4343400"/>
-            <a:ext cx="7406640" cy="0"/>
-          </a:xfrm>
-          <a:prstGeom prst="line">
-            <a:avLst/>
-          </a:prstGeom>
-          <a:ln w="6350">
-            <a:solidFill>
-              <a:schemeClr val="tx1">
-                <a:lumMod val="50000"/>
-                <a:lumOff val="50000"/>
-              </a:schemeClr>
-            </a:solidFill>
-          </a:ln>
-        </p:spPr>
-        <p:style>
-          <a:lnRef idx="1">
-            <a:schemeClr val="accent1"/>
-          </a:lnRef>
-          <a:fillRef idx="0">
-            <a:schemeClr val="accent1"/>
-          </a:fillRef>
-          <a:effectRef idx="0">
-            <a:schemeClr val="accent1"/>
-          </a:effectRef>
-          <a:fontRef idx="minor">
-            <a:schemeClr val="tx1"/>
-          </a:fontRef>
-        </p:style>
-      </p:cxnSp>
-      <p:sp>
-        <p:nvSpPr>
-          <p:cNvPr id="10" name="Rectangle 9"/>
-          <p:cNvSpPr/>
-          <p:nvPr userDrawn="1"/>
-        </p:nvSpPr>
-        <p:spPr>
-          <a:xfrm>
-            <a:off x="-2358" y="6272819"/>
-            <a:ext cx="9141619" cy="64008"/>
-          </a:xfrm>
-          <a:prstGeom prst="rect">
-            <a:avLst/>
-          </a:prstGeom>
-          <a:solidFill>
-            <a:srgbClr val="24CF39"/>
-          </a:solidFill>
-          <a:ln>
-            <a:noFill/>
-          </a:ln>
-        </p:spPr>
-        <p:style>
-          <a:lnRef idx="2">
-            <a:schemeClr val="accent1">
-              <a:shade val="50000"/>
-            </a:schemeClr>
-          </a:lnRef>
-          <a:fillRef idx="1">
-            <a:schemeClr val="accent1"/>
-          </a:fillRef>
-          <a:effectRef idx="0">
-            <a:schemeClr val="accent1"/>
-          </a:effectRef>
-          <a:fontRef idx="minor">
-            <a:schemeClr val="lt1"/>
-          </a:fontRef>
-        </p:style>
-        <p:txBody>
-          <a:bodyPr/>
-          <a:lstStyle/>
-          <a:p>
-            <a:endParaRPr lang="en-US" dirty="0"/>
-          </a:p>
-        </p:txBody>
-      </p:sp>
-      <p:sp>
-        <p:nvSpPr>
-          <p:cNvPr id="12" name="Subtitle 2"/>
-          <p:cNvSpPr txBox="1">
-            <a:spLocks/>
-          </p:cNvSpPr>
-          <p:nvPr userDrawn="1"/>
-        </p:nvSpPr>
-        <p:spPr>
-          <a:xfrm>
-            <a:off x="905744" y="5680860"/>
-            <a:ext cx="7543800" cy="488911"/>
-          </a:xfrm>
-          <a:prstGeom prst="rect">
-            <a:avLst/>
-          </a:prstGeom>
-        </p:spPr>
-        <p:txBody>
-          <a:bodyPr vert="horz" lIns="91440" tIns="45720" rIns="91440" bIns="45720" rtlCol="0">
-            <a:normAutofit/>
-          </a:bodyPr>
-          <a:lstStyle>
-            <a:lvl1pPr marL="0" indent="0" algn="ctr" defTabSz="914400" rtl="0" eaLnBrk="1" latinLnBrk="0" hangingPunct="1">
-              <a:lnSpc>
-                <a:spcPct val="90000"/>
-              </a:lnSpc>
-              <a:spcBef>
-                <a:spcPts val="1200"/>
-              </a:spcBef>
-              <a:spcAft>
-                <a:spcPts val="200"/>
-              </a:spcAft>
-              <a:buClr>
-                <a:schemeClr val="accent1"/>
-              </a:buClr>
-              <a:buSzPct val="100000"/>
-              <a:buFont typeface="Calibri" panose="020F0502020204030204" pitchFamily="34" charset="0"/>
-              <a:buNone/>
-              <a:defRPr sz="2400" kern="1200" cap="all" spc="200" baseline="0">
-                <a:solidFill>
-                  <a:schemeClr val="tx2"/>
-                </a:solidFill>
-                <a:latin typeface="+mj-lt"/>
-                <a:ea typeface="+mn-ea"/>
-                <a:cs typeface="+mn-cs"/>
-              </a:defRPr>
-            </a:lvl1pPr>
-            <a:lvl2pPr marL="457200" indent="0" algn="ctr" defTabSz="914400" rtl="0" eaLnBrk="1" latinLnBrk="0" hangingPunct="1">
-              <a:lnSpc>
-                <a:spcPct val="90000"/>
-              </a:lnSpc>
-              <a:spcBef>
-                <a:spcPts val="200"/>
-              </a:spcBef>
-              <a:spcAft>
-                <a:spcPts val="400"/>
-              </a:spcAft>
-              <a:buClr>
-                <a:schemeClr val="accent1"/>
-              </a:buClr>
-              <a:buFont typeface="Calibri" pitchFamily="34" charset="0"/>
-              <a:buNone/>
-              <a:defRPr sz="2400" kern="1200">
-                <a:solidFill>
-                  <a:schemeClr val="tx1">
-                    <a:lumMod val="75000"/>
-                    <a:lumOff val="25000"/>
-                  </a:schemeClr>
-                </a:solidFill>
-                <a:latin typeface="+mn-lt"/>
-                <a:ea typeface="+mn-ea"/>
-                <a:cs typeface="+mn-cs"/>
-              </a:defRPr>
-            </a:lvl2pPr>
-            <a:lvl3pPr marL="914400" indent="0" algn="ctr" defTabSz="914400" rtl="0" eaLnBrk="1" latinLnBrk="0" hangingPunct="1">
-              <a:lnSpc>
-                <a:spcPct val="90000"/>
-              </a:lnSpc>
-              <a:spcBef>
-                <a:spcPts val="200"/>
-              </a:spcBef>
-              <a:spcAft>
-                <a:spcPts val="400"/>
-              </a:spcAft>
-              <a:buClr>
-                <a:schemeClr val="accent1"/>
-              </a:buClr>
-              <a:buFont typeface="Calibri" pitchFamily="34" charset="0"/>
-              <a:buNone/>
-              <a:defRPr sz="2400" kern="1200">
-                <a:solidFill>
-                  <a:schemeClr val="tx1">
-                    <a:lumMod val="75000"/>
-                    <a:lumOff val="25000"/>
-                  </a:schemeClr>
-                </a:solidFill>
-                <a:latin typeface="+mn-lt"/>
-                <a:ea typeface="+mn-ea"/>
-                <a:cs typeface="+mn-cs"/>
-              </a:defRPr>
-            </a:lvl3pPr>
-            <a:lvl4pPr marL="1371600" indent="0" algn="ctr" defTabSz="914400" rtl="0" eaLnBrk="1" latinLnBrk="0" hangingPunct="1">
-              <a:lnSpc>
-                <a:spcPct val="90000"/>
-              </a:lnSpc>
-              <a:spcBef>
-                <a:spcPts val="200"/>
-              </a:spcBef>
-              <a:spcAft>
-                <a:spcPts val="400"/>
-              </a:spcAft>
-              <a:buClr>
-                <a:schemeClr val="accent1"/>
-              </a:buClr>
-              <a:buFont typeface="Calibri" pitchFamily="34" charset="0"/>
-              <a:buNone/>
-              <a:defRPr sz="2000" kern="1200">
-                <a:solidFill>
-                  <a:schemeClr val="tx1">
-                    <a:lumMod val="75000"/>
-                    <a:lumOff val="25000"/>
-                  </a:schemeClr>
-                </a:solidFill>
-                <a:latin typeface="+mn-lt"/>
-                <a:ea typeface="+mn-ea"/>
-                <a:cs typeface="+mn-cs"/>
-              </a:defRPr>
-            </a:lvl4pPr>
-            <a:lvl5pPr marL="1828800" indent="0" algn="ctr" defTabSz="914400" rtl="0" eaLnBrk="1" latinLnBrk="0" hangingPunct="1">
-              <a:lnSpc>
-                <a:spcPct val="90000"/>
-              </a:lnSpc>
-              <a:spcBef>
-                <a:spcPts val="200"/>
-              </a:spcBef>
-              <a:spcAft>
-                <a:spcPts val="400"/>
-              </a:spcAft>
-              <a:buClr>
-                <a:schemeClr val="accent1"/>
-              </a:buClr>
-              <a:buFont typeface="Calibri" pitchFamily="34" charset="0"/>
-              <a:buNone/>
-              <a:defRPr sz="2000" kern="1200">
-                <a:solidFill>
-                  <a:schemeClr val="tx1">
-                    <a:lumMod val="75000"/>
-                    <a:lumOff val="25000"/>
-                  </a:schemeClr>
-                </a:solidFill>
-                <a:latin typeface="+mn-lt"/>
-                <a:ea typeface="+mn-ea"/>
-                <a:cs typeface="+mn-cs"/>
-              </a:defRPr>
-            </a:lvl5pPr>
-            <a:lvl6pPr marL="2286000" indent="0" algn="ctr" defTabSz="914400" rtl="0" eaLnBrk="1" latinLnBrk="0" hangingPunct="1">
-              <a:lnSpc>
-                <a:spcPct val="90000"/>
-              </a:lnSpc>
-              <a:spcBef>
-                <a:spcPts val="200"/>
-              </a:spcBef>
-              <a:spcAft>
-                <a:spcPts val="400"/>
-              </a:spcAft>
-              <a:buClr>
-                <a:schemeClr val="accent1"/>
-              </a:buClr>
-              <a:buFont typeface="Calibri" pitchFamily="34" charset="0"/>
-              <a:buNone/>
-              <a:defRPr sz="2000" kern="1200">
-                <a:solidFill>
-                  <a:schemeClr val="tx1">
-                    <a:lumMod val="75000"/>
-                    <a:lumOff val="25000"/>
-                  </a:schemeClr>
-                </a:solidFill>
-                <a:latin typeface="+mn-lt"/>
-                <a:ea typeface="+mn-ea"/>
-                <a:cs typeface="+mn-cs"/>
-              </a:defRPr>
-            </a:lvl6pPr>
-            <a:lvl7pPr marL="2743200" indent="0" algn="ctr" defTabSz="914400" rtl="0" eaLnBrk="1" latinLnBrk="0" hangingPunct="1">
-              <a:lnSpc>
-                <a:spcPct val="90000"/>
-              </a:lnSpc>
-              <a:spcBef>
-                <a:spcPts val="200"/>
-              </a:spcBef>
-              <a:spcAft>
-                <a:spcPts val="400"/>
-              </a:spcAft>
-              <a:buClr>
-                <a:schemeClr val="accent1"/>
-              </a:buClr>
-              <a:buFont typeface="Calibri" pitchFamily="34" charset="0"/>
-              <a:buNone/>
-              <a:defRPr sz="2000" kern="1200">
-                <a:solidFill>
-                  <a:schemeClr val="tx1">
-                    <a:lumMod val="75000"/>
-                    <a:lumOff val="25000"/>
-                  </a:schemeClr>
-                </a:solidFill>
-                <a:latin typeface="+mn-lt"/>
-                <a:ea typeface="+mn-ea"/>
-                <a:cs typeface="+mn-cs"/>
-              </a:defRPr>
-            </a:lvl7pPr>
-            <a:lvl8pPr marL="3200400" indent="0" algn="ctr" defTabSz="914400" rtl="0" eaLnBrk="1" latinLnBrk="0" hangingPunct="1">
-              <a:lnSpc>
-                <a:spcPct val="90000"/>
-              </a:lnSpc>
-              <a:spcBef>
-                <a:spcPts val="200"/>
-              </a:spcBef>
-              <a:spcAft>
-                <a:spcPts val="400"/>
-              </a:spcAft>
-              <a:buClr>
-                <a:schemeClr val="accent1"/>
-              </a:buClr>
-              <a:buFont typeface="Calibri" pitchFamily="34" charset="0"/>
-              <a:buNone/>
-              <a:defRPr sz="2000" kern="1200">
-                <a:solidFill>
-                  <a:schemeClr val="tx1">
-                    <a:lumMod val="75000"/>
-                    <a:lumOff val="25000"/>
-                  </a:schemeClr>
-                </a:solidFill>
-                <a:latin typeface="+mn-lt"/>
-                <a:ea typeface="+mn-ea"/>
-                <a:cs typeface="+mn-cs"/>
-              </a:defRPr>
-            </a:lvl8pPr>
-            <a:lvl9pPr marL="3657600" indent="0" algn="ctr" defTabSz="914400" rtl="0" eaLnBrk="1" latinLnBrk="0" hangingPunct="1">
-              <a:lnSpc>
-                <a:spcPct val="90000"/>
-              </a:lnSpc>
-              <a:spcBef>
-                <a:spcPts val="200"/>
-              </a:spcBef>
-              <a:spcAft>
-                <a:spcPts val="400"/>
-              </a:spcAft>
-              <a:buClr>
-                <a:schemeClr val="accent1"/>
-              </a:buClr>
-              <a:buFont typeface="Calibri" pitchFamily="34" charset="0"/>
-              <a:buNone/>
-              <a:defRPr sz="2000" kern="1200">
-                <a:solidFill>
-                  <a:schemeClr val="tx1">
-                    <a:lumMod val="75000"/>
-                    <a:lumOff val="25000"/>
-                  </a:schemeClr>
-                </a:solidFill>
-                <a:latin typeface="+mn-lt"/>
-                <a:ea typeface="+mn-ea"/>
-                <a:cs typeface="+mn-cs"/>
-              </a:defRPr>
-            </a:lvl9pPr>
-          </a:lstStyle>
-          <a:p>
-            <a:r>
-              <a:rPr lang="en-US" dirty="0"/>
-              <a:t>RESEARCH PROJECT LESSONS</a:t>
-            </a:r>
-          </a:p>
-        </p:txBody>
-      </p:sp>
-      <p:pic>
-        <p:nvPicPr>
-          <p:cNvPr id="13" name="Picture 12" descr="A screenshot of a cell phone&#10;&#10;Description generated with very high confidence">
-            <a:extLst>
-              <a:ext uri="{FF2B5EF4-FFF2-40B4-BE49-F238E27FC236}">
-                <a16:creationId xmlns:a16="http://schemas.microsoft.com/office/drawing/2014/main" id="{A3F2940E-D6B0-4889-82D3-031E7DE99E62}"/>
-              </a:ext>
-            </a:extLst>
-          </p:cNvPr>
-          <p:cNvPicPr>
-            <a:picLocks noChangeAspect="1"/>
-          </p:cNvPicPr>
-          <p:nvPr userDrawn="1"/>
-        </p:nvPicPr>
-        <p:blipFill>
-          <a:blip r:embed="rId2">
-            <a:extLst>
-              <a:ext uri="{28A0092B-C50C-407E-A947-70E740481C1C}">
-                <a14:useLocalDpi xmlns:a14="http://schemas.microsoft.com/office/drawing/2010/main" val="0"/>
-              </a:ext>
-            </a:extLst>
-          </a:blip>
-          <a:stretch>
-            <a:fillRect/>
-          </a:stretch>
-        </p:blipFill>
-        <p:spPr>
-          <a:xfrm>
-            <a:off x="429843" y="91003"/>
-            <a:ext cx="8277216" cy="3038533"/>
-          </a:xfrm>
-          <a:prstGeom prst="rect">
-            <a:avLst/>
-          </a:prstGeom>
-        </p:spPr>
-      </p:pic>
+            <a:endParaRPr lang="en-US" dirty="0"/>
+          </a:p>
+        </p:txBody>
+      </p:sp>
     </p:spTree>
+    <p:extLst>
+      <p:ext uri="{BB962C8B-B14F-4D97-AF65-F5344CB8AC3E}">
+        <p14:creationId xmlns:p14="http://schemas.microsoft.com/office/powerpoint/2010/main" val="4151232193"/>
+      </p:ext>
+    </p:extLst>
   </p:cSld>
   <p:clrMapOvr>
     <a:masterClrMapping/>
@@ -1416,6 +1186,45 @@
       </p:grpSpPr>
       <p:sp>
         <p:nvSpPr>
+          <p:cNvPr id="7" name="Rectangle 6"/>
+          <p:cNvSpPr>
+            <a:spLocks noChangeAspect="1"/>
+          </p:cNvSpPr>
+          <p:nvPr/>
+        </p:nvSpPr>
+        <p:spPr>
+          <a:xfrm>
+            <a:off x="448092" y="599725"/>
+            <a:ext cx="8238707" cy="1258827"/>
+          </a:xfrm>
+          <a:prstGeom prst="rect">
+            <a:avLst/>
+          </a:prstGeom>
+          <a:solidFill>
+            <a:schemeClr val="accent1"/>
+          </a:solidFill>
+          <a:ln>
+            <a:noFill/>
+          </a:ln>
+          <a:effectLst/>
+        </p:spPr>
+        <p:style>
+          <a:lnRef idx="1">
+            <a:schemeClr val="accent1"/>
+          </a:lnRef>
+          <a:fillRef idx="3">
+            <a:schemeClr val="accent1"/>
+          </a:fillRef>
+          <a:effectRef idx="2">
+            <a:schemeClr val="accent1"/>
+          </a:effectRef>
+          <a:fontRef idx="minor">
+            <a:schemeClr val="lt1"/>
+          </a:fontRef>
+        </p:style>
+      </p:sp>
+      <p:sp>
+        <p:nvSpPr>
           <p:cNvPr id="2" name="Title 1"/>
           <p:cNvSpPr>
             <a:spLocks noGrp="1"/>
@@ -1449,13 +1258,29 @@
         </p:nvSpPr>
         <p:spPr/>
         <p:txBody>
-          <a:bodyPr vert="eaVert" lIns="45720" tIns="0" rIns="45720" bIns="0"/>
-          <a:lstStyle/>
+          <a:bodyPr vert="eaVert" anchor="t"/>
+          <a:lstStyle>
+            <a:lvl1pPr algn="l">
+              <a:defRPr/>
+            </a:lvl1pPr>
+            <a:lvl2pPr algn="l">
+              <a:defRPr/>
+            </a:lvl2pPr>
+            <a:lvl3pPr algn="l">
+              <a:defRPr/>
+            </a:lvl3pPr>
+            <a:lvl4pPr algn="l">
+              <a:defRPr/>
+            </a:lvl4pPr>
+            <a:lvl5pPr algn="l">
+              <a:defRPr/>
+            </a:lvl5pPr>
+          </a:lstStyle>
           <a:p>
             <a:pPr lvl="0"/>
             <a:r>
               <a:rPr lang="en-US"/>
-              <a:t>Click to edit Master text styles</a:t>
+              <a:t>Edit Master text styles</a:t>
             </a:r>
           </a:p>
           <a:p>
@@ -1499,14 +1324,22 @@
             <p:ph type="dt" sz="half" idx="10"/>
           </p:nvPr>
         </p:nvSpPr>
-        <p:spPr/>
+        <p:spPr>
+          <a:xfrm>
+            <a:off x="5559327" y="5956136"/>
+            <a:ext cx="2133600" cy="365125"/>
+          </a:xfrm>
+          <a:prstGeom prst="rect">
+            <a:avLst/>
+          </a:prstGeom>
+        </p:spPr>
         <p:txBody>
           <a:bodyPr/>
           <a:lstStyle/>
           <a:p>
-            <a:fld id="{E2BF6D19-037F-4A74-8DCB-7988D7D2A7A9}" type="datetime1">
+            <a:fld id="{8D0969ED-99E2-408E-BB07-DA94B73CF6BB}" type="datetime1">
               <a:rPr lang="en-US" smtClean="0"/>
-              <a:t>6/7/18</a:t>
+              <a:t>6/12/18</a:t>
             </a:fld>
             <a:endParaRPr lang="en-US" dirty="0"/>
           </a:p>
@@ -1522,14 +1355,22 @@
             <p:ph type="ftr" sz="quarter" idx="11"/>
           </p:nvPr>
         </p:nvSpPr>
-        <p:spPr/>
+        <p:spPr>
+          <a:xfrm>
+            <a:off x="581192" y="5951810"/>
+            <a:ext cx="4870585" cy="365125"/>
+          </a:xfrm>
+          <a:prstGeom prst="rect">
+            <a:avLst/>
+          </a:prstGeom>
+        </p:spPr>
         <p:txBody>
           <a:bodyPr/>
           <a:lstStyle/>
           <a:p>
             <a:r>
               <a:rPr lang="en-US"/>
-              <a:t>© 2018, FLL Tutorials (Last Edit 9/27/2017)</a:t>
+              <a:t>© 2018, FLL Tutorials (Last Edit 6/11/2018)</a:t>
             </a:r>
             <a:endParaRPr lang="en-US" dirty="0"/>
           </a:p>
@@ -1545,7 +1386,15 @@
             <p:ph type="sldNum" sz="quarter" idx="12"/>
           </p:nvPr>
         </p:nvSpPr>
-        <p:spPr/>
+        <p:spPr>
+          <a:xfrm>
+            <a:off x="7800476" y="5956136"/>
+            <a:ext cx="770468" cy="365125"/>
+          </a:xfrm>
+          <a:prstGeom prst="rect">
+            <a:avLst/>
+          </a:prstGeom>
+        </p:spPr>
         <p:txBody>
           <a:bodyPr/>
           <a:lstStyle/>
@@ -1559,6 +1408,11 @@
         </p:txBody>
       </p:sp>
     </p:spTree>
+    <p:extLst>
+      <p:ext uri="{BB962C8B-B14F-4D97-AF65-F5344CB8AC3E}">
+        <p14:creationId xmlns:p14="http://schemas.microsoft.com/office/powerpoint/2010/main" val="1570562051"/>
+      </p:ext>
+    </p:extLst>
   </p:cSld>
   <p:clrMapOvr>
     <a:masterClrMapping/>
@@ -1567,7 +1421,7 @@
 </file>
 
 <file path=ppt/slideLayouts/slideLayout11.xml><?xml version="1.0" encoding="utf-8"?>
-<p:sldLayout xmlns:a="http://schemas.openxmlformats.org/drawingml/2006/main" xmlns:r="http://schemas.openxmlformats.org/officeDocument/2006/relationships" xmlns:p="http://schemas.openxmlformats.org/presentationml/2006/main" showMasterSp="0" type="vertTitleAndTx" preserve="1">
+<p:sldLayout xmlns:a="http://schemas.openxmlformats.org/drawingml/2006/main" xmlns:r="http://schemas.openxmlformats.org/officeDocument/2006/relationships" xmlns:p="http://schemas.openxmlformats.org/presentationml/2006/main" type="vertTitleAndTx" preserve="1">
   <p:cSld name="Vertical Title and Text">
     <p:spTree>
       <p:nvGrpSpPr>
@@ -1586,51 +1440,15 @@
       <p:sp>
         <p:nvSpPr>
           <p:cNvPr id="7" name="Rectangle 6"/>
-          <p:cNvSpPr/>
+          <p:cNvSpPr>
+            <a:spLocks noChangeAspect="1"/>
+          </p:cNvSpPr>
           <p:nvPr/>
         </p:nvSpPr>
         <p:spPr>
           <a:xfrm>
-            <a:off x="2382" y="6400800"/>
-            <a:ext cx="9141619" cy="457200"/>
-          </a:xfrm>
-          <a:prstGeom prst="rect">
-            <a:avLst/>
-          </a:prstGeom>
-          <a:solidFill>
-            <a:schemeClr val="accent2"/>
-          </a:solidFill>
-          <a:ln>
-            <a:noFill/>
-          </a:ln>
-        </p:spPr>
-        <p:style>
-          <a:lnRef idx="2">
-            <a:schemeClr val="accent1">
-              <a:shade val="50000"/>
-            </a:schemeClr>
-          </a:lnRef>
-          <a:fillRef idx="1">
-            <a:schemeClr val="accent1"/>
-          </a:fillRef>
-          <a:effectRef idx="0">
-            <a:schemeClr val="accent1"/>
-          </a:effectRef>
-          <a:fontRef idx="minor">
-            <a:schemeClr val="lt1"/>
-          </a:fontRef>
-        </p:style>
-      </p:sp>
-      <p:sp>
-        <p:nvSpPr>
-          <p:cNvPr id="8" name="Rectangle 7"/>
-          <p:cNvSpPr/>
-          <p:nvPr/>
-        </p:nvSpPr>
-        <p:spPr>
-          <a:xfrm>
-            <a:off x="12" y="6334316"/>
-            <a:ext cx="9141619" cy="64008"/>
+            <a:off x="6629400" y="599725"/>
+            <a:ext cx="2057399" cy="5816950"/>
           </a:xfrm>
           <a:prstGeom prst="rect">
             <a:avLst/>
@@ -1641,17 +1459,16 @@
           <a:ln>
             <a:noFill/>
           </a:ln>
+          <a:effectLst/>
         </p:spPr>
         <p:style>
-          <a:lnRef idx="2">
-            <a:schemeClr val="accent1">
-              <a:shade val="50000"/>
-            </a:schemeClr>
+          <a:lnRef idx="1">
+            <a:schemeClr val="accent1"/>
           </a:lnRef>
-          <a:fillRef idx="1">
+          <a:fillRef idx="3">
             <a:schemeClr val="accent1"/>
           </a:fillRef>
-          <a:effectRef idx="0">
+          <a:effectRef idx="2">
             <a:schemeClr val="accent1"/>
           </a:effectRef>
           <a:fontRef idx="minor">
@@ -1671,8 +1488,8 @@
         </p:nvSpPr>
         <p:spPr>
           <a:xfrm>
-            <a:off x="6543675" y="414779"/>
-            <a:ext cx="1971675" cy="5757421"/>
+            <a:off x="6629400" y="675725"/>
+            <a:ext cx="1503123" cy="5183073"/>
           </a:xfrm>
         </p:spPr>
         <p:txBody>
@@ -1699,18 +1516,18 @@
         </p:nvSpPr>
         <p:spPr>
           <a:xfrm>
-            <a:off x="628650" y="414779"/>
-            <a:ext cx="5800725" cy="5757420"/>
-          </a:xfrm>
-        </p:spPr>
-        <p:txBody>
-          <a:bodyPr vert="eaVert" lIns="45720" tIns="0" rIns="45720" bIns="0"/>
+            <a:off x="581192" y="675725"/>
+            <a:ext cx="5922209" cy="5183073"/>
+          </a:xfrm>
+        </p:spPr>
+        <p:txBody>
+          <a:bodyPr vert="eaVert" anchor="t"/>
           <a:lstStyle/>
           <a:p>
             <a:pPr lvl="0"/>
             <a:r>
               <a:rPr lang="en-US"/>
-              <a:t>Click to edit Master text styles</a:t>
+              <a:t>Edit Master text styles</a:t>
             </a:r>
           </a:p>
           <a:p>
@@ -1754,56 +1571,102 @@
             <p:ph type="dt" sz="half" idx="10"/>
           </p:nvPr>
         </p:nvSpPr>
-        <p:spPr/>
+        <p:spPr>
+          <a:xfrm>
+            <a:off x="6745255" y="5956136"/>
+            <a:ext cx="947672" cy="365125"/>
+          </a:xfrm>
+          <a:prstGeom prst="rect">
+            <a:avLst/>
+          </a:prstGeom>
+        </p:spPr>
+        <p:txBody>
+          <a:bodyPr/>
+          <a:lstStyle>
+            <a:lvl1pPr>
+              <a:defRPr>
+                <a:solidFill>
+                  <a:schemeClr val="accent1">
+                    <a:lumMod val="75000"/>
+                    <a:lumOff val="25000"/>
+                  </a:schemeClr>
+                </a:solidFill>
+              </a:defRPr>
+            </a:lvl1pPr>
+          </a:lstStyle>
+          <a:p>
+            <a:fld id="{7803AC69-2A33-400C-BCAC-DAF57EE44F08}" type="datetime1">
+              <a:rPr lang="en-US" smtClean="0"/>
+              <a:t>6/12/18</a:t>
+            </a:fld>
+            <a:endParaRPr lang="en-US" dirty="0"/>
+          </a:p>
+        </p:txBody>
+      </p:sp>
+      <p:sp>
+        <p:nvSpPr>
+          <p:cNvPr id="5" name="Footer Placeholder 4"/>
+          <p:cNvSpPr>
+            <a:spLocks noGrp="1"/>
+          </p:cNvSpPr>
+          <p:nvPr>
+            <p:ph type="ftr" sz="quarter" idx="11"/>
+          </p:nvPr>
+        </p:nvSpPr>
+        <p:spPr>
+          <a:xfrm>
+            <a:off x="581192" y="5951810"/>
+            <a:ext cx="5922209" cy="365125"/>
+          </a:xfrm>
+          <a:prstGeom prst="rect">
+            <a:avLst/>
+          </a:prstGeom>
+        </p:spPr>
         <p:txBody>
           <a:bodyPr/>
           <a:lstStyle/>
           <a:p>
-            <a:fld id="{9962E0F5-9EDB-4E6E-90B8-F69CBFF4EA9A}" type="datetime1">
-              <a:rPr lang="en-US" smtClean="0"/>
-              <a:t>6/7/18</a:t>
-            </a:fld>
-            <a:endParaRPr lang="en-US" dirty="0"/>
-          </a:p>
-        </p:txBody>
-      </p:sp>
-      <p:sp>
-        <p:nvSpPr>
-          <p:cNvPr id="5" name="Footer Placeholder 4"/>
-          <p:cNvSpPr>
-            <a:spLocks noGrp="1"/>
-          </p:cNvSpPr>
-          <p:nvPr>
-            <p:ph type="ftr" sz="quarter" idx="11"/>
-          </p:nvPr>
-        </p:nvSpPr>
-        <p:spPr/>
+            <a:r>
+              <a:rPr lang="en-US"/>
+              <a:t>© 2018, FLL Tutorials (Last Edit 6/11/2018)</a:t>
+            </a:r>
+            <a:endParaRPr lang="en-US" dirty="0"/>
+          </a:p>
+        </p:txBody>
+      </p:sp>
+      <p:sp>
+        <p:nvSpPr>
+          <p:cNvPr id="6" name="Slide Number Placeholder 5"/>
+          <p:cNvSpPr>
+            <a:spLocks noGrp="1"/>
+          </p:cNvSpPr>
+          <p:nvPr>
+            <p:ph type="sldNum" sz="quarter" idx="12"/>
+          </p:nvPr>
+        </p:nvSpPr>
+        <p:spPr>
+          <a:xfrm>
+            <a:off x="7800476" y="5956136"/>
+            <a:ext cx="770468" cy="365125"/>
+          </a:xfrm>
+          <a:prstGeom prst="rect">
+            <a:avLst/>
+          </a:prstGeom>
+        </p:spPr>
         <p:txBody>
           <a:bodyPr/>
-          <a:lstStyle/>
-          <a:p>
-            <a:r>
-              <a:rPr lang="en-US"/>
-              <a:t>© 2018, FLL Tutorials (Last Edit 9/27/2017)</a:t>
-            </a:r>
-            <a:endParaRPr lang="en-US" dirty="0"/>
-          </a:p>
-        </p:txBody>
-      </p:sp>
-      <p:sp>
-        <p:nvSpPr>
-          <p:cNvPr id="6" name="Slide Number Placeholder 5"/>
-          <p:cNvSpPr>
-            <a:spLocks noGrp="1"/>
-          </p:cNvSpPr>
-          <p:nvPr>
-            <p:ph type="sldNum" sz="quarter" idx="12"/>
-          </p:nvPr>
-        </p:nvSpPr>
-        <p:spPr/>
-        <p:txBody>
-          <a:bodyPr/>
-          <a:lstStyle/>
+          <a:lstStyle>
+            <a:lvl1pPr>
+              <a:defRPr>
+                <a:solidFill>
+                  <a:schemeClr val="accent1">
+                    <a:lumMod val="75000"/>
+                    <a:lumOff val="25000"/>
+                  </a:schemeClr>
+                </a:solidFill>
+              </a:defRPr>
+            </a:lvl1pPr>
+          </a:lstStyle>
           <a:p>
             <a:fld id="{6D22F896-40B5-4ADD-8801-0D06FADFA095}" type="slidenum">
               <a:rPr lang="en-US" smtClean="0"/>
@@ -1814,6 +1677,11 @@
         </p:txBody>
       </p:sp>
     </p:spTree>
+    <p:extLst>
+      <p:ext uri="{BB962C8B-B14F-4D97-AF65-F5344CB8AC3E}">
+        <p14:creationId xmlns:p14="http://schemas.microsoft.com/office/powerpoint/2010/main" val="4204903645"/>
+      </p:ext>
+    </p:extLst>
   </p:cSld>
   <p:clrMapOvr>
     <a:masterClrMapping/>
@@ -1840,6 +1708,45 @@
       </p:grpSpPr>
       <p:sp>
         <p:nvSpPr>
+          <p:cNvPr id="7" name="Rectangle 6"/>
+          <p:cNvSpPr>
+            <a:spLocks noChangeAspect="1"/>
+          </p:cNvSpPr>
+          <p:nvPr/>
+        </p:nvSpPr>
+        <p:spPr>
+          <a:xfrm>
+            <a:off x="448092" y="599725"/>
+            <a:ext cx="8238707" cy="818109"/>
+          </a:xfrm>
+          <a:prstGeom prst="rect">
+            <a:avLst/>
+          </a:prstGeom>
+          <a:solidFill>
+            <a:schemeClr val="accent1"/>
+          </a:solidFill>
+          <a:ln>
+            <a:noFill/>
+          </a:ln>
+          <a:effectLst/>
+        </p:spPr>
+        <p:style>
+          <a:lnRef idx="1">
+            <a:schemeClr val="accent1"/>
+          </a:lnRef>
+          <a:fillRef idx="3">
+            <a:schemeClr val="accent1"/>
+          </a:fillRef>
+          <a:effectRef idx="2">
+            <a:schemeClr val="accent1"/>
+          </a:effectRef>
+          <a:fontRef idx="minor">
+            <a:schemeClr val="lt1"/>
+          </a:fontRef>
+        </p:style>
+      </p:sp>
+      <p:sp>
+        <p:nvSpPr>
           <p:cNvPr id="2" name="Title 1"/>
           <p:cNvSpPr>
             <a:spLocks noGrp="1"/>
@@ -1848,7 +1755,12 @@
             <p:ph type="title"/>
           </p:nvPr>
         </p:nvSpPr>
-        <p:spPr/>
+        <p:spPr>
+          <a:xfrm>
+            <a:off x="581192" y="687475"/>
+            <a:ext cx="7989752" cy="596796"/>
+          </a:xfrm>
+        </p:spPr>
         <p:txBody>
           <a:bodyPr/>
           <a:lstStyle/>
@@ -1871,108 +1783,195 @@
             <p:ph idx="1"/>
           </p:nvPr>
         </p:nvSpPr>
-        <p:spPr/>
+        <p:spPr>
+          <a:xfrm>
+            <a:off x="448091" y="1505583"/>
+            <a:ext cx="8238707" cy="4353215"/>
+          </a:xfrm>
+        </p:spPr>
+        <p:txBody>
+          <a:bodyPr anchor="t"/>
+          <a:lstStyle>
+            <a:lvl1pPr>
+              <a:defRPr sz="3600"/>
+            </a:lvl1pPr>
+            <a:lvl2pPr>
+              <a:defRPr sz="3200"/>
+            </a:lvl2pPr>
+            <a:lvl3pPr>
+              <a:defRPr sz="2800"/>
+            </a:lvl3pPr>
+            <a:lvl4pPr>
+              <a:defRPr sz="2400"/>
+            </a:lvl4pPr>
+            <a:lvl5pPr>
+              <a:defRPr sz="2400"/>
+            </a:lvl5pPr>
+          </a:lstStyle>
+          <a:p>
+            <a:pPr lvl="0"/>
+            <a:r>
+              <a:rPr lang="en-US"/>
+              <a:t>Edit Master text styles</a:t>
+            </a:r>
+          </a:p>
+          <a:p>
+            <a:pPr lvl="1"/>
+            <a:r>
+              <a:rPr lang="en-US"/>
+              <a:t>Second level</a:t>
+            </a:r>
+          </a:p>
+          <a:p>
+            <a:pPr lvl="2"/>
+            <a:r>
+              <a:rPr lang="en-US"/>
+              <a:t>Third level</a:t>
+            </a:r>
+          </a:p>
+          <a:p>
+            <a:pPr lvl="3"/>
+            <a:r>
+              <a:rPr lang="en-US"/>
+              <a:t>Fourth level</a:t>
+            </a:r>
+          </a:p>
+          <a:p>
+            <a:pPr lvl="4"/>
+            <a:r>
+              <a:rPr lang="en-US"/>
+              <a:t>Fifth level</a:t>
+            </a:r>
+            <a:endParaRPr lang="en-US" dirty="0"/>
+          </a:p>
+        </p:txBody>
+      </p:sp>
+      <p:sp>
+        <p:nvSpPr>
+          <p:cNvPr id="8" name="Date Placeholder 3">
+            <a:extLst>
+              <a:ext uri="{FF2B5EF4-FFF2-40B4-BE49-F238E27FC236}">
+                <a16:creationId xmlns:a16="http://schemas.microsoft.com/office/drawing/2014/main" id="{5E510904-FE82-B349-843E-834D82D5778E}"/>
+              </a:ext>
+            </a:extLst>
+          </p:cNvPr>
+          <p:cNvSpPr>
+            <a:spLocks noGrp="1"/>
+          </p:cNvSpPr>
+          <p:nvPr>
+            <p:ph type="dt" sz="half" idx="10"/>
+          </p:nvPr>
+        </p:nvSpPr>
+        <p:spPr>
+          <a:xfrm>
+            <a:off x="5559327" y="6392242"/>
+            <a:ext cx="2133600" cy="365125"/>
+          </a:xfrm>
+        </p:spPr>
         <p:txBody>
           <a:bodyPr/>
-          <a:lstStyle/>
-          <a:p>
-            <a:pPr lvl="0"/>
-            <a:r>
-              <a:rPr lang="en-US"/>
-              <a:t>Click to edit Master text styles</a:t>
-            </a:r>
-          </a:p>
-          <a:p>
-            <a:pPr lvl="1"/>
-            <a:r>
-              <a:rPr lang="en-US"/>
-              <a:t>Second level</a:t>
-            </a:r>
-          </a:p>
-          <a:p>
-            <a:pPr lvl="2"/>
-            <a:r>
-              <a:rPr lang="en-US"/>
-              <a:t>Third level</a:t>
-            </a:r>
-          </a:p>
-          <a:p>
-            <a:pPr lvl="3"/>
-            <a:r>
-              <a:rPr lang="en-US"/>
-              <a:t>Fourth level</a:t>
-            </a:r>
-          </a:p>
-          <a:p>
-            <a:pPr lvl="4"/>
-            <a:r>
-              <a:rPr lang="en-US"/>
-              <a:t>Fifth level</a:t>
-            </a:r>
-            <a:endParaRPr lang="en-US" dirty="0"/>
-          </a:p>
-        </p:txBody>
-      </p:sp>
-      <p:sp>
-        <p:nvSpPr>
-          <p:cNvPr id="4" name="Date Placeholder 3"/>
-          <p:cNvSpPr>
-            <a:spLocks noGrp="1"/>
-          </p:cNvSpPr>
-          <p:nvPr>
-            <p:ph type="dt" sz="half" idx="10"/>
-          </p:nvPr>
-        </p:nvSpPr>
-        <p:spPr/>
+          <a:lstStyle>
+            <a:lvl1pPr>
+              <a:defRPr>
+                <a:solidFill>
+                  <a:schemeClr val="accent1">
+                    <a:lumMod val="75000"/>
+                    <a:lumOff val="25000"/>
+                  </a:schemeClr>
+                </a:solidFill>
+              </a:defRPr>
+            </a:lvl1pPr>
+          </a:lstStyle>
+          <a:p>
+            <a:fld id="{E0A18BA7-10AF-4A62-96A8-E5FA71B7E53B}" type="datetime1">
+              <a:rPr lang="en-US" smtClean="0"/>
+              <a:t>6/12/18</a:t>
+            </a:fld>
+            <a:endParaRPr lang="en-US" dirty="0"/>
+          </a:p>
+        </p:txBody>
+      </p:sp>
+      <p:sp>
+        <p:nvSpPr>
+          <p:cNvPr id="9" name="Footer Placeholder 4">
+            <a:extLst>
+              <a:ext uri="{FF2B5EF4-FFF2-40B4-BE49-F238E27FC236}">
+                <a16:creationId xmlns:a16="http://schemas.microsoft.com/office/drawing/2014/main" id="{E48965D5-4E22-4D4C-B0D3-4AEC700831CA}"/>
+              </a:ext>
+            </a:extLst>
+          </p:cNvPr>
+          <p:cNvSpPr>
+            <a:spLocks noGrp="1"/>
+          </p:cNvSpPr>
+          <p:nvPr>
+            <p:ph type="ftr" sz="quarter" idx="11"/>
+          </p:nvPr>
+        </p:nvSpPr>
+        <p:spPr>
+          <a:xfrm>
+            <a:off x="581192" y="6387916"/>
+            <a:ext cx="4870585" cy="365125"/>
+          </a:xfrm>
+        </p:spPr>
         <p:txBody>
           <a:bodyPr/>
-          <a:lstStyle/>
-          <a:p>
-            <a:fld id="{22C74013-D474-4F08-AA84-E066C19E60E1}" type="datetime1">
-              <a:rPr lang="en-US" smtClean="0"/>
-              <a:t>6/7/18</a:t>
-            </a:fld>
-            <a:endParaRPr lang="en-US" dirty="0"/>
-          </a:p>
-        </p:txBody>
-      </p:sp>
-      <p:sp>
-        <p:nvSpPr>
-          <p:cNvPr id="5" name="Footer Placeholder 4"/>
-          <p:cNvSpPr>
-            <a:spLocks noGrp="1"/>
-          </p:cNvSpPr>
-          <p:nvPr>
-            <p:ph type="ftr" sz="quarter" idx="11"/>
-          </p:nvPr>
-        </p:nvSpPr>
-        <p:spPr/>
+          <a:lstStyle>
+            <a:lvl1pPr>
+              <a:defRPr>
+                <a:solidFill>
+                  <a:schemeClr val="accent1">
+                    <a:lumMod val="75000"/>
+                    <a:lumOff val="25000"/>
+                  </a:schemeClr>
+                </a:solidFill>
+              </a:defRPr>
+            </a:lvl1pPr>
+          </a:lstStyle>
+          <a:p>
+            <a:r>
+              <a:rPr lang="en-US"/>
+              <a:t>© 2018, FLL Tutorials (Last Edit 6/11/2018)</a:t>
+            </a:r>
+            <a:endParaRPr lang="en-US" dirty="0"/>
+          </a:p>
+        </p:txBody>
+      </p:sp>
+      <p:sp>
+        <p:nvSpPr>
+          <p:cNvPr id="10" name="Slide Number Placeholder 5">
+            <a:extLst>
+              <a:ext uri="{FF2B5EF4-FFF2-40B4-BE49-F238E27FC236}">
+                <a16:creationId xmlns:a16="http://schemas.microsoft.com/office/drawing/2014/main" id="{65AB5AFF-5E76-4041-B3D5-669547C07AE0}"/>
+              </a:ext>
+            </a:extLst>
+          </p:cNvPr>
+          <p:cNvSpPr>
+            <a:spLocks noGrp="1"/>
+          </p:cNvSpPr>
+          <p:nvPr>
+            <p:ph type="sldNum" sz="quarter" idx="12"/>
+          </p:nvPr>
+        </p:nvSpPr>
+        <p:spPr>
+          <a:xfrm>
+            <a:off x="7800476" y="6392242"/>
+            <a:ext cx="770468" cy="365125"/>
+          </a:xfrm>
+        </p:spPr>
         <p:txBody>
           <a:bodyPr/>
-          <a:lstStyle/>
-          <a:p>
-            <a:r>
-              <a:rPr lang="en-US"/>
-              <a:t>© 2018, FLL Tutorials (Last Edit 9/27/2017)</a:t>
-            </a:r>
-            <a:endParaRPr lang="en-US" dirty="0"/>
-          </a:p>
-        </p:txBody>
-      </p:sp>
-      <p:sp>
-        <p:nvSpPr>
-          <p:cNvPr id="6" name="Slide Number Placeholder 5"/>
-          <p:cNvSpPr>
-            <a:spLocks noGrp="1"/>
-          </p:cNvSpPr>
-          <p:nvPr>
-            <p:ph type="sldNum" sz="quarter" idx="12"/>
-          </p:nvPr>
-        </p:nvSpPr>
-        <p:spPr/>
-        <p:txBody>
-          <a:bodyPr/>
-          <a:lstStyle/>
+          <a:lstStyle>
+            <a:lvl1pPr>
+              <a:defRPr>
+                <a:solidFill>
+                  <a:schemeClr val="accent1">
+                    <a:lumMod val="75000"/>
+                    <a:lumOff val="25000"/>
+                  </a:schemeClr>
+                </a:solidFill>
+              </a:defRPr>
+            </a:lvl1pPr>
+          </a:lstStyle>
           <a:p>
             <a:fld id="{6D22F896-40B5-4ADD-8801-0D06FADFA095}" type="slidenum">
               <a:rPr lang="en-US" smtClean="0"/>
@@ -1983,6 +1982,11 @@
         </p:txBody>
       </p:sp>
     </p:spTree>
+    <p:extLst>
+      <p:ext uri="{BB962C8B-B14F-4D97-AF65-F5344CB8AC3E}">
+        <p14:creationId xmlns:p14="http://schemas.microsoft.com/office/powerpoint/2010/main" val="2417172903"/>
+      </p:ext>
+    </p:extLst>
   </p:cSld>
   <p:clrMapOvr>
     <a:masterClrMapping/>
@@ -1991,16 +1995,8 @@
 </file>
 
 <file path=ppt/slideLayouts/slideLayout3.xml><?xml version="1.0" encoding="utf-8"?>
-<p:sldLayout xmlns:a="http://schemas.openxmlformats.org/drawingml/2006/main" xmlns:r="http://schemas.openxmlformats.org/officeDocument/2006/relationships" xmlns:p="http://schemas.openxmlformats.org/presentationml/2006/main" showMasterSp="0" type="secHead" preserve="1">
+<p:sldLayout xmlns:a="http://schemas.openxmlformats.org/drawingml/2006/main" xmlns:r="http://schemas.openxmlformats.org/officeDocument/2006/relationships" xmlns:p="http://schemas.openxmlformats.org/presentationml/2006/main" type="secHead" preserve="1">
   <p:cSld name="Section Header">
-    <p:bg>
-      <p:bgPr>
-        <a:solidFill>
-          <a:schemeClr val="bg1"/>
-        </a:solidFill>
-        <a:effectLst/>
-      </p:bgPr>
-    </p:bg>
     <p:spTree>
       <p:nvGrpSpPr>
         <p:cNvPr id="1" name=""/>
@@ -2017,35 +2013,36 @@
       </p:grpSpPr>
       <p:sp>
         <p:nvSpPr>
-          <p:cNvPr id="7" name="Rectangle 6"/>
-          <p:cNvSpPr/>
+          <p:cNvPr id="8" name="Rectangle 7"/>
+          <p:cNvSpPr>
+            <a:spLocks noChangeAspect="1"/>
+          </p:cNvSpPr>
           <p:nvPr/>
         </p:nvSpPr>
         <p:spPr>
           <a:xfrm>
-            <a:off x="2382" y="6400800"/>
-            <a:ext cx="9141619" cy="457200"/>
+            <a:off x="452646" y="5141973"/>
+            <a:ext cx="8238707" cy="1258827"/>
           </a:xfrm>
           <a:prstGeom prst="rect">
             <a:avLst/>
           </a:prstGeom>
           <a:solidFill>
-            <a:srgbClr val="034A85"/>
+            <a:schemeClr val="accent1"/>
           </a:solidFill>
           <a:ln>
             <a:noFill/>
           </a:ln>
+          <a:effectLst/>
         </p:spPr>
         <p:style>
-          <a:lnRef idx="2">
-            <a:schemeClr val="accent1">
-              <a:shade val="50000"/>
-            </a:schemeClr>
+          <a:lnRef idx="1">
+            <a:schemeClr val="accent1"/>
           </a:lnRef>
-          <a:fillRef idx="1">
+          <a:fillRef idx="3">
             <a:schemeClr val="accent1"/>
           </a:fillRef>
-          <a:effectRef idx="0">
+          <a:effectRef idx="2">
             <a:schemeClr val="accent1"/>
           </a:effectRef>
           <a:fontRef idx="minor">
@@ -2055,44 +2052,6 @@
       </p:sp>
       <p:sp>
         <p:nvSpPr>
-          <p:cNvPr id="8" name="Rectangle 7"/>
-          <p:cNvSpPr/>
-          <p:nvPr/>
-        </p:nvSpPr>
-        <p:spPr>
-          <a:xfrm>
-            <a:off x="12" y="6334316"/>
-            <a:ext cx="9141619" cy="64008"/>
-          </a:xfrm>
-          <a:prstGeom prst="rect">
-            <a:avLst/>
-          </a:prstGeom>
-          <a:solidFill>
-            <a:srgbClr val="652C90"/>
-          </a:solidFill>
-          <a:ln>
-            <a:noFill/>
-          </a:ln>
-        </p:spPr>
-        <p:style>
-          <a:lnRef idx="2">
-            <a:schemeClr val="accent1">
-              <a:shade val="50000"/>
-            </a:schemeClr>
-          </a:lnRef>
-          <a:fillRef idx="1">
-            <a:schemeClr val="accent1"/>
-          </a:fillRef>
-          <a:effectRef idx="0">
-            <a:schemeClr val="accent1"/>
-          </a:effectRef>
-          <a:fontRef idx="minor">
-            <a:schemeClr val="lt1"/>
-          </a:fontRef>
-        </p:style>
-      </p:sp>
-      <p:sp>
-        <p:nvSpPr>
           <p:cNvPr id="2" name="Title 1"/>
           <p:cNvSpPr>
             <a:spLocks noGrp="1"/>
@@ -2103,25 +2062,19 @@
         </p:nvSpPr>
         <p:spPr>
           <a:xfrm>
-            <a:off x="822960" y="758952"/>
-            <a:ext cx="7543800" cy="3566160"/>
-          </a:xfrm>
-        </p:spPr>
-        <p:txBody>
-          <a:bodyPr anchor="b" anchorCtr="0">
+            <a:off x="581193" y="3036573"/>
+            <a:ext cx="7989751" cy="1504844"/>
+          </a:xfrm>
+        </p:spPr>
+        <p:txBody>
+          <a:bodyPr anchor="b">
             <a:normAutofit/>
           </a:bodyPr>
           <a:lstStyle>
-            <a:lvl1pPr>
-              <a:lnSpc>
-                <a:spcPct val="85000"/>
-              </a:lnSpc>
-              <a:defRPr sz="8000" b="0">
+            <a:lvl1pPr algn="l">
+              <a:defRPr sz="3600" b="0" cap="all">
                 <a:solidFill>
-                  <a:schemeClr val="tx1">
-                    <a:lumMod val="85000"/>
-                    <a:lumOff val="15000"/>
-                  </a:schemeClr>
+                  <a:schemeClr val="accent1"/>
                 </a:solidFill>
               </a:defRPr>
             </a:lvl1pPr>
@@ -2147,22 +2100,21 @@
         </p:nvSpPr>
         <p:spPr>
           <a:xfrm>
-            <a:off x="822960" y="4453128"/>
-            <a:ext cx="7543800" cy="1143000"/>
-          </a:xfrm>
-        </p:spPr>
-        <p:txBody>
-          <a:bodyPr lIns="91440" rIns="91440" anchor="t" anchorCtr="0">
+            <a:off x="581193" y="4541417"/>
+            <a:ext cx="7989751" cy="600556"/>
+          </a:xfrm>
+        </p:spPr>
+        <p:txBody>
+          <a:bodyPr anchor="t">
             <a:normAutofit/>
           </a:bodyPr>
           <a:lstStyle>
-            <a:lvl1pPr marL="0" indent="0">
+            <a:lvl1pPr marL="0" indent="0" algn="l">
               <a:buNone/>
-              <a:defRPr sz="2400" cap="all" spc="200" baseline="0">
+              <a:defRPr sz="1800" cap="all">
                 <a:solidFill>
-                  <a:schemeClr val="tx2"/>
+                  <a:schemeClr val="accent2"/>
                 </a:solidFill>
-                <a:latin typeface="+mj-lt"/>
               </a:defRPr>
             </a:lvl1pPr>
             <a:lvl2pPr marL="457200" indent="0">
@@ -2250,29 +2202,143 @@
             <a:pPr lvl="0"/>
             <a:r>
               <a:rPr lang="en-US"/>
-              <a:t>Click to edit Master text styles</a:t>
-            </a:r>
-          </a:p>
-        </p:txBody>
-      </p:sp>
-      <p:sp>
-        <p:nvSpPr>
-          <p:cNvPr id="4" name="Date Placeholder 3"/>
-          <p:cNvSpPr>
-            <a:spLocks noGrp="1"/>
-          </p:cNvSpPr>
-          <p:nvPr>
-            <p:ph type="dt" sz="half" idx="10"/>
-          </p:nvPr>
-        </p:nvSpPr>
-        <p:spPr/>
-        <p:txBody>
-          <a:bodyPr/>
-          <a:lstStyle/>
-          <a:p>
-            <a:fld id="{B9D1CDA3-E115-48C5-8C78-332DE2525547}" type="datetime1">
+              <a:t>Edit Master text styles</a:t>
+            </a:r>
+          </a:p>
+        </p:txBody>
+      </p:sp>
+      <p:sp>
+        <p:nvSpPr>
+          <p:cNvPr id="9" name="Date Placeholder 3">
+            <a:extLst>
+              <a:ext uri="{FF2B5EF4-FFF2-40B4-BE49-F238E27FC236}">
+                <a16:creationId xmlns:a16="http://schemas.microsoft.com/office/drawing/2014/main" id="{52362C45-CC3C-1C41-89EF-9E39AB823873}"/>
+              </a:ext>
+            </a:extLst>
+          </p:cNvPr>
+          <p:cNvSpPr txBox="1">
+            <a:spLocks/>
+          </p:cNvSpPr>
+          <p:nvPr/>
+        </p:nvSpPr>
+        <p:spPr>
+          <a:xfrm>
+            <a:off x="5559327" y="6392242"/>
+            <a:ext cx="2133600" cy="365125"/>
+          </a:xfrm>
+          <a:prstGeom prst="rect">
+            <a:avLst/>
+          </a:prstGeom>
+        </p:spPr>
+        <p:txBody>
+          <a:bodyPr vert="horz" lIns="91440" tIns="45720" rIns="91440" bIns="45720" rtlCol="0" anchor="ctr"/>
+          <a:lstStyle>
+            <a:defPPr>
+              <a:defRPr lang="en-US"/>
+            </a:defPPr>
+            <a:lvl1pPr marL="0" algn="r" defTabSz="457200" rtl="0" eaLnBrk="1" latinLnBrk="0" hangingPunct="1">
+              <a:defRPr sz="900" kern="1200">
+                <a:solidFill>
+                  <a:schemeClr val="accent1">
+                    <a:lumMod val="75000"/>
+                    <a:lumOff val="25000"/>
+                  </a:schemeClr>
+                </a:solidFill>
+                <a:latin typeface="+mn-lt"/>
+                <a:ea typeface="+mn-ea"/>
+                <a:cs typeface="+mn-cs"/>
+              </a:defRPr>
+            </a:lvl1pPr>
+            <a:lvl2pPr marL="457200" algn="l" defTabSz="457200" rtl="0" eaLnBrk="1" latinLnBrk="0" hangingPunct="1">
+              <a:defRPr sz="1800" kern="1200">
+                <a:solidFill>
+                  <a:schemeClr val="tx1"/>
+                </a:solidFill>
+                <a:latin typeface="+mn-lt"/>
+                <a:ea typeface="+mn-ea"/>
+                <a:cs typeface="+mn-cs"/>
+              </a:defRPr>
+            </a:lvl2pPr>
+            <a:lvl3pPr marL="914400" algn="l" defTabSz="457200" rtl="0" eaLnBrk="1" latinLnBrk="0" hangingPunct="1">
+              <a:defRPr sz="1800" kern="1200">
+                <a:solidFill>
+                  <a:schemeClr val="tx1"/>
+                </a:solidFill>
+                <a:latin typeface="+mn-lt"/>
+                <a:ea typeface="+mn-ea"/>
+                <a:cs typeface="+mn-cs"/>
+              </a:defRPr>
+            </a:lvl3pPr>
+            <a:lvl4pPr marL="1371600" algn="l" defTabSz="457200" rtl="0" eaLnBrk="1" latinLnBrk="0" hangingPunct="1">
+              <a:defRPr sz="1800" kern="1200">
+                <a:solidFill>
+                  <a:schemeClr val="tx1"/>
+                </a:solidFill>
+                <a:latin typeface="+mn-lt"/>
+                <a:ea typeface="+mn-ea"/>
+                <a:cs typeface="+mn-cs"/>
+              </a:defRPr>
+            </a:lvl4pPr>
+            <a:lvl5pPr marL="1828800" algn="l" defTabSz="457200" rtl="0" eaLnBrk="1" latinLnBrk="0" hangingPunct="1">
+              <a:defRPr sz="1800" kern="1200">
+                <a:solidFill>
+                  <a:schemeClr val="tx1"/>
+                </a:solidFill>
+                <a:latin typeface="+mn-lt"/>
+                <a:ea typeface="+mn-ea"/>
+                <a:cs typeface="+mn-cs"/>
+              </a:defRPr>
+            </a:lvl5pPr>
+            <a:lvl6pPr marL="2286000" algn="l" defTabSz="457200" rtl="0" eaLnBrk="1" latinLnBrk="0" hangingPunct="1">
+              <a:defRPr sz="1800" kern="1200">
+                <a:solidFill>
+                  <a:schemeClr val="tx1"/>
+                </a:solidFill>
+                <a:latin typeface="+mn-lt"/>
+                <a:ea typeface="+mn-ea"/>
+                <a:cs typeface="+mn-cs"/>
+              </a:defRPr>
+            </a:lvl6pPr>
+            <a:lvl7pPr marL="2743200" algn="l" defTabSz="457200" rtl="0" eaLnBrk="1" latinLnBrk="0" hangingPunct="1">
+              <a:defRPr sz="1800" kern="1200">
+                <a:solidFill>
+                  <a:schemeClr val="tx1"/>
+                </a:solidFill>
+                <a:latin typeface="+mn-lt"/>
+                <a:ea typeface="+mn-ea"/>
+                <a:cs typeface="+mn-cs"/>
+              </a:defRPr>
+            </a:lvl7pPr>
+            <a:lvl8pPr marL="3200400" algn="l" defTabSz="457200" rtl="0" eaLnBrk="1" latinLnBrk="0" hangingPunct="1">
+              <a:defRPr sz="1800" kern="1200">
+                <a:solidFill>
+                  <a:schemeClr val="tx1"/>
+                </a:solidFill>
+                <a:latin typeface="+mn-lt"/>
+                <a:ea typeface="+mn-ea"/>
+                <a:cs typeface="+mn-cs"/>
+              </a:defRPr>
+            </a:lvl8pPr>
+            <a:lvl9pPr marL="3657600" algn="l" defTabSz="457200" rtl="0" eaLnBrk="1" latinLnBrk="0" hangingPunct="1">
+              <a:defRPr sz="1800" kern="1200">
+                <a:solidFill>
+                  <a:schemeClr val="tx1"/>
+                </a:solidFill>
+                <a:latin typeface="+mn-lt"/>
+                <a:ea typeface="+mn-ea"/>
+                <a:cs typeface="+mn-cs"/>
+              </a:defRPr>
+            </a:lvl9pPr>
+          </a:lstStyle>
+          <a:p>
+            <a:r>
+              <a:rPr lang="en-US"/>
+              <a:t>Last Edit: </a:t>
+            </a:r>
+            <a:fld id="{B61BEF0D-F0BB-DE4B-95CE-6DB70DBA9567}" type="datetimeFigureOut">
               <a:rPr lang="en-US" smtClean="0"/>
-              <a:t>6/7/18</a:t>
+              <a:pPr/>
+              <a:t>6/12/18</a:t>
             </a:fld>
             <a:endParaRPr lang="en-US" dirty="0"/>
           </a:p>
@@ -2280,91 +2346,278 @@
       </p:sp>
       <p:sp>
         <p:nvSpPr>
-          <p:cNvPr id="5" name="Footer Placeholder 4"/>
-          <p:cNvSpPr>
-            <a:spLocks noGrp="1"/>
-          </p:cNvSpPr>
-          <p:nvPr>
-            <p:ph type="ftr" sz="quarter" idx="11"/>
-          </p:nvPr>
-        </p:nvSpPr>
-        <p:spPr/>
-        <p:txBody>
-          <a:bodyPr/>
-          <a:lstStyle/>
-          <a:p>
-            <a:r>
-              <a:rPr lang="en-US"/>
-              <a:t>© 2018, FLL Tutorials (Last Edit 9/27/2017)</a:t>
-            </a:r>
-            <a:endParaRPr lang="en-US" dirty="0"/>
-          </a:p>
-        </p:txBody>
-      </p:sp>
-      <p:sp>
-        <p:nvSpPr>
-          <p:cNvPr id="6" name="Slide Number Placeholder 5"/>
-          <p:cNvSpPr>
-            <a:spLocks noGrp="1"/>
-          </p:cNvSpPr>
-          <p:nvPr>
-            <p:ph type="sldNum" sz="quarter" idx="12"/>
-          </p:nvPr>
-        </p:nvSpPr>
-        <p:spPr/>
-        <p:txBody>
-          <a:bodyPr/>
-          <a:lstStyle/>
-          <a:p>
-            <a:fld id="{6D22F896-40B5-4ADD-8801-0D06FADFA095}" type="slidenum">
+          <p:cNvPr id="10" name="Footer Placeholder 4">
+            <a:extLst>
+              <a:ext uri="{FF2B5EF4-FFF2-40B4-BE49-F238E27FC236}">
+                <a16:creationId xmlns:a16="http://schemas.microsoft.com/office/drawing/2014/main" id="{99E8FBED-B055-2A4A-8E32-9CB6B48C25B3}"/>
+              </a:ext>
+            </a:extLst>
+          </p:cNvPr>
+          <p:cNvSpPr txBox="1">
+            <a:spLocks/>
+          </p:cNvSpPr>
+          <p:nvPr/>
+        </p:nvSpPr>
+        <p:spPr>
+          <a:xfrm>
+            <a:off x="581192" y="6387916"/>
+            <a:ext cx="4870585" cy="365125"/>
+          </a:xfrm>
+          <a:prstGeom prst="rect">
+            <a:avLst/>
+          </a:prstGeom>
+        </p:spPr>
+        <p:txBody>
+          <a:bodyPr vert="horz" lIns="91440" tIns="45720" rIns="91440" bIns="45720" rtlCol="0" anchor="ctr"/>
+          <a:lstStyle>
+            <a:defPPr>
+              <a:defRPr lang="en-US"/>
+            </a:defPPr>
+            <a:lvl1pPr marL="0" algn="l" defTabSz="457200" rtl="0" eaLnBrk="1" latinLnBrk="0" hangingPunct="1">
+              <a:defRPr sz="900" kern="1200" cap="all">
+                <a:solidFill>
+                  <a:schemeClr val="accent1">
+                    <a:lumMod val="75000"/>
+                    <a:lumOff val="25000"/>
+                  </a:schemeClr>
+                </a:solidFill>
+                <a:latin typeface="+mn-lt"/>
+                <a:ea typeface="+mn-ea"/>
+                <a:cs typeface="+mn-cs"/>
+              </a:defRPr>
+            </a:lvl1pPr>
+            <a:lvl2pPr marL="457200" algn="l" defTabSz="457200" rtl="0" eaLnBrk="1" latinLnBrk="0" hangingPunct="1">
+              <a:defRPr sz="1800" kern="1200">
+                <a:solidFill>
+                  <a:schemeClr val="tx1"/>
+                </a:solidFill>
+                <a:latin typeface="+mn-lt"/>
+                <a:ea typeface="+mn-ea"/>
+                <a:cs typeface="+mn-cs"/>
+              </a:defRPr>
+            </a:lvl2pPr>
+            <a:lvl3pPr marL="914400" algn="l" defTabSz="457200" rtl="0" eaLnBrk="1" latinLnBrk="0" hangingPunct="1">
+              <a:defRPr sz="1800" kern="1200">
+                <a:solidFill>
+                  <a:schemeClr val="tx1"/>
+                </a:solidFill>
+                <a:latin typeface="+mn-lt"/>
+                <a:ea typeface="+mn-ea"/>
+                <a:cs typeface="+mn-cs"/>
+              </a:defRPr>
+            </a:lvl3pPr>
+            <a:lvl4pPr marL="1371600" algn="l" defTabSz="457200" rtl="0" eaLnBrk="1" latinLnBrk="0" hangingPunct="1">
+              <a:defRPr sz="1800" kern="1200">
+                <a:solidFill>
+                  <a:schemeClr val="tx1"/>
+                </a:solidFill>
+                <a:latin typeface="+mn-lt"/>
+                <a:ea typeface="+mn-ea"/>
+                <a:cs typeface="+mn-cs"/>
+              </a:defRPr>
+            </a:lvl4pPr>
+            <a:lvl5pPr marL="1828800" algn="l" defTabSz="457200" rtl="0" eaLnBrk="1" latinLnBrk="0" hangingPunct="1">
+              <a:defRPr sz="1800" kern="1200">
+                <a:solidFill>
+                  <a:schemeClr val="tx1"/>
+                </a:solidFill>
+                <a:latin typeface="+mn-lt"/>
+                <a:ea typeface="+mn-ea"/>
+                <a:cs typeface="+mn-cs"/>
+              </a:defRPr>
+            </a:lvl5pPr>
+            <a:lvl6pPr marL="2286000" algn="l" defTabSz="457200" rtl="0" eaLnBrk="1" latinLnBrk="0" hangingPunct="1">
+              <a:defRPr sz="1800" kern="1200">
+                <a:solidFill>
+                  <a:schemeClr val="tx1"/>
+                </a:solidFill>
+                <a:latin typeface="+mn-lt"/>
+                <a:ea typeface="+mn-ea"/>
+                <a:cs typeface="+mn-cs"/>
+              </a:defRPr>
+            </a:lvl6pPr>
+            <a:lvl7pPr marL="2743200" algn="l" defTabSz="457200" rtl="0" eaLnBrk="1" latinLnBrk="0" hangingPunct="1">
+              <a:defRPr sz="1800" kern="1200">
+                <a:solidFill>
+                  <a:schemeClr val="tx1"/>
+                </a:solidFill>
+                <a:latin typeface="+mn-lt"/>
+                <a:ea typeface="+mn-ea"/>
+                <a:cs typeface="+mn-cs"/>
+              </a:defRPr>
+            </a:lvl7pPr>
+            <a:lvl8pPr marL="3200400" algn="l" defTabSz="457200" rtl="0" eaLnBrk="1" latinLnBrk="0" hangingPunct="1">
+              <a:defRPr sz="1800" kern="1200">
+                <a:solidFill>
+                  <a:schemeClr val="tx1"/>
+                </a:solidFill>
+                <a:latin typeface="+mn-lt"/>
+                <a:ea typeface="+mn-ea"/>
+                <a:cs typeface="+mn-cs"/>
+              </a:defRPr>
+            </a:lvl8pPr>
+            <a:lvl9pPr marL="3657600" algn="l" defTabSz="457200" rtl="0" eaLnBrk="1" latinLnBrk="0" hangingPunct="1">
+              <a:defRPr sz="1800" kern="1200">
+                <a:solidFill>
+                  <a:schemeClr val="tx1"/>
+                </a:solidFill>
+                <a:latin typeface="+mn-lt"/>
+                <a:ea typeface="+mn-ea"/>
+                <a:cs typeface="+mn-cs"/>
+              </a:defRPr>
+            </a:lvl9pPr>
+          </a:lstStyle>
+          <a:p>
+            <a:r>
+              <a:rPr lang="en-US"/>
+              <a:t>Copyright 2018, FLL TUTORIALS</a:t>
+            </a:r>
+            <a:endParaRPr lang="en-US" dirty="0"/>
+          </a:p>
+        </p:txBody>
+      </p:sp>
+      <p:sp>
+        <p:nvSpPr>
+          <p:cNvPr id="11" name="Slide Number Placeholder 5">
+            <a:extLst>
+              <a:ext uri="{FF2B5EF4-FFF2-40B4-BE49-F238E27FC236}">
+                <a16:creationId xmlns:a16="http://schemas.microsoft.com/office/drawing/2014/main" id="{AA884034-3EBB-704E-AFCD-9611BBBEBA37}"/>
+              </a:ext>
+            </a:extLst>
+          </p:cNvPr>
+          <p:cNvSpPr txBox="1">
+            <a:spLocks/>
+          </p:cNvSpPr>
+          <p:nvPr/>
+        </p:nvSpPr>
+        <p:spPr>
+          <a:xfrm>
+            <a:off x="7800476" y="6392242"/>
+            <a:ext cx="770468" cy="365125"/>
+          </a:xfrm>
+          <a:prstGeom prst="rect">
+            <a:avLst/>
+          </a:prstGeom>
+        </p:spPr>
+        <p:txBody>
+          <a:bodyPr vert="horz" lIns="91440" tIns="45720" rIns="91440" bIns="45720" rtlCol="0" anchor="ctr"/>
+          <a:lstStyle>
+            <a:defPPr>
+              <a:defRPr lang="en-US"/>
+            </a:defPPr>
+            <a:lvl1pPr marL="0" algn="r" defTabSz="457200" rtl="0" eaLnBrk="1" latinLnBrk="0" hangingPunct="1">
+              <a:defRPr sz="900" kern="1200">
+                <a:solidFill>
+                  <a:schemeClr val="accent1">
+                    <a:lumMod val="75000"/>
+                    <a:lumOff val="25000"/>
+                  </a:schemeClr>
+                </a:solidFill>
+                <a:latin typeface="+mn-lt"/>
+                <a:ea typeface="+mn-ea"/>
+                <a:cs typeface="+mn-cs"/>
+              </a:defRPr>
+            </a:lvl1pPr>
+            <a:lvl2pPr marL="457200" algn="l" defTabSz="457200" rtl="0" eaLnBrk="1" latinLnBrk="0" hangingPunct="1">
+              <a:defRPr sz="1800" kern="1200">
+                <a:solidFill>
+                  <a:schemeClr val="tx1"/>
+                </a:solidFill>
+                <a:latin typeface="+mn-lt"/>
+                <a:ea typeface="+mn-ea"/>
+                <a:cs typeface="+mn-cs"/>
+              </a:defRPr>
+            </a:lvl2pPr>
+            <a:lvl3pPr marL="914400" algn="l" defTabSz="457200" rtl="0" eaLnBrk="1" latinLnBrk="0" hangingPunct="1">
+              <a:defRPr sz="1800" kern="1200">
+                <a:solidFill>
+                  <a:schemeClr val="tx1"/>
+                </a:solidFill>
+                <a:latin typeface="+mn-lt"/>
+                <a:ea typeface="+mn-ea"/>
+                <a:cs typeface="+mn-cs"/>
+              </a:defRPr>
+            </a:lvl3pPr>
+            <a:lvl4pPr marL="1371600" algn="l" defTabSz="457200" rtl="0" eaLnBrk="1" latinLnBrk="0" hangingPunct="1">
+              <a:defRPr sz="1800" kern="1200">
+                <a:solidFill>
+                  <a:schemeClr val="tx1"/>
+                </a:solidFill>
+                <a:latin typeface="+mn-lt"/>
+                <a:ea typeface="+mn-ea"/>
+                <a:cs typeface="+mn-cs"/>
+              </a:defRPr>
+            </a:lvl4pPr>
+            <a:lvl5pPr marL="1828800" algn="l" defTabSz="457200" rtl="0" eaLnBrk="1" latinLnBrk="0" hangingPunct="1">
+              <a:defRPr sz="1800" kern="1200">
+                <a:solidFill>
+                  <a:schemeClr val="tx1"/>
+                </a:solidFill>
+                <a:latin typeface="+mn-lt"/>
+                <a:ea typeface="+mn-ea"/>
+                <a:cs typeface="+mn-cs"/>
+              </a:defRPr>
+            </a:lvl5pPr>
+            <a:lvl6pPr marL="2286000" algn="l" defTabSz="457200" rtl="0" eaLnBrk="1" latinLnBrk="0" hangingPunct="1">
+              <a:defRPr sz="1800" kern="1200">
+                <a:solidFill>
+                  <a:schemeClr val="tx1"/>
+                </a:solidFill>
+                <a:latin typeface="+mn-lt"/>
+                <a:ea typeface="+mn-ea"/>
+                <a:cs typeface="+mn-cs"/>
+              </a:defRPr>
+            </a:lvl6pPr>
+            <a:lvl7pPr marL="2743200" algn="l" defTabSz="457200" rtl="0" eaLnBrk="1" latinLnBrk="0" hangingPunct="1">
+              <a:defRPr sz="1800" kern="1200">
+                <a:solidFill>
+                  <a:schemeClr val="tx1"/>
+                </a:solidFill>
+                <a:latin typeface="+mn-lt"/>
+                <a:ea typeface="+mn-ea"/>
+                <a:cs typeface="+mn-cs"/>
+              </a:defRPr>
+            </a:lvl7pPr>
+            <a:lvl8pPr marL="3200400" algn="l" defTabSz="457200" rtl="0" eaLnBrk="1" latinLnBrk="0" hangingPunct="1">
+              <a:defRPr sz="1800" kern="1200">
+                <a:solidFill>
+                  <a:schemeClr val="tx1"/>
+                </a:solidFill>
+                <a:latin typeface="+mn-lt"/>
+                <a:ea typeface="+mn-ea"/>
+                <a:cs typeface="+mn-cs"/>
+              </a:defRPr>
+            </a:lvl8pPr>
+            <a:lvl9pPr marL="3657600" algn="l" defTabSz="457200" rtl="0" eaLnBrk="1" latinLnBrk="0" hangingPunct="1">
+              <a:defRPr sz="1800" kern="1200">
+                <a:solidFill>
+                  <a:schemeClr val="tx1"/>
+                </a:solidFill>
+                <a:latin typeface="+mn-lt"/>
+                <a:ea typeface="+mn-ea"/>
+                <a:cs typeface="+mn-cs"/>
+              </a:defRPr>
+            </a:lvl9pPr>
+          </a:lstStyle>
+          <a:p>
+            <a:fld id="{D57F1E4F-1CFF-5643-939E-217C01CDF565}" type="slidenum">
               <a:rPr lang="en-US" smtClean="0"/>
+              <a:pPr/>
               <a:t>‹#›</a:t>
             </a:fld>
             <a:endParaRPr lang="en-US" dirty="0"/>
           </a:p>
         </p:txBody>
       </p:sp>
-      <p:cxnSp>
-        <p:nvCxnSpPr>
-          <p:cNvPr id="9" name="Straight Connector 8"/>
-          <p:cNvCxnSpPr/>
-          <p:nvPr/>
-        </p:nvCxnSpPr>
-        <p:spPr>
-          <a:xfrm>
-            <a:off x="905744" y="4343400"/>
-            <a:ext cx="7406640" cy="0"/>
-          </a:xfrm>
-          <a:prstGeom prst="line">
-            <a:avLst/>
-          </a:prstGeom>
-          <a:ln w="6350">
-            <a:solidFill>
-              <a:schemeClr val="tx1">
-                <a:lumMod val="50000"/>
-                <a:lumOff val="50000"/>
-              </a:schemeClr>
-            </a:solidFill>
-          </a:ln>
-        </p:spPr>
-        <p:style>
-          <a:lnRef idx="1">
-            <a:schemeClr val="accent1"/>
-          </a:lnRef>
-          <a:fillRef idx="0">
-            <a:schemeClr val="accent1"/>
-          </a:fillRef>
-          <a:effectRef idx="0">
-            <a:schemeClr val="accent1"/>
-          </a:effectRef>
-          <a:fontRef idx="minor">
-            <a:schemeClr val="tx1"/>
-          </a:fontRef>
-        </p:style>
-      </p:cxnSp>
-      <p:sp>
-        <p:nvSpPr>
-          <p:cNvPr id="10" name="Rectangle 9"/>
+      <p:sp>
+        <p:nvSpPr>
+          <p:cNvPr id="12" name="Rectangle 11">
+            <a:extLst>
+              <a:ext uri="{FF2B5EF4-FFF2-40B4-BE49-F238E27FC236}">
+                <a16:creationId xmlns:a16="http://schemas.microsoft.com/office/drawing/2014/main" id="{98B4863E-0B48-4B45-9DDC-EB52C1436871}"/>
+              </a:ext>
+            </a:extLst>
+          </p:cNvPr>
           <p:cNvSpPr/>
           <p:nvPr userDrawn="1"/>
         </p:nvSpPr>
@@ -2408,6 +2661,11 @@
         </p:txBody>
       </p:sp>
     </p:spTree>
+    <p:extLst>
+      <p:ext uri="{BB962C8B-B14F-4D97-AF65-F5344CB8AC3E}">
+        <p14:creationId xmlns:p14="http://schemas.microsoft.com/office/powerpoint/2010/main" val="198011811"/>
+      </p:ext>
+    </p:extLst>
   </p:cSld>
   <p:clrMapOvr>
     <a:masterClrMapping/>
@@ -2434,7 +2692,46 @@
       </p:grpSpPr>
       <p:sp>
         <p:nvSpPr>
-          <p:cNvPr id="8" name="Title 7"/>
+          <p:cNvPr id="8" name="Rectangle 7"/>
+          <p:cNvSpPr>
+            <a:spLocks noChangeAspect="1"/>
+          </p:cNvSpPr>
+          <p:nvPr/>
+        </p:nvSpPr>
+        <p:spPr>
+          <a:xfrm>
+            <a:off x="448092" y="599725"/>
+            <a:ext cx="8238707" cy="1258827"/>
+          </a:xfrm>
+          <a:prstGeom prst="rect">
+            <a:avLst/>
+          </a:prstGeom>
+          <a:solidFill>
+            <a:schemeClr val="accent1"/>
+          </a:solidFill>
+          <a:ln>
+            <a:noFill/>
+          </a:ln>
+          <a:effectLst/>
+        </p:spPr>
+        <p:style>
+          <a:lnRef idx="1">
+            <a:schemeClr val="accent1"/>
+          </a:lnRef>
+          <a:fillRef idx="3">
+            <a:schemeClr val="accent1"/>
+          </a:fillRef>
+          <a:effectRef idx="2">
+            <a:schemeClr val="accent1"/>
+          </a:effectRef>
+          <a:fontRef idx="minor">
+            <a:schemeClr val="lt1"/>
+          </a:fontRef>
+        </p:style>
+      </p:sp>
+      <p:sp>
+        <p:nvSpPr>
+          <p:cNvPr id="2" name="Title 1"/>
           <p:cNvSpPr>
             <a:spLocks noGrp="1"/>
           </p:cNvSpPr>
@@ -2442,12 +2739,7 @@
             <p:ph type="title"/>
           </p:nvPr>
         </p:nvSpPr>
-        <p:spPr>
-          <a:xfrm>
-            <a:off x="301083" y="286604"/>
-            <a:ext cx="8541834" cy="1450757"/>
-          </a:xfrm>
-        </p:spPr>
+        <p:spPr/>
         <p:txBody>
           <a:bodyPr/>
           <a:lstStyle/>
@@ -2472,149 +2764,169 @@
         </p:nvSpPr>
         <p:spPr>
           <a:xfrm>
-            <a:off x="301083" y="1845734"/>
-            <a:ext cx="4225197" cy="4023360"/>
-          </a:xfrm>
+            <a:off x="581192" y="2228002"/>
+            <a:ext cx="3899527" cy="3633047"/>
+          </a:xfrm>
+        </p:spPr>
+        <p:txBody>
+          <a:bodyPr>
+            <a:normAutofit/>
+          </a:bodyPr>
+          <a:lstStyle/>
+          <a:p>
+            <a:pPr lvl="0"/>
+            <a:r>
+              <a:rPr lang="en-US"/>
+              <a:t>Edit Master text styles</a:t>
+            </a:r>
+          </a:p>
+          <a:p>
+            <a:pPr lvl="1"/>
+            <a:r>
+              <a:rPr lang="en-US"/>
+              <a:t>Second level</a:t>
+            </a:r>
+          </a:p>
+          <a:p>
+            <a:pPr lvl="2"/>
+            <a:r>
+              <a:rPr lang="en-US"/>
+              <a:t>Third level</a:t>
+            </a:r>
+          </a:p>
+          <a:p>
+            <a:pPr lvl="3"/>
+            <a:r>
+              <a:rPr lang="en-US"/>
+              <a:t>Fourth level</a:t>
+            </a:r>
+          </a:p>
+          <a:p>
+            <a:pPr lvl="4"/>
+            <a:r>
+              <a:rPr lang="en-US"/>
+              <a:t>Fifth level</a:t>
+            </a:r>
+            <a:endParaRPr lang="en-US" dirty="0"/>
+          </a:p>
+        </p:txBody>
+      </p:sp>
+      <p:sp>
+        <p:nvSpPr>
+          <p:cNvPr id="4" name="Content Placeholder 3"/>
+          <p:cNvSpPr>
+            <a:spLocks noGrp="1"/>
+          </p:cNvSpPr>
+          <p:nvPr>
+            <p:ph sz="half" idx="2"/>
+          </p:nvPr>
+        </p:nvSpPr>
+        <p:spPr>
+          <a:xfrm>
+            <a:off x="4663282" y="2228003"/>
+            <a:ext cx="3907662" cy="3633047"/>
+          </a:xfrm>
+        </p:spPr>
+        <p:txBody>
+          <a:bodyPr>
+            <a:normAutofit/>
+          </a:bodyPr>
+          <a:lstStyle/>
+          <a:p>
+            <a:pPr lvl="0"/>
+            <a:r>
+              <a:rPr lang="en-US"/>
+              <a:t>Edit Master text styles</a:t>
+            </a:r>
+          </a:p>
+          <a:p>
+            <a:pPr lvl="1"/>
+            <a:r>
+              <a:rPr lang="en-US"/>
+              <a:t>Second level</a:t>
+            </a:r>
+          </a:p>
+          <a:p>
+            <a:pPr lvl="2"/>
+            <a:r>
+              <a:rPr lang="en-US"/>
+              <a:t>Third level</a:t>
+            </a:r>
+          </a:p>
+          <a:p>
+            <a:pPr lvl="3"/>
+            <a:r>
+              <a:rPr lang="en-US"/>
+              <a:t>Fourth level</a:t>
+            </a:r>
+          </a:p>
+          <a:p>
+            <a:pPr lvl="4"/>
+            <a:r>
+              <a:rPr lang="en-US"/>
+              <a:t>Fifth level</a:t>
+            </a:r>
+            <a:endParaRPr lang="en-US" dirty="0"/>
+          </a:p>
+        </p:txBody>
+      </p:sp>
+      <p:sp>
+        <p:nvSpPr>
+          <p:cNvPr id="5" name="Date Placeholder 4"/>
+          <p:cNvSpPr>
+            <a:spLocks noGrp="1"/>
+          </p:cNvSpPr>
+          <p:nvPr>
+            <p:ph type="dt" sz="half" idx="10"/>
+          </p:nvPr>
+        </p:nvSpPr>
+        <p:spPr>
+          <a:xfrm>
+            <a:off x="5559327" y="5956136"/>
+            <a:ext cx="2133600" cy="365125"/>
+          </a:xfrm>
+          <a:prstGeom prst="rect">
+            <a:avLst/>
+          </a:prstGeom>
         </p:spPr>
         <p:txBody>
           <a:bodyPr/>
           <a:lstStyle/>
           <a:p>
-            <a:pPr lvl="0"/>
-            <a:r>
-              <a:rPr lang="en-US"/>
-              <a:t>Click to edit Master text styles</a:t>
-            </a:r>
-          </a:p>
-          <a:p>
-            <a:pPr lvl="1"/>
-            <a:r>
-              <a:rPr lang="en-US"/>
-              <a:t>Second level</a:t>
-            </a:r>
-          </a:p>
-          <a:p>
-            <a:pPr lvl="2"/>
-            <a:r>
-              <a:rPr lang="en-US"/>
-              <a:t>Third level</a:t>
-            </a:r>
-          </a:p>
-          <a:p>
-            <a:pPr lvl="3"/>
-            <a:r>
-              <a:rPr lang="en-US"/>
-              <a:t>Fourth level</a:t>
-            </a:r>
-          </a:p>
-          <a:p>
-            <a:pPr lvl="4"/>
-            <a:r>
-              <a:rPr lang="en-US"/>
-              <a:t>Fifth level</a:t>
-            </a:r>
-            <a:endParaRPr lang="en-US" dirty="0"/>
-          </a:p>
-        </p:txBody>
-      </p:sp>
-      <p:sp>
-        <p:nvSpPr>
-          <p:cNvPr id="4" name="Content Placeholder 3"/>
-          <p:cNvSpPr>
-            <a:spLocks noGrp="1"/>
-          </p:cNvSpPr>
-          <p:nvPr>
-            <p:ph sz="half" idx="2"/>
-          </p:nvPr>
-        </p:nvSpPr>
-        <p:spPr>
-          <a:xfrm>
-            <a:off x="4663439" y="1845736"/>
-            <a:ext cx="4179477" cy="4023359"/>
-          </a:xfrm>
+            <a:fld id="{7682FCB5-4B29-4F74-AF6D-1ECE9BAD89ED}" type="datetime1">
+              <a:rPr lang="en-US" smtClean="0"/>
+              <a:t>6/12/18</a:t>
+            </a:fld>
+            <a:endParaRPr lang="en-US" dirty="0"/>
+          </a:p>
+        </p:txBody>
+      </p:sp>
+      <p:sp>
+        <p:nvSpPr>
+          <p:cNvPr id="6" name="Footer Placeholder 5"/>
+          <p:cNvSpPr>
+            <a:spLocks noGrp="1"/>
+          </p:cNvSpPr>
+          <p:nvPr>
+            <p:ph type="ftr" sz="quarter" idx="11"/>
+          </p:nvPr>
+        </p:nvSpPr>
+        <p:spPr>
+          <a:xfrm>
+            <a:off x="581192" y="5951810"/>
+            <a:ext cx="4870585" cy="365125"/>
+          </a:xfrm>
+          <a:prstGeom prst="rect">
+            <a:avLst/>
+          </a:prstGeom>
         </p:spPr>
         <p:txBody>
           <a:bodyPr/>
           <a:lstStyle/>
           <a:p>
-            <a:pPr lvl="0"/>
-            <a:r>
-              <a:rPr lang="en-US"/>
-              <a:t>Click to edit Master text styles</a:t>
-            </a:r>
-          </a:p>
-          <a:p>
-            <a:pPr lvl="1"/>
-            <a:r>
-              <a:rPr lang="en-US"/>
-              <a:t>Second level</a:t>
-            </a:r>
-          </a:p>
-          <a:p>
-            <a:pPr lvl="2"/>
-            <a:r>
-              <a:rPr lang="en-US"/>
-              <a:t>Third level</a:t>
-            </a:r>
-          </a:p>
-          <a:p>
-            <a:pPr lvl="3"/>
-            <a:r>
-              <a:rPr lang="en-US"/>
-              <a:t>Fourth level</a:t>
-            </a:r>
-          </a:p>
-          <a:p>
-            <a:pPr lvl="4"/>
-            <a:r>
-              <a:rPr lang="en-US"/>
-              <a:t>Fifth level</a:t>
-            </a:r>
-            <a:endParaRPr lang="en-US" dirty="0"/>
-          </a:p>
-        </p:txBody>
-      </p:sp>
-      <p:sp>
-        <p:nvSpPr>
-          <p:cNvPr id="5" name="Date Placeholder 4"/>
-          <p:cNvSpPr>
-            <a:spLocks noGrp="1"/>
-          </p:cNvSpPr>
-          <p:nvPr>
-            <p:ph type="dt" sz="half" idx="10"/>
-          </p:nvPr>
-        </p:nvSpPr>
-        <p:spPr/>
-        <p:txBody>
-          <a:bodyPr/>
-          <a:lstStyle/>
-          <a:p>
-            <a:fld id="{43921063-F52E-47CA-A9BF-14BC16CA2C56}" type="datetime1">
-              <a:rPr lang="en-US" smtClean="0"/>
-              <a:t>6/7/18</a:t>
-            </a:fld>
-            <a:endParaRPr lang="en-US" dirty="0"/>
-          </a:p>
-        </p:txBody>
-      </p:sp>
-      <p:sp>
-        <p:nvSpPr>
-          <p:cNvPr id="6" name="Footer Placeholder 5"/>
-          <p:cNvSpPr>
-            <a:spLocks noGrp="1"/>
-          </p:cNvSpPr>
-          <p:nvPr>
-            <p:ph type="ftr" sz="quarter" idx="11"/>
-          </p:nvPr>
-        </p:nvSpPr>
-        <p:spPr/>
-        <p:txBody>
-          <a:bodyPr/>
-          <a:lstStyle/>
-          <a:p>
-            <a:r>
-              <a:rPr lang="en-US"/>
-              <a:t>© 2018, FLL Tutorials (Last Edit 9/27/2017)</a:t>
+            <a:r>
+              <a:rPr lang="en-US"/>
+              <a:t>© 2018, FLL Tutorials (Last Edit 6/11/2018)</a:t>
             </a:r>
             <a:endParaRPr lang="en-US" dirty="0"/>
           </a:p>
@@ -2630,7 +2942,15 @@
             <p:ph type="sldNum" sz="quarter" idx="12"/>
           </p:nvPr>
         </p:nvSpPr>
-        <p:spPr/>
+        <p:spPr>
+          <a:xfrm>
+            <a:off x="7800476" y="5956136"/>
+            <a:ext cx="770468" cy="365125"/>
+          </a:xfrm>
+          <a:prstGeom prst="rect">
+            <a:avLst/>
+          </a:prstGeom>
+        </p:spPr>
         <p:txBody>
           <a:bodyPr/>
           <a:lstStyle/>
@@ -2644,6 +2964,11 @@
         </p:txBody>
       </p:sp>
     </p:spTree>
+    <p:extLst>
+      <p:ext uri="{BB962C8B-B14F-4D97-AF65-F5344CB8AC3E}">
+        <p14:creationId xmlns:p14="http://schemas.microsoft.com/office/powerpoint/2010/main" val="758119867"/>
+      </p:ext>
+    </p:extLst>
   </p:cSld>
   <p:clrMapOvr>
     <a:masterClrMapping/>
@@ -2670,7 +2995,46 @@
       </p:grpSpPr>
       <p:sp>
         <p:nvSpPr>
-          <p:cNvPr id="10" name="Title 9"/>
+          <p:cNvPr id="10" name="Rectangle 9"/>
+          <p:cNvSpPr>
+            <a:spLocks noChangeAspect="1"/>
+          </p:cNvSpPr>
+          <p:nvPr/>
+        </p:nvSpPr>
+        <p:spPr>
+          <a:xfrm>
+            <a:off x="448092" y="599725"/>
+            <a:ext cx="8238707" cy="1258827"/>
+          </a:xfrm>
+          <a:prstGeom prst="rect">
+            <a:avLst/>
+          </a:prstGeom>
+          <a:solidFill>
+            <a:schemeClr val="accent1"/>
+          </a:solidFill>
+          <a:ln>
+            <a:noFill/>
+          </a:ln>
+          <a:effectLst/>
+        </p:spPr>
+        <p:style>
+          <a:lnRef idx="1">
+            <a:schemeClr val="accent1"/>
+          </a:lnRef>
+          <a:fillRef idx="3">
+            <a:schemeClr val="accent1"/>
+          </a:fillRef>
+          <a:effectRef idx="2">
+            <a:schemeClr val="accent1"/>
+          </a:effectRef>
+          <a:fontRef idx="minor">
+            <a:schemeClr val="lt1"/>
+          </a:fontRef>
+        </p:style>
+      </p:sp>
+      <p:sp>
+        <p:nvSpPr>
+          <p:cNvPr id="2" name="Title 1"/>
           <p:cNvSpPr>
             <a:spLocks noGrp="1"/>
           </p:cNvSpPr>
@@ -2678,15 +3042,14 @@
             <p:ph type="title"/>
           </p:nvPr>
         </p:nvSpPr>
-        <p:spPr>
-          <a:xfrm>
-            <a:off x="822960" y="286604"/>
-            <a:ext cx="7543800" cy="1450757"/>
-          </a:xfrm>
-        </p:spPr>
+        <p:spPr/>
         <p:txBody>
           <a:bodyPr/>
-          <a:lstStyle/>
+          <a:lstStyle>
+            <a:lvl1pPr>
+              <a:defRPr/>
+            </a:lvl1pPr>
+          </a:lstStyle>
           <a:p>
             <a:r>
               <a:rPr lang="en-US"/>
@@ -2708,20 +3071,20 @@
         </p:nvSpPr>
         <p:spPr>
           <a:xfrm>
-            <a:off x="822960" y="1846052"/>
-            <a:ext cx="3703320" cy="736282"/>
-          </a:xfrm>
-        </p:spPr>
-        <p:txBody>
-          <a:bodyPr lIns="91440" rIns="91440" anchor="ctr">
-            <a:normAutofit/>
+            <a:off x="887219" y="2228003"/>
+            <a:ext cx="3593500" cy="576262"/>
+          </a:xfrm>
+        </p:spPr>
+        <p:txBody>
+          <a:bodyPr anchor="b">
+            <a:noAutofit/>
           </a:bodyPr>
           <a:lstStyle>
             <a:lvl1pPr marL="0" indent="0">
               <a:buNone/>
-              <a:defRPr sz="2000" b="0" cap="all" baseline="0">
+              <a:defRPr sz="2200" b="0">
                 <a:solidFill>
-                  <a:schemeClr val="tx2"/>
+                  <a:schemeClr val="accent2"/>
                 </a:solidFill>
               </a:defRPr>
             </a:lvl1pPr>
@@ -2762,7 +3125,7 @@
             <a:pPr lvl="0"/>
             <a:r>
               <a:rPr lang="en-US"/>
-              <a:t>Click to edit Master text styles</a:t>
+              <a:t>Edit Master text styles</a:t>
             </a:r>
           </a:p>
         </p:txBody>
@@ -2779,18 +3142,20 @@
         </p:nvSpPr>
         <p:spPr>
           <a:xfrm>
-            <a:off x="822960" y="2582334"/>
-            <a:ext cx="3703320" cy="3286760"/>
-          </a:xfrm>
-        </p:spPr>
-        <p:txBody>
-          <a:bodyPr/>
+            <a:off x="581192" y="2926051"/>
+            <a:ext cx="3899527" cy="2934999"/>
+          </a:xfrm>
+        </p:spPr>
+        <p:txBody>
+          <a:bodyPr anchor="t">
+            <a:normAutofit/>
+          </a:bodyPr>
           <a:lstStyle/>
           <a:p>
             <a:pPr lvl="0"/>
             <a:r>
               <a:rPr lang="en-US"/>
-              <a:t>Click to edit Master text styles</a:t>
+              <a:t>Edit Master text styles</a:t>
             </a:r>
           </a:p>
           <a:p>
@@ -2836,20 +3201,20 @@
         </p:nvSpPr>
         <p:spPr>
           <a:xfrm>
-            <a:off x="4663440" y="1846052"/>
-            <a:ext cx="3703320" cy="736282"/>
-          </a:xfrm>
-        </p:spPr>
-        <p:txBody>
-          <a:bodyPr lIns="91440" rIns="91440" anchor="ctr">
-            <a:normAutofit/>
+            <a:off x="4969308" y="2228003"/>
+            <a:ext cx="3601635" cy="576262"/>
+          </a:xfrm>
+        </p:spPr>
+        <p:txBody>
+          <a:bodyPr anchor="b">
+            <a:noAutofit/>
           </a:bodyPr>
           <a:lstStyle>
             <a:lvl1pPr marL="0" indent="0">
               <a:buNone/>
-              <a:defRPr sz="2000" b="0" cap="all" baseline="0">
+              <a:defRPr sz="2200" b="0">
                 <a:solidFill>
-                  <a:schemeClr val="tx2"/>
+                  <a:schemeClr val="accent2"/>
                 </a:solidFill>
               </a:defRPr>
             </a:lvl1pPr>
@@ -2890,7 +3255,7 @@
             <a:pPr lvl="0"/>
             <a:r>
               <a:rPr lang="en-US"/>
-              <a:t>Click to edit Master text styles</a:t>
+              <a:t>Edit Master text styles</a:t>
             </a:r>
           </a:p>
         </p:txBody>
@@ -2907,92 +3272,110 @@
         </p:nvSpPr>
         <p:spPr>
           <a:xfrm>
-            <a:off x="4663440" y="2582334"/>
-            <a:ext cx="3703320" cy="3286760"/>
-          </a:xfrm>
+            <a:off x="4663282" y="2926051"/>
+            <a:ext cx="3907662" cy="2934999"/>
+          </a:xfrm>
+        </p:spPr>
+        <p:txBody>
+          <a:bodyPr anchor="t">
+            <a:normAutofit/>
+          </a:bodyPr>
+          <a:lstStyle/>
+          <a:p>
+            <a:pPr lvl="0"/>
+            <a:r>
+              <a:rPr lang="en-US"/>
+              <a:t>Edit Master text styles</a:t>
+            </a:r>
+          </a:p>
+          <a:p>
+            <a:pPr lvl="1"/>
+            <a:r>
+              <a:rPr lang="en-US"/>
+              <a:t>Second level</a:t>
+            </a:r>
+          </a:p>
+          <a:p>
+            <a:pPr lvl="2"/>
+            <a:r>
+              <a:rPr lang="en-US"/>
+              <a:t>Third level</a:t>
+            </a:r>
+          </a:p>
+          <a:p>
+            <a:pPr lvl="3"/>
+            <a:r>
+              <a:rPr lang="en-US"/>
+              <a:t>Fourth level</a:t>
+            </a:r>
+          </a:p>
+          <a:p>
+            <a:pPr lvl="4"/>
+            <a:r>
+              <a:rPr lang="en-US"/>
+              <a:t>Fifth level</a:t>
+            </a:r>
+            <a:endParaRPr lang="en-US" dirty="0"/>
+          </a:p>
+        </p:txBody>
+      </p:sp>
+      <p:sp>
+        <p:nvSpPr>
+          <p:cNvPr id="7" name="Date Placeholder 6"/>
+          <p:cNvSpPr>
+            <a:spLocks noGrp="1"/>
+          </p:cNvSpPr>
+          <p:nvPr>
+            <p:ph type="dt" sz="half" idx="10"/>
+          </p:nvPr>
+        </p:nvSpPr>
+        <p:spPr>
+          <a:xfrm>
+            <a:off x="5559327" y="5956136"/>
+            <a:ext cx="2133600" cy="365125"/>
+          </a:xfrm>
+          <a:prstGeom prst="rect">
+            <a:avLst/>
+          </a:prstGeom>
         </p:spPr>
         <p:txBody>
           <a:bodyPr/>
           <a:lstStyle/>
           <a:p>
-            <a:pPr lvl="0"/>
-            <a:r>
-              <a:rPr lang="en-US"/>
-              <a:t>Click to edit Master text styles</a:t>
-            </a:r>
-          </a:p>
-          <a:p>
-            <a:pPr lvl="1"/>
-            <a:r>
-              <a:rPr lang="en-US"/>
-              <a:t>Second level</a:t>
-            </a:r>
-          </a:p>
-          <a:p>
-            <a:pPr lvl="2"/>
-            <a:r>
-              <a:rPr lang="en-US"/>
-              <a:t>Third level</a:t>
-            </a:r>
-          </a:p>
-          <a:p>
-            <a:pPr lvl="3"/>
-            <a:r>
-              <a:rPr lang="en-US"/>
-              <a:t>Fourth level</a:t>
-            </a:r>
-          </a:p>
-          <a:p>
-            <a:pPr lvl="4"/>
-            <a:r>
-              <a:rPr lang="en-US"/>
-              <a:t>Fifth level</a:t>
-            </a:r>
-            <a:endParaRPr lang="en-US" dirty="0"/>
-          </a:p>
-        </p:txBody>
-      </p:sp>
-      <p:sp>
-        <p:nvSpPr>
-          <p:cNvPr id="7" name="Date Placeholder 6"/>
-          <p:cNvSpPr>
-            <a:spLocks noGrp="1"/>
-          </p:cNvSpPr>
-          <p:nvPr>
-            <p:ph type="dt" sz="half" idx="10"/>
-          </p:nvPr>
-        </p:nvSpPr>
-        <p:spPr/>
+            <a:fld id="{073CCEA9-CC46-4A5E-9ACC-568CC7D20502}" type="datetime1">
+              <a:rPr lang="en-US" smtClean="0"/>
+              <a:t>6/12/18</a:t>
+            </a:fld>
+            <a:endParaRPr lang="en-US" dirty="0"/>
+          </a:p>
+        </p:txBody>
+      </p:sp>
+      <p:sp>
+        <p:nvSpPr>
+          <p:cNvPr id="8" name="Footer Placeholder 7"/>
+          <p:cNvSpPr>
+            <a:spLocks noGrp="1"/>
+          </p:cNvSpPr>
+          <p:nvPr>
+            <p:ph type="ftr" sz="quarter" idx="11"/>
+          </p:nvPr>
+        </p:nvSpPr>
+        <p:spPr>
+          <a:xfrm>
+            <a:off x="581192" y="5951810"/>
+            <a:ext cx="4870585" cy="365125"/>
+          </a:xfrm>
+          <a:prstGeom prst="rect">
+            <a:avLst/>
+          </a:prstGeom>
+        </p:spPr>
         <p:txBody>
           <a:bodyPr/>
           <a:lstStyle/>
           <a:p>
-            <a:fld id="{9C0C5B76-542D-402A-B10B-E5C0D013B69F}" type="datetime1">
-              <a:rPr lang="en-US" smtClean="0"/>
-              <a:t>6/7/18</a:t>
-            </a:fld>
-            <a:endParaRPr lang="en-US" dirty="0"/>
-          </a:p>
-        </p:txBody>
-      </p:sp>
-      <p:sp>
-        <p:nvSpPr>
-          <p:cNvPr id="8" name="Footer Placeholder 7"/>
-          <p:cNvSpPr>
-            <a:spLocks noGrp="1"/>
-          </p:cNvSpPr>
-          <p:nvPr>
-            <p:ph type="ftr" sz="quarter" idx="11"/>
-          </p:nvPr>
-        </p:nvSpPr>
-        <p:spPr/>
-        <p:txBody>
-          <a:bodyPr/>
-          <a:lstStyle/>
-          <a:p>
-            <a:r>
-              <a:rPr lang="en-US"/>
-              <a:t>© 2018, FLL Tutorials (Last Edit 9/27/2017)</a:t>
+            <a:r>
+              <a:rPr lang="en-US"/>
+              <a:t>© 2018, FLL Tutorials (Last Edit 6/11/2018)</a:t>
             </a:r>
             <a:endParaRPr lang="en-US" dirty="0"/>
           </a:p>
@@ -3008,7 +3391,15 @@
             <p:ph type="sldNum" sz="quarter" idx="12"/>
           </p:nvPr>
         </p:nvSpPr>
-        <p:spPr/>
+        <p:spPr>
+          <a:xfrm>
+            <a:off x="7800476" y="5956136"/>
+            <a:ext cx="770468" cy="365125"/>
+          </a:xfrm>
+          <a:prstGeom prst="rect">
+            <a:avLst/>
+          </a:prstGeom>
+        </p:spPr>
         <p:txBody>
           <a:bodyPr/>
           <a:lstStyle/>
@@ -3022,6 +3413,11 @@
         </p:txBody>
       </p:sp>
     </p:spTree>
+    <p:extLst>
+      <p:ext uri="{BB962C8B-B14F-4D97-AF65-F5344CB8AC3E}">
+        <p14:creationId xmlns:p14="http://schemas.microsoft.com/office/powerpoint/2010/main" val="841427082"/>
+      </p:ext>
+    </p:extLst>
   </p:cSld>
   <p:clrMapOvr>
     <a:masterClrMapping/>
@@ -3048,6 +3444,45 @@
       </p:grpSpPr>
       <p:sp>
         <p:nvSpPr>
+          <p:cNvPr id="6" name="Rectangle 5"/>
+          <p:cNvSpPr>
+            <a:spLocks noChangeAspect="1"/>
+          </p:cNvSpPr>
+          <p:nvPr/>
+        </p:nvSpPr>
+        <p:spPr>
+          <a:xfrm>
+            <a:off x="448092" y="599725"/>
+            <a:ext cx="8238707" cy="1258827"/>
+          </a:xfrm>
+          <a:prstGeom prst="rect">
+            <a:avLst/>
+          </a:prstGeom>
+          <a:solidFill>
+            <a:schemeClr val="accent1"/>
+          </a:solidFill>
+          <a:ln>
+            <a:noFill/>
+          </a:ln>
+          <a:effectLst/>
+        </p:spPr>
+        <p:style>
+          <a:lnRef idx="1">
+            <a:schemeClr val="accent1"/>
+          </a:lnRef>
+          <a:fillRef idx="3">
+            <a:schemeClr val="accent1"/>
+          </a:fillRef>
+          <a:effectRef idx="2">
+            <a:schemeClr val="accent1"/>
+          </a:effectRef>
+          <a:fontRef idx="minor">
+            <a:schemeClr val="lt1"/>
+          </a:fontRef>
+        </p:style>
+      </p:sp>
+      <p:sp>
+        <p:nvSpPr>
           <p:cNvPr id="2" name="Title 1"/>
           <p:cNvSpPr>
             <a:spLocks noGrp="1"/>
@@ -3079,14 +3514,22 @@
             <p:ph type="dt" sz="half" idx="10"/>
           </p:nvPr>
         </p:nvSpPr>
-        <p:spPr/>
+        <p:spPr>
+          <a:xfrm>
+            <a:off x="5559327" y="5956136"/>
+            <a:ext cx="2133600" cy="365125"/>
+          </a:xfrm>
+          <a:prstGeom prst="rect">
+            <a:avLst/>
+          </a:prstGeom>
+        </p:spPr>
         <p:txBody>
           <a:bodyPr/>
           <a:lstStyle/>
           <a:p>
-            <a:fld id="{9D84D26D-2F15-43DF-A7F1-202E8C76E937}" type="datetime1">
+            <a:fld id="{4495FE28-939C-4000-B10A-8CA6ED2FA30A}" type="datetime1">
               <a:rPr lang="en-US" smtClean="0"/>
-              <a:t>6/7/18</a:t>
+              <a:t>6/12/18</a:t>
             </a:fld>
             <a:endParaRPr lang="en-US" dirty="0"/>
           </a:p>
@@ -3102,14 +3545,22 @@
             <p:ph type="ftr" sz="quarter" idx="11"/>
           </p:nvPr>
         </p:nvSpPr>
-        <p:spPr/>
+        <p:spPr>
+          <a:xfrm>
+            <a:off x="581192" y="5951810"/>
+            <a:ext cx="4870585" cy="365125"/>
+          </a:xfrm>
+          <a:prstGeom prst="rect">
+            <a:avLst/>
+          </a:prstGeom>
+        </p:spPr>
         <p:txBody>
           <a:bodyPr/>
           <a:lstStyle/>
           <a:p>
             <a:r>
               <a:rPr lang="en-US"/>
-              <a:t>© 2018, FLL Tutorials (Last Edit 9/27/2017)</a:t>
+              <a:t>© 2018, FLL Tutorials (Last Edit 6/11/2018)</a:t>
             </a:r>
             <a:endParaRPr lang="en-US" dirty="0"/>
           </a:p>
@@ -3125,7 +3576,15 @@
             <p:ph type="sldNum" sz="quarter" idx="12"/>
           </p:nvPr>
         </p:nvSpPr>
-        <p:spPr/>
+        <p:spPr>
+          <a:xfrm>
+            <a:off x="7800476" y="5956136"/>
+            <a:ext cx="770468" cy="365125"/>
+          </a:xfrm>
+          <a:prstGeom prst="rect">
+            <a:avLst/>
+          </a:prstGeom>
+        </p:spPr>
         <p:txBody>
           <a:bodyPr/>
           <a:lstStyle/>
@@ -3139,6 +3598,11 @@
         </p:txBody>
       </p:sp>
     </p:spTree>
+    <p:extLst>
+      <p:ext uri="{BB962C8B-B14F-4D97-AF65-F5344CB8AC3E}">
+        <p14:creationId xmlns:p14="http://schemas.microsoft.com/office/powerpoint/2010/main" val="2573948180"/>
+      </p:ext>
+    </p:extLst>
   </p:cSld>
   <p:clrMapOvr>
     <a:masterClrMapping/>
@@ -3147,7 +3611,7 @@
 </file>
 
 <file path=ppt/slideLayouts/slideLayout7.xml><?xml version="1.0" encoding="utf-8"?>
-<p:sldLayout xmlns:a="http://schemas.openxmlformats.org/drawingml/2006/main" xmlns:r="http://schemas.openxmlformats.org/officeDocument/2006/relationships" xmlns:p="http://schemas.openxmlformats.org/presentationml/2006/main" showMasterSp="0" type="blank" preserve="1">
+<p:sldLayout xmlns:a="http://schemas.openxmlformats.org/drawingml/2006/main" xmlns:r="http://schemas.openxmlformats.org/officeDocument/2006/relationships" xmlns:p="http://schemas.openxmlformats.org/presentationml/2006/main" type="blank" preserve="1">
   <p:cSld name="Blank">
     <p:spTree>
       <p:nvGrpSpPr>
@@ -3165,137 +3629,69 @@
       </p:grpSpPr>
       <p:sp>
         <p:nvSpPr>
-          <p:cNvPr id="5" name="Rectangle 4"/>
-          <p:cNvSpPr/>
-          <p:nvPr/>
-        </p:nvSpPr>
-        <p:spPr>
-          <a:xfrm>
-            <a:off x="2382" y="6400800"/>
-            <a:ext cx="9141619" cy="457200"/>
+          <p:cNvPr id="2" name="Date Placeholder 1"/>
+          <p:cNvSpPr>
+            <a:spLocks noGrp="1"/>
+          </p:cNvSpPr>
+          <p:nvPr>
+            <p:ph type="dt" sz="half" idx="10"/>
+          </p:nvPr>
+        </p:nvSpPr>
+        <p:spPr>
+          <a:xfrm>
+            <a:off x="5559327" y="5956136"/>
+            <a:ext cx="2133600" cy="365125"/>
           </a:xfrm>
           <a:prstGeom prst="rect">
             <a:avLst/>
           </a:prstGeom>
-          <a:solidFill>
-            <a:schemeClr val="accent2"/>
-          </a:solidFill>
-          <a:ln>
-            <a:noFill/>
-          </a:ln>
-        </p:spPr>
-        <p:style>
-          <a:lnRef idx="2">
-            <a:schemeClr val="accent1">
-              <a:shade val="50000"/>
-            </a:schemeClr>
-          </a:lnRef>
-          <a:fillRef idx="1">
-            <a:schemeClr val="accent1"/>
-          </a:fillRef>
-          <a:effectRef idx="0">
-            <a:schemeClr val="accent1"/>
-          </a:effectRef>
-          <a:fontRef idx="minor">
-            <a:schemeClr val="lt1"/>
-          </a:fontRef>
-        </p:style>
-      </p:sp>
-      <p:sp>
-        <p:nvSpPr>
-          <p:cNvPr id="6" name="Rectangle 5"/>
-          <p:cNvSpPr/>
-          <p:nvPr/>
-        </p:nvSpPr>
-        <p:spPr>
-          <a:xfrm>
-            <a:off x="12" y="6334316"/>
-            <a:ext cx="9141619" cy="64008"/>
+        </p:spPr>
+        <p:txBody>
+          <a:bodyPr/>
+          <a:lstStyle/>
+          <a:p>
+            <a:fld id="{46203042-3756-43CC-912F-20912042B569}" type="datetime1">
+              <a:rPr lang="en-US" smtClean="0"/>
+              <a:t>6/12/18</a:t>
+            </a:fld>
+            <a:endParaRPr lang="en-US" dirty="0"/>
+          </a:p>
+        </p:txBody>
+      </p:sp>
+      <p:sp>
+        <p:nvSpPr>
+          <p:cNvPr id="3" name="Footer Placeholder 2"/>
+          <p:cNvSpPr>
+            <a:spLocks noGrp="1"/>
+          </p:cNvSpPr>
+          <p:nvPr>
+            <p:ph type="ftr" sz="quarter" idx="11"/>
+          </p:nvPr>
+        </p:nvSpPr>
+        <p:spPr>
+          <a:xfrm>
+            <a:off x="581192" y="5951810"/>
+            <a:ext cx="4870585" cy="365125"/>
           </a:xfrm>
           <a:prstGeom prst="rect">
             <a:avLst/>
           </a:prstGeom>
-          <a:solidFill>
-            <a:schemeClr val="accent1"/>
-          </a:solidFill>
-          <a:ln>
-            <a:noFill/>
-          </a:ln>
-        </p:spPr>
-        <p:style>
-          <a:lnRef idx="2">
-            <a:schemeClr val="accent1">
-              <a:shade val="50000"/>
-            </a:schemeClr>
-          </a:lnRef>
-          <a:fillRef idx="1">
-            <a:schemeClr val="accent1"/>
-          </a:fillRef>
-          <a:effectRef idx="0">
-            <a:schemeClr val="accent1"/>
-          </a:effectRef>
-          <a:fontRef idx="minor">
-            <a:schemeClr val="lt1"/>
-          </a:fontRef>
-        </p:style>
-      </p:sp>
-      <p:sp>
-        <p:nvSpPr>
-          <p:cNvPr id="7" name="Date Placeholder 6"/>
-          <p:cNvSpPr>
-            <a:spLocks noGrp="1"/>
-          </p:cNvSpPr>
-          <p:nvPr>
-            <p:ph type="dt" sz="half" idx="10"/>
-          </p:nvPr>
-        </p:nvSpPr>
-        <p:spPr/>
+        </p:spPr>
         <p:txBody>
           <a:bodyPr/>
           <a:lstStyle/>
           <a:p>
-            <a:fld id="{B330893A-1D75-41F1-BEC1-64411BC4AAB3}" type="datetime1">
-              <a:rPr lang="en-US" smtClean="0"/>
-              <a:t>6/7/18</a:t>
-            </a:fld>
-            <a:endParaRPr lang="en-US" dirty="0"/>
-          </a:p>
-        </p:txBody>
-      </p:sp>
-      <p:sp>
-        <p:nvSpPr>
-          <p:cNvPr id="8" name="Footer Placeholder 7"/>
-          <p:cNvSpPr>
-            <a:spLocks noGrp="1"/>
-          </p:cNvSpPr>
-          <p:nvPr>
-            <p:ph type="ftr" sz="quarter" idx="11"/>
-          </p:nvPr>
-        </p:nvSpPr>
-        <p:spPr/>
-        <p:txBody>
-          <a:bodyPr/>
-          <a:lstStyle>
-            <a:lvl1pPr>
-              <a:defRPr>
-                <a:solidFill>
-                  <a:srgbClr val="FFFFFF"/>
-                </a:solidFill>
-              </a:defRPr>
-            </a:lvl1pPr>
-          </a:lstStyle>
-          <a:p>
-            <a:r>
-              <a:rPr lang="en-US"/>
-              <a:t>© 2018, FLL Tutorials (Last Edit 9/27/2017)</a:t>
-            </a:r>
-            <a:endParaRPr lang="en-US" dirty="0"/>
-          </a:p>
-        </p:txBody>
-      </p:sp>
-      <p:sp>
-        <p:nvSpPr>
-          <p:cNvPr id="9" name="Slide Number Placeholder 8"/>
+            <a:r>
+              <a:rPr lang="en-US"/>
+              <a:t>© 2018, FLL Tutorials (Last Edit 6/11/2018)</a:t>
+            </a:r>
+            <a:endParaRPr lang="en-US" dirty="0"/>
+          </a:p>
+        </p:txBody>
+      </p:sp>
+      <p:sp>
+        <p:nvSpPr>
+          <p:cNvPr id="4" name="Slide Number Placeholder 3"/>
           <p:cNvSpPr>
             <a:spLocks noGrp="1"/>
           </p:cNvSpPr>
@@ -3303,7 +3699,15 @@
             <p:ph type="sldNum" sz="quarter" idx="12"/>
           </p:nvPr>
         </p:nvSpPr>
-        <p:spPr/>
+        <p:spPr>
+          <a:xfrm>
+            <a:off x="7800476" y="5956136"/>
+            <a:ext cx="770468" cy="365125"/>
+          </a:xfrm>
+          <a:prstGeom prst="rect">
+            <a:avLst/>
+          </a:prstGeom>
+        </p:spPr>
         <p:txBody>
           <a:bodyPr/>
           <a:lstStyle/>
@@ -3317,6 +3721,11 @@
         </p:txBody>
       </p:sp>
     </p:spTree>
+    <p:extLst>
+      <p:ext uri="{BB962C8B-B14F-4D97-AF65-F5344CB8AC3E}">
+        <p14:creationId xmlns:p14="http://schemas.microsoft.com/office/powerpoint/2010/main" val="746184514"/>
+      </p:ext>
+    </p:extLst>
   </p:cSld>
   <p:clrMapOvr>
     <a:masterClrMapping/>
@@ -3325,7 +3734,7 @@
 </file>
 
 <file path=ppt/slideLayouts/slideLayout8.xml><?xml version="1.0" encoding="utf-8"?>
-<p:sldLayout xmlns:a="http://schemas.openxmlformats.org/drawingml/2006/main" xmlns:r="http://schemas.openxmlformats.org/officeDocument/2006/relationships" xmlns:p="http://schemas.openxmlformats.org/presentationml/2006/main" showMasterSp="0" type="objTx" preserve="1">
+<p:sldLayout xmlns:a="http://schemas.openxmlformats.org/drawingml/2006/main" xmlns:r="http://schemas.openxmlformats.org/officeDocument/2006/relationships" xmlns:p="http://schemas.openxmlformats.org/presentationml/2006/main" type="objTx" preserve="1">
   <p:cSld name="Content with Caption">
     <p:spTree>
       <p:nvGrpSpPr>
@@ -3343,52 +3752,16 @@
       </p:grpSpPr>
       <p:sp>
         <p:nvSpPr>
-          <p:cNvPr id="8" name="Rectangle 7"/>
-          <p:cNvSpPr/>
+          <p:cNvPr id="9" name="Rectangle 8"/>
+          <p:cNvSpPr>
+            <a:spLocks noChangeAspect="1"/>
+          </p:cNvSpPr>
           <p:nvPr/>
         </p:nvSpPr>
         <p:spPr>
           <a:xfrm>
-            <a:off x="13" y="0"/>
-            <a:ext cx="3038093" cy="6858000"/>
-          </a:xfrm>
-          <a:prstGeom prst="rect">
-            <a:avLst/>
-          </a:prstGeom>
-          <a:solidFill>
-            <a:schemeClr val="accent2"/>
-          </a:solidFill>
-          <a:ln>
-            <a:noFill/>
-          </a:ln>
-        </p:spPr>
-        <p:style>
-          <a:lnRef idx="2">
-            <a:schemeClr val="accent1">
-              <a:shade val="50000"/>
-            </a:schemeClr>
-          </a:lnRef>
-          <a:fillRef idx="1">
-            <a:schemeClr val="accent1"/>
-          </a:fillRef>
-          <a:effectRef idx="0">
-            <a:schemeClr val="accent1"/>
-          </a:effectRef>
-          <a:fontRef idx="minor">
-            <a:schemeClr val="lt1"/>
-          </a:fontRef>
-        </p:style>
-      </p:sp>
-      <p:sp>
-        <p:nvSpPr>
-          <p:cNvPr id="9" name="Rectangle 8"/>
-          <p:cNvSpPr/>
-          <p:nvPr/>
-        </p:nvSpPr>
-        <p:spPr>
-          <a:xfrm>
-            <a:off x="3030053" y="0"/>
-            <a:ext cx="48006" cy="6858000"/>
+            <a:off x="452646" y="5141973"/>
+            <a:ext cx="8238707" cy="1274702"/>
           </a:xfrm>
           <a:prstGeom prst="rect">
             <a:avLst/>
@@ -3399,17 +3772,16 @@
           <a:ln>
             <a:noFill/>
           </a:ln>
+          <a:effectLst/>
         </p:spPr>
         <p:style>
-          <a:lnRef idx="2">
-            <a:schemeClr val="accent1">
-              <a:shade val="50000"/>
-            </a:schemeClr>
+          <a:lnRef idx="1">
+            <a:schemeClr val="accent1"/>
           </a:lnRef>
-          <a:fillRef idx="1">
+          <a:fillRef idx="3">
             <a:schemeClr val="accent1"/>
           </a:fillRef>
-          <a:effectRef idx="0">
+          <a:effectRef idx="2">
             <a:schemeClr val="accent1"/>
           </a:effectRef>
           <a:fontRef idx="minor">
@@ -3429,8 +3801,397 @@
         </p:nvSpPr>
         <p:spPr>
           <a:xfrm>
-            <a:off x="342900" y="594359"/>
-            <a:ext cx="2400300" cy="2286000"/>
+            <a:off x="581352" y="5262296"/>
+            <a:ext cx="3536625" cy="689514"/>
+          </a:xfrm>
+        </p:spPr>
+        <p:txBody>
+          <a:bodyPr anchor="ctr"/>
+          <a:lstStyle>
+            <a:lvl1pPr algn="l">
+              <a:defRPr sz="2000" b="0">
+                <a:solidFill>
+                  <a:schemeClr val="accent1">
+                    <a:lumMod val="75000"/>
+                    <a:lumOff val="25000"/>
+                  </a:schemeClr>
+                </a:solidFill>
+              </a:defRPr>
+            </a:lvl1pPr>
+          </a:lstStyle>
+          <a:p>
+            <a:r>
+              <a:rPr lang="en-US"/>
+              <a:t>Click to edit Master title style</a:t>
+            </a:r>
+            <a:endParaRPr lang="en-US" dirty="0"/>
+          </a:p>
+        </p:txBody>
+      </p:sp>
+      <p:sp>
+        <p:nvSpPr>
+          <p:cNvPr id="3" name="Content Placeholder 2"/>
+          <p:cNvSpPr>
+            <a:spLocks noGrp="1"/>
+          </p:cNvSpPr>
+          <p:nvPr>
+            <p:ph idx="1"/>
+          </p:nvPr>
+        </p:nvSpPr>
+        <p:spPr>
+          <a:xfrm>
+            <a:off x="446399" y="601200"/>
+            <a:ext cx="8240400" cy="4204800"/>
+          </a:xfrm>
+        </p:spPr>
+        <p:txBody>
+          <a:bodyPr anchor="ctr">
+            <a:normAutofit/>
+          </a:bodyPr>
+          <a:lstStyle>
+            <a:lvl1pPr>
+              <a:defRPr sz="2000">
+                <a:solidFill>
+                  <a:schemeClr val="tx2"/>
+                </a:solidFill>
+              </a:defRPr>
+            </a:lvl1pPr>
+            <a:lvl2pPr>
+              <a:defRPr sz="1800">
+                <a:solidFill>
+                  <a:schemeClr val="tx2"/>
+                </a:solidFill>
+              </a:defRPr>
+            </a:lvl2pPr>
+            <a:lvl3pPr>
+              <a:defRPr sz="1600">
+                <a:solidFill>
+                  <a:schemeClr val="tx2"/>
+                </a:solidFill>
+              </a:defRPr>
+            </a:lvl3pPr>
+            <a:lvl4pPr>
+              <a:defRPr sz="1400">
+                <a:solidFill>
+                  <a:schemeClr val="tx2"/>
+                </a:solidFill>
+              </a:defRPr>
+            </a:lvl4pPr>
+            <a:lvl5pPr>
+              <a:defRPr sz="1400">
+                <a:solidFill>
+                  <a:schemeClr val="tx2"/>
+                </a:solidFill>
+              </a:defRPr>
+            </a:lvl5pPr>
+            <a:lvl6pPr>
+              <a:defRPr sz="1400">
+                <a:solidFill>
+                  <a:schemeClr val="tx2"/>
+                </a:solidFill>
+              </a:defRPr>
+            </a:lvl6pPr>
+            <a:lvl7pPr>
+              <a:defRPr sz="1400">
+                <a:solidFill>
+                  <a:schemeClr val="tx2"/>
+                </a:solidFill>
+              </a:defRPr>
+            </a:lvl7pPr>
+            <a:lvl8pPr>
+              <a:defRPr sz="1400">
+                <a:solidFill>
+                  <a:schemeClr val="tx2"/>
+                </a:solidFill>
+              </a:defRPr>
+            </a:lvl8pPr>
+            <a:lvl9pPr>
+              <a:defRPr sz="1400">
+                <a:solidFill>
+                  <a:schemeClr val="tx2"/>
+                </a:solidFill>
+              </a:defRPr>
+            </a:lvl9pPr>
+          </a:lstStyle>
+          <a:p>
+            <a:pPr lvl="0"/>
+            <a:r>
+              <a:rPr lang="en-US"/>
+              <a:t>Edit Master text styles</a:t>
+            </a:r>
+          </a:p>
+          <a:p>
+            <a:pPr lvl="1"/>
+            <a:r>
+              <a:rPr lang="en-US"/>
+              <a:t>Second level</a:t>
+            </a:r>
+          </a:p>
+          <a:p>
+            <a:pPr lvl="2"/>
+            <a:r>
+              <a:rPr lang="en-US"/>
+              <a:t>Third level</a:t>
+            </a:r>
+          </a:p>
+          <a:p>
+            <a:pPr lvl="3"/>
+            <a:r>
+              <a:rPr lang="en-US"/>
+              <a:t>Fourth level</a:t>
+            </a:r>
+          </a:p>
+          <a:p>
+            <a:pPr lvl="4"/>
+            <a:r>
+              <a:rPr lang="en-US"/>
+              <a:t>Fifth level</a:t>
+            </a:r>
+            <a:endParaRPr lang="en-US" dirty="0"/>
+          </a:p>
+        </p:txBody>
+      </p:sp>
+      <p:sp>
+        <p:nvSpPr>
+          <p:cNvPr id="4" name="Text Placeholder 3"/>
+          <p:cNvSpPr>
+            <a:spLocks noGrp="1"/>
+          </p:cNvSpPr>
+          <p:nvPr>
+            <p:ph type="body" sz="half" idx="2"/>
+          </p:nvPr>
+        </p:nvSpPr>
+        <p:spPr>
+          <a:xfrm>
+            <a:off x="4305617" y="5262295"/>
+            <a:ext cx="4265327" cy="689515"/>
+          </a:xfrm>
+        </p:spPr>
+        <p:txBody>
+          <a:bodyPr anchor="ctr">
+            <a:normAutofit/>
+          </a:bodyPr>
+          <a:lstStyle>
+            <a:lvl1pPr marL="0" indent="0" algn="r">
+              <a:buNone/>
+              <a:defRPr sz="1100">
+                <a:solidFill>
+                  <a:schemeClr val="bg1"/>
+                </a:solidFill>
+              </a:defRPr>
+            </a:lvl1pPr>
+            <a:lvl2pPr marL="457200" indent="0">
+              <a:buNone/>
+              <a:defRPr sz="1100"/>
+            </a:lvl2pPr>
+            <a:lvl3pPr marL="914400" indent="0">
+              <a:buNone/>
+              <a:defRPr sz="1000"/>
+            </a:lvl3pPr>
+            <a:lvl4pPr marL="1371600" indent="0">
+              <a:buNone/>
+              <a:defRPr sz="900"/>
+            </a:lvl4pPr>
+            <a:lvl5pPr marL="1828800" indent="0">
+              <a:buNone/>
+              <a:defRPr sz="900"/>
+            </a:lvl5pPr>
+            <a:lvl6pPr marL="2286000" indent="0">
+              <a:buNone/>
+              <a:defRPr sz="900"/>
+            </a:lvl6pPr>
+            <a:lvl7pPr marL="2743200" indent="0">
+              <a:buNone/>
+              <a:defRPr sz="900"/>
+            </a:lvl7pPr>
+            <a:lvl8pPr marL="3200400" indent="0">
+              <a:buNone/>
+              <a:defRPr sz="900"/>
+            </a:lvl8pPr>
+            <a:lvl9pPr marL="3657600" indent="0">
+              <a:buNone/>
+              <a:defRPr sz="900"/>
+            </a:lvl9pPr>
+          </a:lstStyle>
+          <a:p>
+            <a:pPr lvl="0"/>
+            <a:r>
+              <a:rPr lang="en-US"/>
+              <a:t>Edit Master text styles</a:t>
+            </a:r>
+          </a:p>
+        </p:txBody>
+      </p:sp>
+      <p:sp>
+        <p:nvSpPr>
+          <p:cNvPr id="5" name="Date Placeholder 4"/>
+          <p:cNvSpPr>
+            <a:spLocks noGrp="1"/>
+          </p:cNvSpPr>
+          <p:nvPr>
+            <p:ph type="dt" sz="half" idx="10"/>
+          </p:nvPr>
+        </p:nvSpPr>
+        <p:spPr>
+          <a:xfrm>
+            <a:off x="5559327" y="5956136"/>
+            <a:ext cx="2133600" cy="365125"/>
+          </a:xfrm>
+          <a:prstGeom prst="rect">
+            <a:avLst/>
+          </a:prstGeom>
+        </p:spPr>
+        <p:txBody>
+          <a:bodyPr/>
+          <a:lstStyle>
+            <a:lvl1pPr>
+              <a:defRPr>
+                <a:solidFill>
+                  <a:schemeClr val="accent1">
+                    <a:lumMod val="75000"/>
+                    <a:lumOff val="25000"/>
+                  </a:schemeClr>
+                </a:solidFill>
+              </a:defRPr>
+            </a:lvl1pPr>
+          </a:lstStyle>
+          <a:p>
+            <a:fld id="{657503B7-C034-4A63-A905-C2AAE1E4006F}" type="datetime1">
+              <a:rPr lang="en-US" smtClean="0"/>
+              <a:t>6/12/18</a:t>
+            </a:fld>
+            <a:endParaRPr lang="en-US" dirty="0"/>
+          </a:p>
+        </p:txBody>
+      </p:sp>
+      <p:sp>
+        <p:nvSpPr>
+          <p:cNvPr id="6" name="Footer Placeholder 5"/>
+          <p:cNvSpPr>
+            <a:spLocks noGrp="1"/>
+          </p:cNvSpPr>
+          <p:nvPr>
+            <p:ph type="ftr" sz="quarter" idx="11"/>
+          </p:nvPr>
+        </p:nvSpPr>
+        <p:spPr>
+          <a:xfrm>
+            <a:off x="581192" y="5951810"/>
+            <a:ext cx="4870585" cy="365125"/>
+          </a:xfrm>
+          <a:prstGeom prst="rect">
+            <a:avLst/>
+          </a:prstGeom>
+        </p:spPr>
+        <p:txBody>
+          <a:bodyPr/>
+          <a:lstStyle>
+            <a:lvl1pPr>
+              <a:defRPr>
+                <a:solidFill>
+                  <a:schemeClr val="accent1">
+                    <a:lumMod val="75000"/>
+                    <a:lumOff val="25000"/>
+                  </a:schemeClr>
+                </a:solidFill>
+              </a:defRPr>
+            </a:lvl1pPr>
+          </a:lstStyle>
+          <a:p>
+            <a:r>
+              <a:rPr lang="en-US"/>
+              <a:t>© 2018, FLL Tutorials (Last Edit 6/11/2018)</a:t>
+            </a:r>
+            <a:endParaRPr lang="en-US" dirty="0"/>
+          </a:p>
+        </p:txBody>
+      </p:sp>
+      <p:sp>
+        <p:nvSpPr>
+          <p:cNvPr id="7" name="Slide Number Placeholder 6"/>
+          <p:cNvSpPr>
+            <a:spLocks noGrp="1"/>
+          </p:cNvSpPr>
+          <p:nvPr>
+            <p:ph type="sldNum" sz="quarter" idx="12"/>
+          </p:nvPr>
+        </p:nvSpPr>
+        <p:spPr>
+          <a:xfrm>
+            <a:off x="7800476" y="5956136"/>
+            <a:ext cx="770468" cy="365125"/>
+          </a:xfrm>
+          <a:prstGeom prst="rect">
+            <a:avLst/>
+          </a:prstGeom>
+        </p:spPr>
+        <p:txBody>
+          <a:bodyPr/>
+          <a:lstStyle>
+            <a:lvl1pPr>
+              <a:defRPr>
+                <a:solidFill>
+                  <a:schemeClr val="accent1">
+                    <a:lumMod val="75000"/>
+                    <a:lumOff val="25000"/>
+                  </a:schemeClr>
+                </a:solidFill>
+              </a:defRPr>
+            </a:lvl1pPr>
+          </a:lstStyle>
+          <a:p>
+            <a:fld id="{6D22F896-40B5-4ADD-8801-0D06FADFA095}" type="slidenum">
+              <a:rPr lang="en-US" smtClean="0"/>
+              <a:t>‹#›</a:t>
+            </a:fld>
+            <a:endParaRPr lang="en-US" dirty="0"/>
+          </a:p>
+        </p:txBody>
+      </p:sp>
+    </p:spTree>
+    <p:extLst>
+      <p:ext uri="{BB962C8B-B14F-4D97-AF65-F5344CB8AC3E}">
+        <p14:creationId xmlns:p14="http://schemas.microsoft.com/office/powerpoint/2010/main" val="1080783529"/>
+      </p:ext>
+    </p:extLst>
+  </p:cSld>
+  <p:clrMapOvr>
+    <a:masterClrMapping/>
+  </p:clrMapOvr>
+</p:sldLayout>
+</file>
+
+<file path=ppt/slideLayouts/slideLayout9.xml><?xml version="1.0" encoding="utf-8"?>
+<p:sldLayout xmlns:a="http://schemas.openxmlformats.org/drawingml/2006/main" xmlns:r="http://schemas.openxmlformats.org/officeDocument/2006/relationships" xmlns:p="http://schemas.openxmlformats.org/presentationml/2006/main" type="picTx" preserve="1">
+  <p:cSld name="Picture with Caption">
+    <p:spTree>
+      <p:nvGrpSpPr>
+        <p:cNvPr id="1" name=""/>
+        <p:cNvGrpSpPr/>
+        <p:nvPr/>
+      </p:nvGrpSpPr>
+      <p:grpSpPr>
+        <a:xfrm>
+          <a:off x="0" y="0"/>
+          <a:ext cx="0" cy="0"/>
+          <a:chOff x="0" y="0"/>
+          <a:chExt cx="0" cy="0"/>
+        </a:xfrm>
+      </p:grpSpPr>
+      <p:sp>
+        <p:nvSpPr>
+          <p:cNvPr id="2" name="Title 1"/>
+          <p:cNvSpPr>
+            <a:spLocks noGrp="1"/>
+          </p:cNvSpPr>
+          <p:nvPr>
+            <p:ph type="title"/>
+          </p:nvPr>
+        </p:nvSpPr>
+        <p:spPr>
+          <a:xfrm>
+            <a:off x="581192" y="4693389"/>
+            <a:ext cx="7989752" cy="566738"/>
           </a:xfrm>
         </p:spPr>
         <p:txBody>
@@ -3438,10 +4199,10 @@
             <a:normAutofit/>
           </a:bodyPr>
           <a:lstStyle>
-            <a:lvl1pPr>
-              <a:defRPr sz="3600" b="0">
+            <a:lvl1pPr algn="l">
+              <a:defRPr sz="2400" b="0">
                 <a:solidFill>
-                  <a:srgbClr val="FFFFFF"/>
+                  <a:schemeClr val="accent1"/>
                 </a:solidFill>
               </a:defRPr>
             </a:lvl1pPr>
@@ -3457,56 +4218,66 @@
       </p:sp>
       <p:sp>
         <p:nvSpPr>
-          <p:cNvPr id="3" name="Content Placeholder 2"/>
-          <p:cNvSpPr>
-            <a:spLocks noGrp="1"/>
-          </p:cNvSpPr>
-          <p:nvPr>
-            <p:ph idx="1"/>
-          </p:nvPr>
-        </p:nvSpPr>
-        <p:spPr>
-          <a:xfrm>
-            <a:off x="3460237" y="731520"/>
-            <a:ext cx="5009393" cy="5257800"/>
-          </a:xfrm>
-        </p:spPr>
-        <p:txBody>
-          <a:bodyPr/>
-          <a:lstStyle/>
-          <a:p>
-            <a:pPr lvl="0"/>
-            <a:r>
-              <a:rPr lang="en-US"/>
-              <a:t>Click to edit Master text styles</a:t>
-            </a:r>
-          </a:p>
-          <a:p>
-            <a:pPr lvl="1"/>
-            <a:r>
-              <a:rPr lang="en-US"/>
-              <a:t>Second level</a:t>
-            </a:r>
-          </a:p>
-          <a:p>
-            <a:pPr lvl="2"/>
-            <a:r>
-              <a:rPr lang="en-US"/>
-              <a:t>Third level</a:t>
-            </a:r>
-          </a:p>
-          <a:p>
-            <a:pPr lvl="3"/>
-            <a:r>
-              <a:rPr lang="en-US"/>
-              <a:t>Fourth level</a:t>
-            </a:r>
-          </a:p>
-          <a:p>
-            <a:pPr lvl="4"/>
-            <a:r>
-              <a:rPr lang="en-US"/>
-              <a:t>Fifth level</a:t>
+          <p:cNvPr id="3" name="Picture Placeholder 2"/>
+          <p:cNvSpPr>
+            <a:spLocks noGrp="1" noChangeAspect="1"/>
+          </p:cNvSpPr>
+          <p:nvPr>
+            <p:ph type="pic" idx="1"/>
+          </p:nvPr>
+        </p:nvSpPr>
+        <p:spPr>
+          <a:xfrm>
+            <a:off x="448093" y="599725"/>
+            <a:ext cx="8238706" cy="3557252"/>
+          </a:xfrm>
+        </p:spPr>
+        <p:txBody>
+          <a:bodyPr anchor="t">
+            <a:normAutofit/>
+          </a:bodyPr>
+          <a:lstStyle>
+            <a:lvl1pPr marL="0" indent="0" algn="ctr">
+              <a:buNone/>
+              <a:defRPr sz="1600"/>
+            </a:lvl1pPr>
+            <a:lvl2pPr marL="457200" indent="0">
+              <a:buNone/>
+              <a:defRPr sz="1600"/>
+            </a:lvl2pPr>
+            <a:lvl3pPr marL="914400" indent="0">
+              <a:buNone/>
+              <a:defRPr sz="1600"/>
+            </a:lvl3pPr>
+            <a:lvl4pPr marL="1371600" indent="0">
+              <a:buNone/>
+              <a:defRPr sz="1600"/>
+            </a:lvl4pPr>
+            <a:lvl5pPr marL="1828800" indent="0">
+              <a:buNone/>
+              <a:defRPr sz="1600"/>
+            </a:lvl5pPr>
+            <a:lvl6pPr marL="2286000" indent="0">
+              <a:buNone/>
+              <a:defRPr sz="1600"/>
+            </a:lvl6pPr>
+            <a:lvl7pPr marL="2743200" indent="0">
+              <a:buNone/>
+              <a:defRPr sz="1600"/>
+            </a:lvl7pPr>
+            <a:lvl8pPr marL="3200400" indent="0">
+              <a:buNone/>
+              <a:defRPr sz="1600"/>
+            </a:lvl8pPr>
+            <a:lvl9pPr marL="3657600" indent="0">
+              <a:buNone/>
+              <a:defRPr sz="1600"/>
+            </a:lvl9pPr>
+          </a:lstStyle>
+          <a:p>
+            <a:r>
+              <a:rPr lang="en-US"/>
+              <a:t>Click icon to add picture</a:t>
             </a:r>
             <a:endParaRPr lang="en-US" dirty="0"/>
           </a:p>
@@ -3524,22 +4295,18 @@
         </p:nvSpPr>
         <p:spPr>
           <a:xfrm>
-            <a:off x="342900" y="2926080"/>
-            <a:ext cx="2400300" cy="3379124"/>
-          </a:xfrm>
-        </p:spPr>
-        <p:txBody>
-          <a:bodyPr lIns="91440" rIns="91440">
+            <a:off x="581192" y="5260126"/>
+            <a:ext cx="7989752" cy="598671"/>
+          </a:xfrm>
+        </p:spPr>
+        <p:txBody>
+          <a:bodyPr>
             <a:normAutofit/>
           </a:bodyPr>
           <a:lstStyle>
             <a:lvl1pPr marL="0" indent="0">
               <a:buNone/>
-              <a:defRPr sz="1500">
-                <a:solidFill>
-                  <a:srgbClr val="FFFFFF"/>
-                </a:solidFill>
-              </a:defRPr>
+              <a:defRPr sz="1200"/>
             </a:lvl1pPr>
             <a:lvl2pPr marL="457200" indent="0">
               <a:buNone/>
@@ -3578,7 +4345,7 @@
             <a:pPr lvl="0"/>
             <a:r>
               <a:rPr lang="en-US"/>
-              <a:t>Click to edit Master text styles</a:t>
+              <a:t>Edit Master text styles</a:t>
             </a:r>
           </a:p>
         </p:txBody>
@@ -3595,21 +4362,20 @@
         </p:nvSpPr>
         <p:spPr>
           <a:xfrm>
-            <a:off x="349134" y="6459786"/>
-            <a:ext cx="1963883" cy="365125"/>
-          </a:xfrm>
+            <a:off x="5559327" y="5956136"/>
+            <a:ext cx="2133600" cy="365125"/>
+          </a:xfrm>
+          <a:prstGeom prst="rect">
+            <a:avLst/>
+          </a:prstGeom>
         </p:spPr>
         <p:txBody>
           <a:bodyPr/>
-          <a:lstStyle>
-            <a:lvl1pPr algn="l">
-              <a:defRPr/>
-            </a:lvl1pPr>
-          </a:lstStyle>
-          <a:p>
-            <a:fld id="{9F20BC5A-1604-45AB-A1D4-52D3BDB6D648}" type="datetime1">
+          <a:lstStyle/>
+          <a:p>
+            <a:fld id="{7F4269FD-51AD-40D9-86B1-068AADC977AB}" type="datetime1">
               <a:rPr lang="en-US" smtClean="0"/>
-              <a:t>6/7/18</a:t>
+              <a:t>6/12/18</a:t>
             </a:fld>
             <a:endParaRPr lang="en-US" dirty="0"/>
           </a:p>
@@ -3627,25 +4393,20 @@
         </p:nvSpPr>
         <p:spPr>
           <a:xfrm>
-            <a:off x="3600450" y="6459786"/>
-            <a:ext cx="3486150" cy="365125"/>
-          </a:xfrm>
+            <a:off x="581192" y="5951810"/>
+            <a:ext cx="4870585" cy="365125"/>
+          </a:xfrm>
+          <a:prstGeom prst="rect">
+            <a:avLst/>
+          </a:prstGeom>
         </p:spPr>
         <p:txBody>
           <a:bodyPr/>
-          <a:lstStyle>
-            <a:lvl1pPr algn="l">
-              <a:defRPr>
-                <a:solidFill>
-                  <a:schemeClr val="tx2"/>
-                </a:solidFill>
-              </a:defRPr>
-            </a:lvl1pPr>
-          </a:lstStyle>
-          <a:p>
-            <a:r>
-              <a:rPr lang="en-US"/>
-              <a:t>© 2018, FLL Tutorials (Last Edit 9/27/2017)</a:t>
+          <a:lstStyle/>
+          <a:p>
+            <a:r>
+              <a:rPr lang="en-US"/>
+              <a:t>© 2018, FLL Tutorials (Last Edit 6/11/2018)</a:t>
             </a:r>
             <a:endParaRPr lang="en-US" dirty="0"/>
           </a:p>
@@ -3661,18 +4422,18 @@
             <p:ph type="sldNum" sz="quarter" idx="12"/>
           </p:nvPr>
         </p:nvSpPr>
-        <p:spPr/>
+        <p:spPr>
+          <a:xfrm>
+            <a:off x="7800476" y="5956136"/>
+            <a:ext cx="770468" cy="365125"/>
+          </a:xfrm>
+          <a:prstGeom prst="rect">
+            <a:avLst/>
+          </a:prstGeom>
+        </p:spPr>
         <p:txBody>
           <a:bodyPr/>
-          <a:lstStyle>
-            <a:lvl1pPr>
-              <a:defRPr>
-                <a:solidFill>
-                  <a:schemeClr val="tx2"/>
-                </a:solidFill>
-              </a:defRPr>
-            </a:lvl1pPr>
-          </a:lstStyle>
+          <a:lstStyle/>
           <a:p>
             <a:fld id="{6D22F896-40B5-4ADD-8801-0D06FADFA095}" type="slidenum">
               <a:rPr lang="en-US" smtClean="0"/>
@@ -3683,363 +4444,11 @@
         </p:txBody>
       </p:sp>
     </p:spTree>
-  </p:cSld>
-  <p:clrMapOvr>
-    <a:masterClrMapping/>
-  </p:clrMapOvr>
-</p:sldLayout>
-</file>
-
-<file path=ppt/slideLayouts/slideLayout9.xml><?xml version="1.0" encoding="utf-8"?>
-<p:sldLayout xmlns:a="http://schemas.openxmlformats.org/drawingml/2006/main" xmlns:r="http://schemas.openxmlformats.org/officeDocument/2006/relationships" xmlns:p="http://schemas.openxmlformats.org/presentationml/2006/main" showMasterSp="0" type="picTx" preserve="1">
-  <p:cSld name="Picture with Caption">
-    <p:spTree>
-      <p:nvGrpSpPr>
-        <p:cNvPr id="1" name=""/>
-        <p:cNvGrpSpPr/>
-        <p:nvPr/>
-      </p:nvGrpSpPr>
-      <p:grpSpPr>
-        <a:xfrm>
-          <a:off x="0" y="0"/>
-          <a:ext cx="0" cy="0"/>
-          <a:chOff x="0" y="0"/>
-          <a:chExt cx="0" cy="0"/>
-        </a:xfrm>
-      </p:grpSpPr>
-      <p:sp>
-        <p:nvSpPr>
-          <p:cNvPr id="8" name="Rectangle 7"/>
-          <p:cNvSpPr/>
-          <p:nvPr/>
-        </p:nvSpPr>
-        <p:spPr>
-          <a:xfrm>
-            <a:off x="0" y="4953000"/>
-            <a:ext cx="9141619" cy="1905000"/>
-          </a:xfrm>
-          <a:prstGeom prst="rect">
-            <a:avLst/>
-          </a:prstGeom>
-          <a:solidFill>
-            <a:schemeClr val="accent2"/>
-          </a:solidFill>
-          <a:ln>
-            <a:noFill/>
-          </a:ln>
-        </p:spPr>
-        <p:style>
-          <a:lnRef idx="2">
-            <a:schemeClr val="accent1">
-              <a:shade val="50000"/>
-            </a:schemeClr>
-          </a:lnRef>
-          <a:fillRef idx="1">
-            <a:schemeClr val="accent1"/>
-          </a:fillRef>
-          <a:effectRef idx="0">
-            <a:schemeClr val="accent1"/>
-          </a:effectRef>
-          <a:fontRef idx="minor">
-            <a:schemeClr val="lt1"/>
-          </a:fontRef>
-        </p:style>
-      </p:sp>
-      <p:sp>
-        <p:nvSpPr>
-          <p:cNvPr id="9" name="Rectangle 8"/>
-          <p:cNvSpPr/>
-          <p:nvPr/>
-        </p:nvSpPr>
-        <p:spPr>
-          <a:xfrm>
-            <a:off x="12" y="4915076"/>
-            <a:ext cx="9141619" cy="64008"/>
-          </a:xfrm>
-          <a:prstGeom prst="rect">
-            <a:avLst/>
-          </a:prstGeom>
-          <a:solidFill>
-            <a:schemeClr val="accent1"/>
-          </a:solidFill>
-          <a:ln>
-            <a:noFill/>
-          </a:ln>
-        </p:spPr>
-        <p:style>
-          <a:lnRef idx="2">
-            <a:schemeClr val="accent1">
-              <a:shade val="50000"/>
-            </a:schemeClr>
-          </a:lnRef>
-          <a:fillRef idx="1">
-            <a:schemeClr val="accent1"/>
-          </a:fillRef>
-          <a:effectRef idx="0">
-            <a:schemeClr val="accent1"/>
-          </a:effectRef>
-          <a:fontRef idx="minor">
-            <a:schemeClr val="lt1"/>
-          </a:fontRef>
-        </p:style>
-      </p:sp>
-      <p:sp>
-        <p:nvSpPr>
-          <p:cNvPr id="2" name="Title 1"/>
-          <p:cNvSpPr>
-            <a:spLocks noGrp="1"/>
-          </p:cNvSpPr>
-          <p:nvPr>
-            <p:ph type="title"/>
-          </p:nvPr>
-        </p:nvSpPr>
-        <p:spPr>
-          <a:xfrm>
-            <a:off x="822960" y="5074920"/>
-            <a:ext cx="7589520" cy="822960"/>
-          </a:xfrm>
-        </p:spPr>
-        <p:txBody>
-          <a:bodyPr tIns="0" bIns="0" anchor="b">
-            <a:noAutofit/>
-          </a:bodyPr>
-          <a:lstStyle>
-            <a:lvl1pPr>
-              <a:defRPr sz="3600" b="0">
-                <a:solidFill>
-                  <a:srgbClr val="FFFFFF"/>
-                </a:solidFill>
-              </a:defRPr>
-            </a:lvl1pPr>
-          </a:lstStyle>
-          <a:p>
-            <a:r>
-              <a:rPr lang="en-US"/>
-              <a:t>Click to edit Master title style</a:t>
-            </a:r>
-            <a:endParaRPr lang="en-US" dirty="0"/>
-          </a:p>
-        </p:txBody>
-      </p:sp>
-      <p:sp>
-        <p:nvSpPr>
-          <p:cNvPr id="3" name="Picture Placeholder 2"/>
-          <p:cNvSpPr>
-            <a:spLocks noGrp="1" noChangeAspect="1"/>
-          </p:cNvSpPr>
-          <p:nvPr>
-            <p:ph type="pic" idx="1"/>
-          </p:nvPr>
-        </p:nvSpPr>
-        <p:spPr>
-          <a:xfrm>
-            <a:off x="12" y="0"/>
-            <a:ext cx="9143989" cy="4915076"/>
-          </a:xfrm>
-          <a:solidFill>
-            <a:schemeClr val="accent2"/>
-          </a:solidFill>
-        </p:spPr>
-        <p:txBody>
-          <a:bodyPr lIns="457200" tIns="457200" anchor="t"/>
-          <a:lstStyle>
-            <a:lvl1pPr marL="0" indent="0">
-              <a:buNone/>
-              <a:defRPr sz="3200">
-                <a:solidFill>
-                  <a:schemeClr val="bg1"/>
-                </a:solidFill>
-              </a:defRPr>
-            </a:lvl1pPr>
-            <a:lvl2pPr marL="457200" indent="0">
-              <a:buNone/>
-              <a:defRPr sz="2800"/>
-            </a:lvl2pPr>
-            <a:lvl3pPr marL="914400" indent="0">
-              <a:buNone/>
-              <a:defRPr sz="2400"/>
-            </a:lvl3pPr>
-            <a:lvl4pPr marL="1371600" indent="0">
-              <a:buNone/>
-              <a:defRPr sz="2000"/>
-            </a:lvl4pPr>
-            <a:lvl5pPr marL="1828800" indent="0">
-              <a:buNone/>
-              <a:defRPr sz="2000"/>
-            </a:lvl5pPr>
-            <a:lvl6pPr marL="2286000" indent="0">
-              <a:buNone/>
-              <a:defRPr sz="2000"/>
-            </a:lvl6pPr>
-            <a:lvl7pPr marL="2743200" indent="0">
-              <a:buNone/>
-              <a:defRPr sz="2000"/>
-            </a:lvl7pPr>
-            <a:lvl8pPr marL="3200400" indent="0">
-              <a:buNone/>
-              <a:defRPr sz="2000"/>
-            </a:lvl8pPr>
-            <a:lvl9pPr marL="3657600" indent="0">
-              <a:buNone/>
-              <a:defRPr sz="2000"/>
-            </a:lvl9pPr>
-          </a:lstStyle>
-          <a:p>
-            <a:r>
-              <a:rPr lang="en-US"/>
-              <a:t>Drag picture to placeholder or click icon to add</a:t>
-            </a:r>
-            <a:endParaRPr lang="en-US" dirty="0"/>
-          </a:p>
-        </p:txBody>
-      </p:sp>
-      <p:sp>
-        <p:nvSpPr>
-          <p:cNvPr id="4" name="Text Placeholder 3"/>
-          <p:cNvSpPr>
-            <a:spLocks noGrp="1"/>
-          </p:cNvSpPr>
-          <p:nvPr>
-            <p:ph type="body" sz="half" idx="2"/>
-          </p:nvPr>
-        </p:nvSpPr>
-        <p:spPr>
-          <a:xfrm>
-            <a:off x="822959" y="5907024"/>
-            <a:ext cx="7589520" cy="594360"/>
-          </a:xfrm>
-        </p:spPr>
-        <p:txBody>
-          <a:bodyPr lIns="91440" tIns="0" rIns="91440" bIns="0">
-            <a:normAutofit/>
-          </a:bodyPr>
-          <a:lstStyle>
-            <a:lvl1pPr marL="0" indent="0">
-              <a:spcBef>
-                <a:spcPts val="0"/>
-              </a:spcBef>
-              <a:spcAft>
-                <a:spcPts val="600"/>
-              </a:spcAft>
-              <a:buNone/>
-              <a:defRPr sz="1500">
-                <a:solidFill>
-                  <a:srgbClr val="FFFFFF"/>
-                </a:solidFill>
-              </a:defRPr>
-            </a:lvl1pPr>
-            <a:lvl2pPr marL="457200" indent="0">
-              <a:buNone/>
-              <a:defRPr sz="1200"/>
-            </a:lvl2pPr>
-            <a:lvl3pPr marL="914400" indent="0">
-              <a:buNone/>
-              <a:defRPr sz="1000"/>
-            </a:lvl3pPr>
-            <a:lvl4pPr marL="1371600" indent="0">
-              <a:buNone/>
-              <a:defRPr sz="900"/>
-            </a:lvl4pPr>
-            <a:lvl5pPr marL="1828800" indent="0">
-              <a:buNone/>
-              <a:defRPr sz="900"/>
-            </a:lvl5pPr>
-            <a:lvl6pPr marL="2286000" indent="0">
-              <a:buNone/>
-              <a:defRPr sz="900"/>
-            </a:lvl6pPr>
-            <a:lvl7pPr marL="2743200" indent="0">
-              <a:buNone/>
-              <a:defRPr sz="900"/>
-            </a:lvl7pPr>
-            <a:lvl8pPr marL="3200400" indent="0">
-              <a:buNone/>
-              <a:defRPr sz="900"/>
-            </a:lvl8pPr>
-            <a:lvl9pPr marL="3657600" indent="0">
-              <a:buNone/>
-              <a:defRPr sz="900"/>
-            </a:lvl9pPr>
-          </a:lstStyle>
-          <a:p>
-            <a:pPr lvl="0"/>
-            <a:r>
-              <a:rPr lang="en-US"/>
-              <a:t>Click to edit Master text styles</a:t>
-            </a:r>
-          </a:p>
-        </p:txBody>
-      </p:sp>
-      <p:sp>
-        <p:nvSpPr>
-          <p:cNvPr id="5" name="Date Placeholder 4"/>
-          <p:cNvSpPr>
-            <a:spLocks noGrp="1"/>
-          </p:cNvSpPr>
-          <p:nvPr>
-            <p:ph type="dt" sz="half" idx="10"/>
-          </p:nvPr>
-        </p:nvSpPr>
-        <p:spPr/>
-        <p:txBody>
-          <a:bodyPr/>
-          <a:lstStyle/>
-          <a:p>
-            <a:fld id="{194F239F-427F-45BC-A73A-0C5AC136CE37}" type="datetime1">
-              <a:rPr lang="en-US" smtClean="0"/>
-              <a:t>6/7/18</a:t>
-            </a:fld>
-            <a:endParaRPr lang="en-US" dirty="0"/>
-          </a:p>
-        </p:txBody>
-      </p:sp>
-      <p:sp>
-        <p:nvSpPr>
-          <p:cNvPr id="6" name="Footer Placeholder 5"/>
-          <p:cNvSpPr>
-            <a:spLocks noGrp="1"/>
-          </p:cNvSpPr>
-          <p:nvPr>
-            <p:ph type="ftr" sz="quarter" idx="11"/>
-          </p:nvPr>
-        </p:nvSpPr>
-        <p:spPr/>
-        <p:txBody>
-          <a:bodyPr/>
-          <a:lstStyle/>
-          <a:p>
-            <a:r>
-              <a:rPr lang="en-US"/>
-              <a:t>© 2018, FLL Tutorials (Last Edit 9/27/2017)</a:t>
-            </a:r>
-            <a:endParaRPr lang="en-US" dirty="0"/>
-          </a:p>
-        </p:txBody>
-      </p:sp>
-      <p:sp>
-        <p:nvSpPr>
-          <p:cNvPr id="7" name="Slide Number Placeholder 6"/>
-          <p:cNvSpPr>
-            <a:spLocks noGrp="1"/>
-          </p:cNvSpPr>
-          <p:nvPr>
-            <p:ph type="sldNum" sz="quarter" idx="12"/>
-          </p:nvPr>
-        </p:nvSpPr>
-        <p:spPr/>
-        <p:txBody>
-          <a:bodyPr/>
-          <a:lstStyle/>
-          <a:p>
-            <a:fld id="{6D22F896-40B5-4ADD-8801-0D06FADFA095}" type="slidenum">
-              <a:rPr lang="en-US" smtClean="0"/>
-              <a:t>‹#›</a:t>
-            </a:fld>
-            <a:endParaRPr lang="en-US" dirty="0"/>
-          </a:p>
-        </p:txBody>
-      </p:sp>
-    </p:spTree>
+    <p:extLst>
+      <p:ext uri="{BB962C8B-B14F-4D97-AF65-F5344CB8AC3E}">
+        <p14:creationId xmlns:p14="http://schemas.microsoft.com/office/powerpoint/2010/main" val="3444001907"/>
+      </p:ext>
+    </p:extLst>
   </p:cSld>
   <p:clrMapOvr>
     <a:masterClrMapping/>
@@ -4071,20 +4480,377 @@
       </p:grpSpPr>
       <p:sp>
         <p:nvSpPr>
-          <p:cNvPr id="7" name="Rectangle 6"/>
+          <p:cNvPr id="2" name="Title Placeholder 1"/>
+          <p:cNvSpPr>
+            <a:spLocks noGrp="1"/>
+          </p:cNvSpPr>
+          <p:nvPr>
+            <p:ph type="title"/>
+          </p:nvPr>
+        </p:nvSpPr>
+        <p:spPr>
+          <a:xfrm>
+            <a:off x="581192" y="687474"/>
+            <a:ext cx="7989752" cy="1083329"/>
+          </a:xfrm>
+          <a:prstGeom prst="rect">
+            <a:avLst/>
+          </a:prstGeom>
+        </p:spPr>
+        <p:txBody>
+          <a:bodyPr vert="horz" lIns="91440" tIns="45720" rIns="91440" bIns="45720" rtlCol="0" anchor="b">
+            <a:normAutofit/>
+          </a:bodyPr>
+          <a:lstStyle/>
+          <a:p>
+            <a:r>
+              <a:rPr lang="en-US"/>
+              <a:t>Click to edit Master title style</a:t>
+            </a:r>
+            <a:endParaRPr lang="en-US" dirty="0"/>
+          </a:p>
+        </p:txBody>
+      </p:sp>
+      <p:sp>
+        <p:nvSpPr>
+          <p:cNvPr id="3" name="Text Placeholder 2"/>
+          <p:cNvSpPr>
+            <a:spLocks noGrp="1"/>
+          </p:cNvSpPr>
+          <p:nvPr>
+            <p:ph type="body" idx="1"/>
+          </p:nvPr>
+        </p:nvSpPr>
+        <p:spPr>
+          <a:xfrm>
+            <a:off x="581192" y="2228003"/>
+            <a:ext cx="7989752" cy="3630794"/>
+          </a:xfrm>
+          <a:prstGeom prst="rect">
+            <a:avLst/>
+          </a:prstGeom>
+        </p:spPr>
+        <p:txBody>
+          <a:bodyPr vert="horz" lIns="91440" tIns="45720" rIns="91440" bIns="45720" rtlCol="0" anchor="ctr">
+            <a:normAutofit/>
+          </a:bodyPr>
+          <a:lstStyle/>
+          <a:p>
+            <a:pPr lvl="0"/>
+            <a:r>
+              <a:rPr lang="en-US"/>
+              <a:t>Edit Master text styles</a:t>
+            </a:r>
+          </a:p>
+          <a:p>
+            <a:pPr lvl="1"/>
+            <a:r>
+              <a:rPr lang="en-US"/>
+              <a:t>Second level</a:t>
+            </a:r>
+          </a:p>
+          <a:p>
+            <a:pPr lvl="2"/>
+            <a:r>
+              <a:rPr lang="en-US"/>
+              <a:t>Third level</a:t>
+            </a:r>
+          </a:p>
+          <a:p>
+            <a:pPr lvl="3"/>
+            <a:r>
+              <a:rPr lang="en-US"/>
+              <a:t>Fourth level</a:t>
+            </a:r>
+          </a:p>
+          <a:p>
+            <a:pPr lvl="4"/>
+            <a:r>
+              <a:rPr lang="en-US"/>
+              <a:t>Fifth level</a:t>
+            </a:r>
+            <a:endParaRPr lang="en-US" dirty="0"/>
+          </a:p>
+        </p:txBody>
+      </p:sp>
+      <p:sp>
+        <p:nvSpPr>
+          <p:cNvPr id="9" name="Rectangle 8"/>
           <p:cNvSpPr/>
           <p:nvPr/>
         </p:nvSpPr>
         <p:spPr>
           <a:xfrm>
-            <a:off x="0" y="6400800"/>
-            <a:ext cx="9144001" cy="457200"/>
+            <a:off x="448091" y="441325"/>
+            <a:ext cx="2719909" cy="108000"/>
           </a:xfrm>
           <a:prstGeom prst="rect">
             <a:avLst/>
           </a:prstGeom>
           <a:solidFill>
-            <a:srgbClr val="034A85"/>
+            <a:schemeClr val="accent1"/>
+          </a:solidFill>
+          <a:ln>
+            <a:noFill/>
+          </a:ln>
+          <a:effectLst/>
+        </p:spPr>
+        <p:style>
+          <a:lnRef idx="1">
+            <a:schemeClr val="accent1"/>
+          </a:lnRef>
+          <a:fillRef idx="3">
+            <a:schemeClr val="accent1"/>
+          </a:fillRef>
+          <a:effectRef idx="2">
+            <a:schemeClr val="accent1"/>
+          </a:effectRef>
+          <a:fontRef idx="minor">
+            <a:schemeClr val="lt1"/>
+          </a:fontRef>
+        </p:style>
+      </p:sp>
+      <p:sp>
+        <p:nvSpPr>
+          <p:cNvPr id="10" name="Rectangle 9"/>
+          <p:cNvSpPr/>
+          <p:nvPr/>
+        </p:nvSpPr>
+        <p:spPr>
+          <a:xfrm>
+            <a:off x="5976001" y="441325"/>
+            <a:ext cx="2710800" cy="108000"/>
+          </a:xfrm>
+          <a:prstGeom prst="rect">
+            <a:avLst/>
+          </a:prstGeom>
+          <a:solidFill>
+            <a:schemeClr val="accent4"/>
+          </a:solidFill>
+          <a:ln>
+            <a:noFill/>
+          </a:ln>
+          <a:effectLst/>
+        </p:spPr>
+        <p:style>
+          <a:lnRef idx="1">
+            <a:schemeClr val="accent1"/>
+          </a:lnRef>
+          <a:fillRef idx="3">
+            <a:schemeClr val="accent1"/>
+          </a:fillRef>
+          <a:effectRef idx="2">
+            <a:schemeClr val="accent1"/>
+          </a:effectRef>
+          <a:fontRef idx="minor">
+            <a:schemeClr val="lt1"/>
+          </a:fontRef>
+        </p:style>
+      </p:sp>
+      <p:sp>
+        <p:nvSpPr>
+          <p:cNvPr id="11" name="Rectangle 10"/>
+          <p:cNvSpPr/>
+          <p:nvPr/>
+        </p:nvSpPr>
+        <p:spPr>
+          <a:xfrm>
+            <a:off x="3216601" y="441325"/>
+            <a:ext cx="2710800" cy="108000"/>
+          </a:xfrm>
+          <a:prstGeom prst="rect">
+            <a:avLst/>
+          </a:prstGeom>
+          <a:solidFill>
+            <a:schemeClr val="accent2"/>
+          </a:solidFill>
+          <a:ln>
+            <a:noFill/>
+          </a:ln>
+          <a:effectLst/>
+        </p:spPr>
+        <p:style>
+          <a:lnRef idx="1">
+            <a:schemeClr val="accent1"/>
+          </a:lnRef>
+          <a:fillRef idx="3">
+            <a:schemeClr val="accent1"/>
+          </a:fillRef>
+          <a:effectRef idx="2">
+            <a:schemeClr val="accent1"/>
+          </a:effectRef>
+          <a:fontRef idx="minor">
+            <a:schemeClr val="lt1"/>
+          </a:fontRef>
+        </p:style>
+      </p:sp>
+      <p:sp>
+        <p:nvSpPr>
+          <p:cNvPr id="12" name="Date Placeholder 3">
+            <a:extLst>
+              <a:ext uri="{FF2B5EF4-FFF2-40B4-BE49-F238E27FC236}">
+                <a16:creationId xmlns:a16="http://schemas.microsoft.com/office/drawing/2014/main" id="{0AAE8D72-8133-BD4C-9ABB-B6CCBBAC2CA1}"/>
+              </a:ext>
+            </a:extLst>
+          </p:cNvPr>
+          <p:cNvSpPr>
+            <a:spLocks noGrp="1"/>
+          </p:cNvSpPr>
+          <p:nvPr>
+            <p:ph type="dt" sz="half" idx="2"/>
+          </p:nvPr>
+        </p:nvSpPr>
+        <p:spPr>
+          <a:xfrm>
+            <a:off x="5559327" y="6392242"/>
+            <a:ext cx="2133600" cy="365125"/>
+          </a:xfrm>
+          <a:prstGeom prst="rect">
+            <a:avLst/>
+          </a:prstGeom>
+        </p:spPr>
+        <p:txBody>
+          <a:bodyPr/>
+          <a:lstStyle>
+            <a:lvl1pPr>
+              <a:defRPr>
+                <a:solidFill>
+                  <a:schemeClr val="accent1">
+                    <a:lumMod val="75000"/>
+                    <a:lumOff val="25000"/>
+                  </a:schemeClr>
+                </a:solidFill>
+              </a:defRPr>
+            </a:lvl1pPr>
+          </a:lstStyle>
+          <a:p>
+            <a:fld id="{BDD6E278-302A-499C-9E64-959DDB257AAA}" type="datetime1">
+              <a:rPr lang="en-US" smtClean="0"/>
+              <a:t>6/12/18</a:t>
+            </a:fld>
+            <a:endParaRPr lang="en-US" dirty="0"/>
+          </a:p>
+        </p:txBody>
+      </p:sp>
+      <p:sp>
+        <p:nvSpPr>
+          <p:cNvPr id="13" name="Footer Placeholder 4">
+            <a:extLst>
+              <a:ext uri="{FF2B5EF4-FFF2-40B4-BE49-F238E27FC236}">
+                <a16:creationId xmlns:a16="http://schemas.microsoft.com/office/drawing/2014/main" id="{CAB9BFBD-8489-AA40-9E3F-B3F63A8BD518}"/>
+              </a:ext>
+            </a:extLst>
+          </p:cNvPr>
+          <p:cNvSpPr>
+            <a:spLocks noGrp="1"/>
+          </p:cNvSpPr>
+          <p:nvPr>
+            <p:ph type="ftr" sz="quarter" idx="3"/>
+          </p:nvPr>
+        </p:nvSpPr>
+        <p:spPr>
+          <a:xfrm>
+            <a:off x="581192" y="6387916"/>
+            <a:ext cx="4870585" cy="365125"/>
+          </a:xfrm>
+          <a:prstGeom prst="rect">
+            <a:avLst/>
+          </a:prstGeom>
+        </p:spPr>
+        <p:txBody>
+          <a:bodyPr/>
+          <a:lstStyle>
+            <a:lvl1pPr>
+              <a:defRPr>
+                <a:solidFill>
+                  <a:schemeClr val="accent1">
+                    <a:lumMod val="75000"/>
+                    <a:lumOff val="25000"/>
+                  </a:schemeClr>
+                </a:solidFill>
+              </a:defRPr>
+            </a:lvl1pPr>
+          </a:lstStyle>
+          <a:p>
+            <a:r>
+              <a:rPr lang="en-US"/>
+              <a:t>© 2018, FLL Tutorials (Last Edit 6/11/2018)</a:t>
+            </a:r>
+            <a:endParaRPr lang="en-US" dirty="0"/>
+          </a:p>
+        </p:txBody>
+      </p:sp>
+      <p:sp>
+        <p:nvSpPr>
+          <p:cNvPr id="14" name="Slide Number Placeholder 5">
+            <a:extLst>
+              <a:ext uri="{FF2B5EF4-FFF2-40B4-BE49-F238E27FC236}">
+                <a16:creationId xmlns:a16="http://schemas.microsoft.com/office/drawing/2014/main" id="{B04709EF-0344-434E-8D31-15D41ADEE43F}"/>
+              </a:ext>
+            </a:extLst>
+          </p:cNvPr>
+          <p:cNvSpPr>
+            <a:spLocks noGrp="1"/>
+          </p:cNvSpPr>
+          <p:nvPr>
+            <p:ph type="sldNum" sz="quarter" idx="4"/>
+          </p:nvPr>
+        </p:nvSpPr>
+        <p:spPr>
+          <a:xfrm>
+            <a:off x="7800476" y="6392242"/>
+            <a:ext cx="770468" cy="365125"/>
+          </a:xfrm>
+          <a:prstGeom prst="rect">
+            <a:avLst/>
+          </a:prstGeom>
+        </p:spPr>
+        <p:txBody>
+          <a:bodyPr/>
+          <a:lstStyle>
+            <a:lvl1pPr>
+              <a:defRPr>
+                <a:solidFill>
+                  <a:schemeClr val="accent1">
+                    <a:lumMod val="75000"/>
+                    <a:lumOff val="25000"/>
+                  </a:schemeClr>
+                </a:solidFill>
+              </a:defRPr>
+            </a:lvl1pPr>
+          </a:lstStyle>
+          <a:p>
+            <a:fld id="{6D22F896-40B5-4ADD-8801-0D06FADFA095}" type="slidenum">
+              <a:rPr lang="en-US" smtClean="0"/>
+              <a:pPr/>
+              <a:t>‹#›</a:t>
+            </a:fld>
+            <a:endParaRPr lang="en-US" dirty="0"/>
+          </a:p>
+        </p:txBody>
+      </p:sp>
+      <p:sp>
+        <p:nvSpPr>
+          <p:cNvPr id="15" name="Rectangle 14">
+            <a:extLst>
+              <a:ext uri="{FF2B5EF4-FFF2-40B4-BE49-F238E27FC236}">
+                <a16:creationId xmlns:a16="http://schemas.microsoft.com/office/drawing/2014/main" id="{13012697-A2FD-465B-B907-452079313A19}"/>
+              </a:ext>
+            </a:extLst>
+          </p:cNvPr>
+          <p:cNvSpPr/>
+          <p:nvPr userDrawn="1"/>
+        </p:nvSpPr>
+        <p:spPr>
+          <a:xfrm>
+            <a:off x="-1" y="6273337"/>
+            <a:ext cx="9144001" cy="65999"/>
+          </a:xfrm>
+          <a:prstGeom prst="rect">
+            <a:avLst/>
+          </a:prstGeom>
+          <a:solidFill>
+            <a:srgbClr val="24CF39"/>
           </a:solidFill>
           <a:ln>
             <a:noFill/>
@@ -4106,333 +4872,6 @@
             <a:schemeClr val="lt1"/>
           </a:fontRef>
         </p:style>
-      </p:sp>
-      <p:sp>
-        <p:nvSpPr>
-          <p:cNvPr id="9" name="Rectangle 8"/>
-          <p:cNvSpPr/>
-          <p:nvPr/>
-        </p:nvSpPr>
-        <p:spPr>
-          <a:xfrm>
-            <a:off x="0" y="6334315"/>
-            <a:ext cx="9144001" cy="65999"/>
-          </a:xfrm>
-          <a:prstGeom prst="rect">
-            <a:avLst/>
-          </a:prstGeom>
-          <a:solidFill>
-            <a:srgbClr val="652C90"/>
-          </a:solidFill>
-          <a:ln>
-            <a:noFill/>
-          </a:ln>
-        </p:spPr>
-        <p:style>
-          <a:lnRef idx="2">
-            <a:schemeClr val="accent1">
-              <a:shade val="50000"/>
-            </a:schemeClr>
-          </a:lnRef>
-          <a:fillRef idx="1">
-            <a:schemeClr val="accent1"/>
-          </a:fillRef>
-          <a:effectRef idx="0">
-            <a:schemeClr val="accent1"/>
-          </a:effectRef>
-          <a:fontRef idx="minor">
-            <a:schemeClr val="lt1"/>
-          </a:fontRef>
-        </p:style>
-      </p:sp>
-      <p:sp>
-        <p:nvSpPr>
-          <p:cNvPr id="2" name="Title Placeholder 1"/>
-          <p:cNvSpPr>
-            <a:spLocks noGrp="1"/>
-          </p:cNvSpPr>
-          <p:nvPr>
-            <p:ph type="title"/>
-          </p:nvPr>
-        </p:nvSpPr>
-        <p:spPr>
-          <a:xfrm>
-            <a:off x="241739" y="286604"/>
-            <a:ext cx="8681543" cy="1450757"/>
-          </a:xfrm>
-          <a:prstGeom prst="rect">
-            <a:avLst/>
-          </a:prstGeom>
-        </p:spPr>
-        <p:txBody>
-          <a:bodyPr vert="horz" lIns="91440" tIns="45720" rIns="91440" bIns="45720" rtlCol="0" anchor="b">
-            <a:normAutofit/>
-          </a:bodyPr>
-          <a:lstStyle/>
-          <a:p>
-            <a:r>
-              <a:rPr lang="en-US"/>
-              <a:t>Click to edit Master title style</a:t>
-            </a:r>
-            <a:endParaRPr lang="en-US" dirty="0"/>
-          </a:p>
-        </p:txBody>
-      </p:sp>
-      <p:sp>
-        <p:nvSpPr>
-          <p:cNvPr id="3" name="Text Placeholder 2"/>
-          <p:cNvSpPr>
-            <a:spLocks noGrp="1"/>
-          </p:cNvSpPr>
-          <p:nvPr>
-            <p:ph type="body" idx="1"/>
-          </p:nvPr>
-        </p:nvSpPr>
-        <p:spPr>
-          <a:xfrm>
-            <a:off x="241739" y="1845734"/>
-            <a:ext cx="8681544" cy="4023360"/>
-          </a:xfrm>
-          <a:prstGeom prst="rect">
-            <a:avLst/>
-          </a:prstGeom>
-        </p:spPr>
-        <p:txBody>
-          <a:bodyPr vert="horz" lIns="0" tIns="45720" rIns="0" bIns="45720" rtlCol="0">
-            <a:normAutofit/>
-          </a:bodyPr>
-          <a:lstStyle/>
-          <a:p>
-            <a:pPr lvl="0"/>
-            <a:r>
-              <a:rPr lang="en-US"/>
-              <a:t>Click to edit Master text styles</a:t>
-            </a:r>
-          </a:p>
-          <a:p>
-            <a:pPr lvl="1"/>
-            <a:r>
-              <a:rPr lang="en-US"/>
-              <a:t>Second level</a:t>
-            </a:r>
-          </a:p>
-          <a:p>
-            <a:pPr lvl="2"/>
-            <a:r>
-              <a:rPr lang="en-US"/>
-              <a:t>Third level</a:t>
-            </a:r>
-          </a:p>
-          <a:p>
-            <a:pPr lvl="3"/>
-            <a:r>
-              <a:rPr lang="en-US"/>
-              <a:t>Fourth level</a:t>
-            </a:r>
-          </a:p>
-          <a:p>
-            <a:pPr lvl="4"/>
-            <a:r>
-              <a:rPr lang="en-US"/>
-              <a:t>Fifth level</a:t>
-            </a:r>
-            <a:endParaRPr lang="en-US" dirty="0"/>
-          </a:p>
-        </p:txBody>
-      </p:sp>
-      <p:sp>
-        <p:nvSpPr>
-          <p:cNvPr id="4" name="Date Placeholder 3"/>
-          <p:cNvSpPr>
-            <a:spLocks noGrp="1"/>
-          </p:cNvSpPr>
-          <p:nvPr>
-            <p:ph type="dt" sz="half" idx="2"/>
-          </p:nvPr>
-        </p:nvSpPr>
-        <p:spPr>
-          <a:xfrm>
-            <a:off x="822961" y="6459786"/>
-            <a:ext cx="1854203" cy="365125"/>
-          </a:xfrm>
-          <a:prstGeom prst="rect">
-            <a:avLst/>
-          </a:prstGeom>
-        </p:spPr>
-        <p:txBody>
-          <a:bodyPr vert="horz" lIns="91440" tIns="45720" rIns="91440" bIns="45720" rtlCol="0" anchor="ctr"/>
-          <a:lstStyle>
-            <a:lvl1pPr algn="l">
-              <a:defRPr sz="900">
-                <a:solidFill>
-                  <a:srgbClr val="FFFFFF"/>
-                </a:solidFill>
-              </a:defRPr>
-            </a:lvl1pPr>
-          </a:lstStyle>
-          <a:p>
-            <a:fld id="{886AF1A0-4570-47BB-B8CC-3E54413F7748}" type="datetime1">
-              <a:rPr lang="en-US" smtClean="0"/>
-              <a:t>6/7/18</a:t>
-            </a:fld>
-            <a:endParaRPr lang="en-US" dirty="0"/>
-          </a:p>
-        </p:txBody>
-      </p:sp>
-      <p:sp>
-        <p:nvSpPr>
-          <p:cNvPr id="5" name="Footer Placeholder 4"/>
-          <p:cNvSpPr>
-            <a:spLocks noGrp="1"/>
-          </p:cNvSpPr>
-          <p:nvPr>
-            <p:ph type="ftr" sz="quarter" idx="3"/>
-          </p:nvPr>
-        </p:nvSpPr>
-        <p:spPr>
-          <a:xfrm>
-            <a:off x="2764639" y="6459786"/>
-            <a:ext cx="3617103" cy="365125"/>
-          </a:xfrm>
-          <a:prstGeom prst="rect">
-            <a:avLst/>
-          </a:prstGeom>
-        </p:spPr>
-        <p:txBody>
-          <a:bodyPr vert="horz" lIns="91440" tIns="45720" rIns="91440" bIns="45720" rtlCol="0" anchor="ctr"/>
-          <a:lstStyle>
-            <a:lvl1pPr algn="ctr">
-              <a:defRPr sz="900" cap="all" baseline="0">
-                <a:solidFill>
-                  <a:srgbClr val="FFFFFF"/>
-                </a:solidFill>
-              </a:defRPr>
-            </a:lvl1pPr>
-          </a:lstStyle>
-          <a:p>
-            <a:r>
-              <a:rPr lang="en-US"/>
-              <a:t>© 2018, FLL Tutorials (Last Edit 9/27/2017)</a:t>
-            </a:r>
-            <a:endParaRPr lang="en-US" dirty="0"/>
-          </a:p>
-        </p:txBody>
-      </p:sp>
-      <p:sp>
-        <p:nvSpPr>
-          <p:cNvPr id="6" name="Slide Number Placeholder 5"/>
-          <p:cNvSpPr>
-            <a:spLocks noGrp="1"/>
-          </p:cNvSpPr>
-          <p:nvPr>
-            <p:ph type="sldNum" sz="quarter" idx="4"/>
-          </p:nvPr>
-        </p:nvSpPr>
-        <p:spPr>
-          <a:xfrm>
-            <a:off x="7425344" y="6459786"/>
-            <a:ext cx="984019" cy="365125"/>
-          </a:xfrm>
-          <a:prstGeom prst="rect">
-            <a:avLst/>
-          </a:prstGeom>
-        </p:spPr>
-        <p:txBody>
-          <a:bodyPr vert="horz" lIns="91440" tIns="45720" rIns="91440" bIns="45720" rtlCol="0" anchor="ctr"/>
-          <a:lstStyle>
-            <a:lvl1pPr algn="r">
-              <a:defRPr sz="1050">
-                <a:solidFill>
-                  <a:srgbClr val="FFFFFF"/>
-                </a:solidFill>
-              </a:defRPr>
-            </a:lvl1pPr>
-          </a:lstStyle>
-          <a:p>
-            <a:fld id="{6D22F896-40B5-4ADD-8801-0D06FADFA095}" type="slidenum">
-              <a:rPr lang="en-US" smtClean="0"/>
-              <a:pPr/>
-              <a:t>‹#›</a:t>
-            </a:fld>
-            <a:endParaRPr lang="en-US" dirty="0"/>
-          </a:p>
-        </p:txBody>
-      </p:sp>
-      <p:cxnSp>
-        <p:nvCxnSpPr>
-          <p:cNvPr id="10" name="Straight Connector 9"/>
-          <p:cNvCxnSpPr/>
-          <p:nvPr/>
-        </p:nvCxnSpPr>
-        <p:spPr>
-          <a:xfrm>
-            <a:off x="895149" y="1737845"/>
-            <a:ext cx="7475220" cy="0"/>
-          </a:xfrm>
-          <a:prstGeom prst="line">
-            <a:avLst/>
-          </a:prstGeom>
-          <a:ln w="6350">
-            <a:solidFill>
-              <a:schemeClr val="tx1">
-                <a:lumMod val="50000"/>
-                <a:lumOff val="50000"/>
-              </a:schemeClr>
-            </a:solidFill>
-          </a:ln>
-        </p:spPr>
-        <p:style>
-          <a:lnRef idx="1">
-            <a:schemeClr val="accent1"/>
-          </a:lnRef>
-          <a:fillRef idx="0">
-            <a:schemeClr val="accent1"/>
-          </a:fillRef>
-          <a:effectRef idx="0">
-            <a:schemeClr val="accent1"/>
-          </a:effectRef>
-          <a:fontRef idx="minor">
-            <a:schemeClr val="tx1"/>
-          </a:fontRef>
-        </p:style>
-      </p:cxnSp>
-      <p:sp>
-        <p:nvSpPr>
-          <p:cNvPr id="11" name="Rectangle 10"/>
-          <p:cNvSpPr/>
-          <p:nvPr userDrawn="1"/>
-        </p:nvSpPr>
-        <p:spPr>
-          <a:xfrm>
-            <a:off x="-1" y="6273337"/>
-            <a:ext cx="9144001" cy="65999"/>
-          </a:xfrm>
-          <a:prstGeom prst="rect">
-            <a:avLst/>
-          </a:prstGeom>
-          <a:solidFill>
-            <a:srgbClr val="24CF39"/>
-          </a:solidFill>
-          <a:ln>
-            <a:noFill/>
-          </a:ln>
-        </p:spPr>
-        <p:style>
-          <a:lnRef idx="2">
-            <a:schemeClr val="accent1">
-              <a:shade val="50000"/>
-            </a:schemeClr>
-          </a:lnRef>
-          <a:fillRef idx="1">
-            <a:schemeClr val="accent1"/>
-          </a:fillRef>
-          <a:effectRef idx="0">
-            <a:schemeClr val="accent1"/>
-          </a:effectRef>
-          <a:fontRef idx="minor">
-            <a:schemeClr val="lt1"/>
-          </a:fontRef>
-        </p:style>
         <p:txBody>
           <a:bodyPr/>
           <a:lstStyle/>
@@ -4444,287 +4883,291 @@
     </p:spTree>
     <p:extLst>
       <p:ext uri="{BB962C8B-B14F-4D97-AF65-F5344CB8AC3E}">
-        <p14:creationId xmlns:p14="http://schemas.microsoft.com/office/powerpoint/2010/main" val="1196873494"/>
+        <p14:creationId xmlns:p14="http://schemas.microsoft.com/office/powerpoint/2010/main" val="3057948601"/>
       </p:ext>
     </p:extLst>
   </p:cSld>
   <p:clrMap bg1="lt1" tx1="dk1" bg2="lt2" tx2="dk2" accent1="accent1" accent2="accent2" accent3="accent3" accent4="accent4" accent5="accent5" accent6="accent6" hlink="hlink" folHlink="folHlink"/>
   <p:sldLayoutIdLst>
-    <p:sldLayoutId id="2147483780" r:id="rId1"/>
-    <p:sldLayoutId id="2147483781" r:id="rId2"/>
-    <p:sldLayoutId id="2147483782" r:id="rId3"/>
-    <p:sldLayoutId id="2147483783" r:id="rId4"/>
-    <p:sldLayoutId id="2147483784" r:id="rId5"/>
-    <p:sldLayoutId id="2147483785" r:id="rId6"/>
-    <p:sldLayoutId id="2147483786" r:id="rId7"/>
-    <p:sldLayoutId id="2147483787" r:id="rId8"/>
-    <p:sldLayoutId id="2147483788" r:id="rId9"/>
-    <p:sldLayoutId id="2147483789" r:id="rId10"/>
-    <p:sldLayoutId id="2147483790" r:id="rId11"/>
+    <p:sldLayoutId id="2147483792" r:id="rId1"/>
+    <p:sldLayoutId id="2147483793" r:id="rId2"/>
+    <p:sldLayoutId id="2147483794" r:id="rId3"/>
+    <p:sldLayoutId id="2147483795" r:id="rId4"/>
+    <p:sldLayoutId id="2147483796" r:id="rId5"/>
+    <p:sldLayoutId id="2147483797" r:id="rId6"/>
+    <p:sldLayoutId id="2147483798" r:id="rId7"/>
+    <p:sldLayoutId id="2147483799" r:id="rId8"/>
+    <p:sldLayoutId id="2147483800" r:id="rId9"/>
+    <p:sldLayoutId id="2147483801" r:id="rId10"/>
+    <p:sldLayoutId id="2147483802" r:id="rId11"/>
   </p:sldLayoutIdLst>
   <p:hf hdr="0" dt="0"/>
   <p:txStyles>
     <p:titleStyle>
-      <a:lvl1pPr algn="l" defTabSz="914400" rtl="0" eaLnBrk="1" latinLnBrk="0" hangingPunct="1">
-        <a:lnSpc>
-          <a:spcPct val="85000"/>
-        </a:lnSpc>
+      <a:lvl1pPr algn="l" defTabSz="457200" rtl="0" eaLnBrk="1" latinLnBrk="0" hangingPunct="1">
         <a:spcBef>
           <a:spcPct val="0"/>
         </a:spcBef>
         <a:buNone/>
-        <a:defRPr sz="4800" kern="1200" spc="-50" baseline="0">
+        <a:defRPr sz="2800" b="0" kern="1200" cap="all">
           <a:solidFill>
-            <a:schemeClr val="tx1">
-              <a:lumMod val="75000"/>
-              <a:lumOff val="25000"/>
-            </a:schemeClr>
+            <a:schemeClr val="bg1"/>
           </a:solidFill>
           <a:latin typeface="+mj-lt"/>
           <a:ea typeface="+mj-ea"/>
           <a:cs typeface="+mj-cs"/>
         </a:defRPr>
       </a:lvl1pPr>
+      <a:lvl2pPr eaLnBrk="1" hangingPunct="1">
+        <a:defRPr>
+          <a:solidFill>
+            <a:schemeClr val="tx2"/>
+          </a:solidFill>
+        </a:defRPr>
+      </a:lvl2pPr>
+      <a:lvl3pPr eaLnBrk="1" hangingPunct="1">
+        <a:defRPr>
+          <a:solidFill>
+            <a:schemeClr val="tx2"/>
+          </a:solidFill>
+        </a:defRPr>
+      </a:lvl3pPr>
+      <a:lvl4pPr eaLnBrk="1" hangingPunct="1">
+        <a:defRPr>
+          <a:solidFill>
+            <a:schemeClr val="tx2"/>
+          </a:solidFill>
+        </a:defRPr>
+      </a:lvl4pPr>
+      <a:lvl5pPr eaLnBrk="1" hangingPunct="1">
+        <a:defRPr>
+          <a:solidFill>
+            <a:schemeClr val="tx2"/>
+          </a:solidFill>
+        </a:defRPr>
+      </a:lvl5pPr>
+      <a:lvl6pPr eaLnBrk="1" hangingPunct="1">
+        <a:defRPr>
+          <a:solidFill>
+            <a:schemeClr val="tx2"/>
+          </a:solidFill>
+        </a:defRPr>
+      </a:lvl6pPr>
+      <a:lvl7pPr eaLnBrk="1" hangingPunct="1">
+        <a:defRPr>
+          <a:solidFill>
+            <a:schemeClr val="tx2"/>
+          </a:solidFill>
+        </a:defRPr>
+      </a:lvl7pPr>
+      <a:lvl8pPr eaLnBrk="1" hangingPunct="1">
+        <a:defRPr>
+          <a:solidFill>
+            <a:schemeClr val="tx2"/>
+          </a:solidFill>
+        </a:defRPr>
+      </a:lvl8pPr>
+      <a:lvl9pPr eaLnBrk="1" hangingPunct="1">
+        <a:defRPr>
+          <a:solidFill>
+            <a:schemeClr val="tx2"/>
+          </a:solidFill>
+        </a:defRPr>
+      </a:lvl9pPr>
     </p:titleStyle>
     <p:bodyStyle>
-      <a:lvl1pPr marL="91440" indent="-91440" algn="l" defTabSz="914400" rtl="0" eaLnBrk="1" latinLnBrk="0" hangingPunct="1">
-        <a:lnSpc>
-          <a:spcPct val="90000"/>
-        </a:lnSpc>
+      <a:lvl1pPr marL="306000" indent="-306000" algn="l" defTabSz="457200" rtl="0" eaLnBrk="1" latinLnBrk="0" hangingPunct="1">
         <a:spcBef>
-          <a:spcPts val="1200"/>
+          <a:spcPct val="20000"/>
         </a:spcBef>
         <a:spcAft>
-          <a:spcPts val="200"/>
+          <a:spcPts val="600"/>
         </a:spcAft>
         <a:buClr>
-          <a:schemeClr val="accent1"/>
+          <a:schemeClr val="accent2"/>
         </a:buClr>
-        <a:buSzPct val="100000"/>
-        <a:buFont typeface="Calibri" panose="020F0502020204030204" pitchFamily="34" charset="0"/>
-        <a:buChar char=" "/>
-        <a:defRPr sz="2000" kern="1200">
+        <a:buSzPct val="92000"/>
+        <a:buFont typeface="Wingdings 2" panose="05020102010507070707" pitchFamily="18" charset="2"/>
+        <a:buChar char=""/>
+        <a:defRPr sz="1800" kern="1200">
           <a:solidFill>
-            <a:schemeClr val="tx1">
-              <a:lumMod val="75000"/>
-              <a:lumOff val="25000"/>
-            </a:schemeClr>
+            <a:schemeClr val="tx2"/>
           </a:solidFill>
           <a:latin typeface="+mn-lt"/>
           <a:ea typeface="+mn-ea"/>
           <a:cs typeface="+mn-cs"/>
         </a:defRPr>
       </a:lvl1pPr>
-      <a:lvl2pPr marL="384048" indent="-182880" algn="l" defTabSz="914400" rtl="0" eaLnBrk="1" latinLnBrk="0" hangingPunct="1">
-        <a:lnSpc>
-          <a:spcPct val="90000"/>
-        </a:lnSpc>
+      <a:lvl2pPr marL="630000" indent="-306000" algn="l" defTabSz="457200" rtl="0" eaLnBrk="1" latinLnBrk="0" hangingPunct="1">
         <a:spcBef>
-          <a:spcPts val="200"/>
+          <a:spcPct val="20000"/>
         </a:spcBef>
         <a:spcAft>
-          <a:spcPts val="400"/>
+          <a:spcPts val="600"/>
         </a:spcAft>
         <a:buClr>
-          <a:schemeClr val="accent1"/>
+          <a:schemeClr val="accent2"/>
         </a:buClr>
-        <a:buFont typeface="Calibri" pitchFamily="34" charset="0"/>
-        <a:buChar char="◦"/>
-        <a:defRPr sz="1800" kern="1200">
+        <a:buSzPct val="92000"/>
+        <a:buFont typeface="Wingdings 2" panose="05020102010507070707" pitchFamily="18" charset="2"/>
+        <a:buChar char=""/>
+        <a:defRPr sz="1600" kern="1200">
           <a:solidFill>
-            <a:schemeClr val="tx1">
-              <a:lumMod val="75000"/>
-              <a:lumOff val="25000"/>
-            </a:schemeClr>
+            <a:schemeClr val="tx2"/>
           </a:solidFill>
           <a:latin typeface="+mn-lt"/>
           <a:ea typeface="+mn-ea"/>
           <a:cs typeface="+mn-cs"/>
         </a:defRPr>
       </a:lvl2pPr>
-      <a:lvl3pPr marL="566928" indent="-182880" algn="l" defTabSz="914400" rtl="0" eaLnBrk="1" latinLnBrk="0" hangingPunct="1">
-        <a:lnSpc>
-          <a:spcPct val="90000"/>
-        </a:lnSpc>
+      <a:lvl3pPr marL="900000" indent="-270000" algn="l" defTabSz="457200" rtl="0" eaLnBrk="1" latinLnBrk="0" hangingPunct="1">
         <a:spcBef>
-          <a:spcPts val="200"/>
+          <a:spcPct val="20000"/>
         </a:spcBef>
         <a:spcAft>
-          <a:spcPts val="400"/>
+          <a:spcPts val="600"/>
         </a:spcAft>
         <a:buClr>
-          <a:schemeClr val="accent1"/>
+          <a:schemeClr val="accent2"/>
         </a:buClr>
-        <a:buFont typeface="Calibri" pitchFamily="34" charset="0"/>
-        <a:buChar char="◦"/>
+        <a:buSzPct val="92000"/>
+        <a:buFont typeface="Wingdings 2" panose="05020102010507070707" pitchFamily="18" charset="2"/>
+        <a:buChar char=""/>
         <a:defRPr sz="1400" kern="1200">
           <a:solidFill>
-            <a:schemeClr val="tx1">
-              <a:lumMod val="75000"/>
-              <a:lumOff val="25000"/>
-            </a:schemeClr>
+            <a:schemeClr val="tx2"/>
           </a:solidFill>
           <a:latin typeface="+mn-lt"/>
           <a:ea typeface="+mn-ea"/>
           <a:cs typeface="+mn-cs"/>
         </a:defRPr>
       </a:lvl3pPr>
-      <a:lvl4pPr marL="749808" indent="-182880" algn="l" defTabSz="914400" rtl="0" eaLnBrk="1" latinLnBrk="0" hangingPunct="1">
-        <a:lnSpc>
-          <a:spcPct val="90000"/>
-        </a:lnSpc>
+      <a:lvl4pPr marL="1242000" indent="-234000" algn="l" defTabSz="457200" rtl="0" eaLnBrk="1" latinLnBrk="0" hangingPunct="1">
         <a:spcBef>
-          <a:spcPts val="200"/>
+          <a:spcPct val="20000"/>
         </a:spcBef>
         <a:spcAft>
-          <a:spcPts val="400"/>
+          <a:spcPts val="600"/>
         </a:spcAft>
         <a:buClr>
-          <a:schemeClr val="accent1"/>
+          <a:schemeClr val="accent2"/>
         </a:buClr>
-        <a:buFont typeface="Calibri" pitchFamily="34" charset="0"/>
-        <a:buChar char="◦"/>
-        <a:defRPr sz="1400" kern="1200">
+        <a:buSzPct val="92000"/>
+        <a:buFont typeface="Wingdings 2" panose="05020102010507070707" pitchFamily="18" charset="2"/>
+        <a:buChar char=""/>
+        <a:defRPr sz="1200" kern="1200">
           <a:solidFill>
-            <a:schemeClr val="tx1">
-              <a:lumMod val="75000"/>
-              <a:lumOff val="25000"/>
-            </a:schemeClr>
+            <a:schemeClr val="tx2"/>
           </a:solidFill>
           <a:latin typeface="+mn-lt"/>
           <a:ea typeface="+mn-ea"/>
           <a:cs typeface="+mn-cs"/>
         </a:defRPr>
       </a:lvl4pPr>
-      <a:lvl5pPr marL="932688" indent="-182880" algn="l" defTabSz="914400" rtl="0" eaLnBrk="1" latinLnBrk="0" hangingPunct="1">
-        <a:lnSpc>
-          <a:spcPct val="90000"/>
-        </a:lnSpc>
+      <a:lvl5pPr marL="1602000" indent="-234000" algn="l" defTabSz="457200" rtl="0" eaLnBrk="1" latinLnBrk="0" hangingPunct="1">
         <a:spcBef>
-          <a:spcPts val="200"/>
+          <a:spcPct val="20000"/>
         </a:spcBef>
         <a:spcAft>
-          <a:spcPts val="400"/>
+          <a:spcPts val="600"/>
         </a:spcAft>
         <a:buClr>
-          <a:schemeClr val="accent1"/>
+          <a:schemeClr val="accent2"/>
         </a:buClr>
-        <a:buFont typeface="Calibri" pitchFamily="34" charset="0"/>
-        <a:buChar char="◦"/>
-        <a:defRPr sz="1400" kern="1200">
+        <a:buSzPct val="92000"/>
+        <a:buFont typeface="Wingdings 2" panose="05020102010507070707" pitchFamily="18" charset="2"/>
+        <a:buChar char=""/>
+        <a:defRPr sz="1200" kern="1200">
           <a:solidFill>
-            <a:schemeClr val="tx1">
-              <a:lumMod val="75000"/>
-              <a:lumOff val="25000"/>
-            </a:schemeClr>
+            <a:schemeClr val="tx2"/>
           </a:solidFill>
           <a:latin typeface="+mn-lt"/>
           <a:ea typeface="+mn-ea"/>
           <a:cs typeface="+mn-cs"/>
         </a:defRPr>
       </a:lvl5pPr>
-      <a:lvl6pPr marL="1100000" indent="-228600" algn="l" defTabSz="914400" rtl="0" eaLnBrk="1" latinLnBrk="0" hangingPunct="1">
-        <a:lnSpc>
-          <a:spcPct val="90000"/>
-        </a:lnSpc>
+      <a:lvl6pPr marL="1900000" indent="-228600" algn="l" defTabSz="457200" rtl="0" eaLnBrk="1" latinLnBrk="0" hangingPunct="1">
         <a:spcBef>
-          <a:spcPts val="200"/>
+          <a:spcPct val="20000"/>
         </a:spcBef>
         <a:spcAft>
-          <a:spcPts val="400"/>
+          <a:spcPts val="600"/>
         </a:spcAft>
         <a:buClr>
-          <a:schemeClr val="accent1"/>
+          <a:schemeClr val="accent2"/>
         </a:buClr>
-        <a:buFont typeface="Calibri" pitchFamily="34" charset="0"/>
-        <a:buChar char="◦"/>
-        <a:defRPr sz="1400" kern="1200">
+        <a:buSzPct val="92000"/>
+        <a:buFont typeface="Wingdings 2" panose="05020102010507070707" pitchFamily="18" charset="2"/>
+        <a:buChar char=""/>
+        <a:defRPr sz="1200" kern="1200">
           <a:solidFill>
-            <a:schemeClr val="tx1">
-              <a:lumMod val="75000"/>
-              <a:lumOff val="25000"/>
-            </a:schemeClr>
+            <a:schemeClr val="tx2"/>
           </a:solidFill>
           <a:latin typeface="+mn-lt"/>
           <a:ea typeface="+mn-ea"/>
           <a:cs typeface="+mn-cs"/>
         </a:defRPr>
       </a:lvl6pPr>
-      <a:lvl7pPr marL="1300000" indent="-228600" algn="l" defTabSz="914400" rtl="0" eaLnBrk="1" latinLnBrk="0" hangingPunct="1">
-        <a:lnSpc>
-          <a:spcPct val="90000"/>
-        </a:lnSpc>
+      <a:lvl7pPr marL="2200000" indent="-228600" algn="l" defTabSz="457200" rtl="0" eaLnBrk="1" latinLnBrk="0" hangingPunct="1">
         <a:spcBef>
-          <a:spcPts val="200"/>
+          <a:spcPct val="20000"/>
         </a:spcBef>
         <a:spcAft>
-          <a:spcPts val="400"/>
+          <a:spcPts val="600"/>
         </a:spcAft>
         <a:buClr>
-          <a:schemeClr val="accent1"/>
+          <a:schemeClr val="accent2"/>
         </a:buClr>
-        <a:buFont typeface="Calibri" pitchFamily="34" charset="0"/>
-        <a:buChar char="◦"/>
-        <a:defRPr sz="1400" kern="1200">
+        <a:buSzPct val="92000"/>
+        <a:buFont typeface="Wingdings 2" panose="05020102010507070707" pitchFamily="18" charset="2"/>
+        <a:buChar char=""/>
+        <a:defRPr sz="1200" kern="1200">
           <a:solidFill>
-            <a:schemeClr val="tx1">
-              <a:lumMod val="75000"/>
-              <a:lumOff val="25000"/>
-            </a:schemeClr>
+            <a:schemeClr val="tx2"/>
           </a:solidFill>
           <a:latin typeface="+mn-lt"/>
           <a:ea typeface="+mn-ea"/>
           <a:cs typeface="+mn-cs"/>
         </a:defRPr>
       </a:lvl7pPr>
-      <a:lvl8pPr marL="1500000" indent="-228600" algn="l" defTabSz="914400" rtl="0" eaLnBrk="1" latinLnBrk="0" hangingPunct="1">
-        <a:lnSpc>
-          <a:spcPct val="90000"/>
-        </a:lnSpc>
+      <a:lvl8pPr marL="2500000" indent="-228600" algn="l" defTabSz="457200" rtl="0" eaLnBrk="1" latinLnBrk="0" hangingPunct="1">
         <a:spcBef>
-          <a:spcPts val="200"/>
+          <a:spcPct val="20000"/>
         </a:spcBef>
         <a:spcAft>
-          <a:spcPts val="400"/>
+          <a:spcPts val="600"/>
         </a:spcAft>
         <a:buClr>
-          <a:schemeClr val="accent1"/>
+          <a:schemeClr val="accent2"/>
         </a:buClr>
-        <a:buFont typeface="Calibri" pitchFamily="34" charset="0"/>
-        <a:buChar char="◦"/>
-        <a:defRPr sz="1400" kern="1200">
+        <a:buSzPct val="92000"/>
+        <a:buFont typeface="Wingdings 2" panose="05020102010507070707" pitchFamily="18" charset="2"/>
+        <a:buChar char=""/>
+        <a:defRPr sz="1200" kern="1200">
           <a:solidFill>
-            <a:schemeClr val="tx1">
-              <a:lumMod val="75000"/>
-              <a:lumOff val="25000"/>
-            </a:schemeClr>
+            <a:schemeClr val="tx2"/>
           </a:solidFill>
           <a:latin typeface="+mn-lt"/>
           <a:ea typeface="+mn-ea"/>
           <a:cs typeface="+mn-cs"/>
         </a:defRPr>
       </a:lvl8pPr>
-      <a:lvl9pPr marL="1700000" indent="-228600" algn="l" defTabSz="914400" rtl="0" eaLnBrk="1" latinLnBrk="0" hangingPunct="1">
-        <a:lnSpc>
-          <a:spcPct val="90000"/>
-        </a:lnSpc>
+      <a:lvl9pPr marL="2800000" indent="-228600" algn="l" defTabSz="457200" rtl="0" eaLnBrk="1" latinLnBrk="0" hangingPunct="1">
         <a:spcBef>
-          <a:spcPts val="200"/>
+          <a:spcPct val="20000"/>
         </a:spcBef>
         <a:spcAft>
-          <a:spcPts val="400"/>
+          <a:spcPts val="600"/>
         </a:spcAft>
         <a:buClr>
-          <a:schemeClr val="accent1"/>
+          <a:schemeClr val="accent2"/>
         </a:buClr>
-        <a:buFont typeface="Calibri" pitchFamily="34" charset="0"/>
-        <a:buChar char="◦"/>
-        <a:defRPr sz="1400" kern="1200">
+        <a:buSzPct val="92000"/>
+        <a:buFont typeface="Wingdings 2" panose="05020102010507070707" pitchFamily="18" charset="2"/>
+        <a:buChar char=""/>
+        <a:defRPr sz="1200" kern="1200">
           <a:solidFill>
-            <a:schemeClr val="tx1">
-              <a:lumMod val="75000"/>
-              <a:lumOff val="25000"/>
-            </a:schemeClr>
+            <a:schemeClr val="tx2"/>
           </a:solidFill>
           <a:latin typeface="+mn-lt"/>
           <a:ea typeface="+mn-ea"/>
@@ -4736,7 +5179,7 @@
       <a:defPPr>
         <a:defRPr lang="en-US"/>
       </a:defPPr>
-      <a:lvl1pPr marL="0" algn="l" defTabSz="914400" rtl="0" eaLnBrk="1" latinLnBrk="0" hangingPunct="1">
+      <a:lvl1pPr marL="0" algn="l" defTabSz="457200" rtl="0" eaLnBrk="1" latinLnBrk="0" hangingPunct="1">
         <a:defRPr sz="1800" kern="1200">
           <a:solidFill>
             <a:schemeClr val="tx1"/>
@@ -4746,7 +5189,7 @@
           <a:cs typeface="+mn-cs"/>
         </a:defRPr>
       </a:lvl1pPr>
-      <a:lvl2pPr marL="457200" algn="l" defTabSz="914400" rtl="0" eaLnBrk="1" latinLnBrk="0" hangingPunct="1">
+      <a:lvl2pPr marL="457200" algn="l" defTabSz="457200" rtl="0" eaLnBrk="1" latinLnBrk="0" hangingPunct="1">
         <a:defRPr sz="1800" kern="1200">
           <a:solidFill>
             <a:schemeClr val="tx1"/>
@@ -4756,7 +5199,7 @@
           <a:cs typeface="+mn-cs"/>
         </a:defRPr>
       </a:lvl2pPr>
-      <a:lvl3pPr marL="914400" algn="l" defTabSz="914400" rtl="0" eaLnBrk="1" latinLnBrk="0" hangingPunct="1">
+      <a:lvl3pPr marL="914400" algn="l" defTabSz="457200" rtl="0" eaLnBrk="1" latinLnBrk="0" hangingPunct="1">
         <a:defRPr sz="1800" kern="1200">
           <a:solidFill>
             <a:schemeClr val="tx1"/>
@@ -4766,7 +5209,7 @@
           <a:cs typeface="+mn-cs"/>
         </a:defRPr>
       </a:lvl3pPr>
-      <a:lvl4pPr marL="1371600" algn="l" defTabSz="914400" rtl="0" eaLnBrk="1" latinLnBrk="0" hangingPunct="1">
+      <a:lvl4pPr marL="1371600" algn="l" defTabSz="457200" rtl="0" eaLnBrk="1" latinLnBrk="0" hangingPunct="1">
         <a:defRPr sz="1800" kern="1200">
           <a:solidFill>
             <a:schemeClr val="tx1"/>
@@ -4776,7 +5219,7 @@
           <a:cs typeface="+mn-cs"/>
         </a:defRPr>
       </a:lvl4pPr>
-      <a:lvl5pPr marL="1828800" algn="l" defTabSz="914400" rtl="0" eaLnBrk="1" latinLnBrk="0" hangingPunct="1">
+      <a:lvl5pPr marL="1828800" algn="l" defTabSz="457200" rtl="0" eaLnBrk="1" latinLnBrk="0" hangingPunct="1">
         <a:defRPr sz="1800" kern="1200">
           <a:solidFill>
             <a:schemeClr val="tx1"/>
@@ -4786,7 +5229,7 @@
           <a:cs typeface="+mn-cs"/>
         </a:defRPr>
       </a:lvl5pPr>
-      <a:lvl6pPr marL="2286000" algn="l" defTabSz="914400" rtl="0" eaLnBrk="1" latinLnBrk="0" hangingPunct="1">
+      <a:lvl6pPr marL="2286000" algn="l" defTabSz="457200" rtl="0" eaLnBrk="1" latinLnBrk="0" hangingPunct="1">
         <a:defRPr sz="1800" kern="1200">
           <a:solidFill>
             <a:schemeClr val="tx1"/>
@@ -4796,7 +5239,7 @@
           <a:cs typeface="+mn-cs"/>
         </a:defRPr>
       </a:lvl6pPr>
-      <a:lvl7pPr marL="2743200" algn="l" defTabSz="914400" rtl="0" eaLnBrk="1" latinLnBrk="0" hangingPunct="1">
+      <a:lvl7pPr marL="2743200" algn="l" defTabSz="457200" rtl="0" eaLnBrk="1" latinLnBrk="0" hangingPunct="1">
         <a:defRPr sz="1800" kern="1200">
           <a:solidFill>
             <a:schemeClr val="tx1"/>
@@ -4806,7 +5249,7 @@
           <a:cs typeface="+mn-cs"/>
         </a:defRPr>
       </a:lvl7pPr>
-      <a:lvl8pPr marL="3200400" algn="l" defTabSz="914400" rtl="0" eaLnBrk="1" latinLnBrk="0" hangingPunct="1">
+      <a:lvl8pPr marL="3200400" algn="l" defTabSz="457200" rtl="0" eaLnBrk="1" latinLnBrk="0" hangingPunct="1">
         <a:defRPr sz="1800" kern="1200">
           <a:solidFill>
             <a:schemeClr val="tx1"/>
@@ -4816,7 +5259,7 @@
           <a:cs typeface="+mn-cs"/>
         </a:defRPr>
       </a:lvl8pPr>
-      <a:lvl9pPr marL="3657600" algn="l" defTabSz="914400" rtl="0" eaLnBrk="1" latinLnBrk="0" hangingPunct="1">
+      <a:lvl9pPr marL="3657600" algn="l" defTabSz="457200" rtl="0" eaLnBrk="1" latinLnBrk="0" hangingPunct="1">
         <a:defRPr sz="1800" kern="1200">
           <a:solidFill>
             <a:schemeClr val="tx1"/>
@@ -4919,112 +5362,6 @@
           </a:p>
         </p:txBody>
       </p:sp>
-      <p:sp>
-        <p:nvSpPr>
-          <p:cNvPr id="4" name="Footer Placeholder 3"/>
-          <p:cNvSpPr>
-            <a:spLocks noGrp="1"/>
-          </p:cNvSpPr>
-          <p:nvPr>
-            <p:ph type="ftr" sz="quarter" idx="11"/>
-          </p:nvPr>
-        </p:nvSpPr>
-        <p:spPr/>
-        <p:txBody>
-          <a:bodyPr/>
-          <a:lstStyle/>
-          <a:p>
-            <a:r>
-              <a:rPr lang="en-US"/>
-              <a:t>© 2018, FLL Tutorials (Last Edit 9/27/2017)</a:t>
-            </a:r>
-            <a:endParaRPr lang="en-US" dirty="0"/>
-          </a:p>
-        </p:txBody>
-      </p:sp>
-      <p:sp>
-        <p:nvSpPr>
-          <p:cNvPr id="5" name="Slide Number Placeholder 4"/>
-          <p:cNvSpPr>
-            <a:spLocks noGrp="1"/>
-          </p:cNvSpPr>
-          <p:nvPr>
-            <p:ph type="sldNum" sz="quarter" idx="12"/>
-          </p:nvPr>
-        </p:nvSpPr>
-        <p:spPr/>
-        <p:txBody>
-          <a:bodyPr/>
-          <a:lstStyle/>
-          <a:p>
-            <a:fld id="{6D22F896-40B5-4ADD-8801-0D06FADFA095}" type="slidenum">
-              <a:rPr lang="en-US" smtClean="0"/>
-              <a:t>1</a:t>
-            </a:fld>
-            <a:endParaRPr lang="en-US" dirty="0"/>
-          </a:p>
-        </p:txBody>
-      </p:sp>
-      <p:pic>
-        <p:nvPicPr>
-          <p:cNvPr id="6" name="Picture 5">
-            <a:extLst>
-              <a:ext uri="{FF2B5EF4-FFF2-40B4-BE49-F238E27FC236}">
-                <a16:creationId xmlns:a16="http://schemas.microsoft.com/office/drawing/2014/main" id="{6B20D646-6D0D-4ED8-BFF9-D6D360BD0EB0}"/>
-              </a:ext>
-            </a:extLst>
-          </p:cNvPr>
-          <p:cNvPicPr>
-            <a:picLocks noChangeAspect="1"/>
-          </p:cNvPicPr>
-          <p:nvPr/>
-        </p:nvPicPr>
-        <p:blipFill>
-          <a:blip r:embed="rId3"/>
-          <a:stretch>
-            <a:fillRect/>
-          </a:stretch>
-        </p:blipFill>
-        <p:spPr>
-          <a:xfrm>
-            <a:off x="4063372" y="4886307"/>
-            <a:ext cx="2877878" cy="724799"/>
-          </a:xfrm>
-          <a:prstGeom prst="rect">
-            <a:avLst/>
-          </a:prstGeom>
-        </p:spPr>
-      </p:pic>
-      <p:pic>
-        <p:nvPicPr>
-          <p:cNvPr id="7" name="Picture 6"/>
-          <p:cNvPicPr>
-            <a:picLocks noChangeAspect="1"/>
-          </p:cNvPicPr>
-          <p:nvPr/>
-        </p:nvPicPr>
-        <p:blipFill>
-          <a:blip r:embed="rId4" cstate="print">
-            <a:extLst>
-              <a:ext uri="{28A0092B-C50C-407E-A947-70E740481C1C}">
-                <a14:useLocalDpi xmlns:a14="http://schemas.microsoft.com/office/drawing/2010/main"/>
-              </a:ext>
-            </a:extLst>
-          </a:blip>
-          <a:stretch>
-            <a:fillRect/>
-          </a:stretch>
-        </p:blipFill>
-        <p:spPr>
-          <a:xfrm>
-            <a:off x="2926873" y="4871770"/>
-            <a:ext cx="981010" cy="735757"/>
-          </a:xfrm>
-          <a:prstGeom prst="rect">
-            <a:avLst/>
-          </a:prstGeom>
-        </p:spPr>
-      </p:pic>
     </p:spTree>
     <p:extLst>
       <p:ext uri="{BB962C8B-B14F-4D97-AF65-F5344CB8AC3E}">
@@ -5089,37 +5426,65 @@
         </p:nvSpPr>
         <p:spPr/>
         <p:txBody>
-          <a:bodyPr/>
+          <a:bodyPr>
+            <a:normAutofit/>
+          </a:bodyPr>
           <a:lstStyle/>
           <a:p>
             <a:r>
-              <a:rPr lang="en-US" dirty="0"/>
+              <a:rPr lang="en-US" sz="1800" dirty="0"/>
               <a:t>This lesson was written by Bayou Builders FLL Team #4043 (</a:t>
             </a:r>
             <a:r>
-              <a:rPr lang="en-US" dirty="0">
+              <a:rPr lang="en-US" sz="1800" dirty="0">
                 <a:hlinkClick r:id="rId3"/>
               </a:rPr>
               <a:t>www.bayoubuilders.org)</a:t>
             </a:r>
             <a:r>
-              <a:rPr lang="en-US" dirty="0"/>
+              <a:rPr lang="en-US" sz="1800" dirty="0"/>
               <a:t> and Team 3659 NeXT GEN (</a:t>
             </a:r>
             <a:r>
-              <a:rPr lang="en-US" dirty="0" err="1"/>
+              <a:rPr lang="en-US" sz="1800" dirty="0" err="1"/>
               <a:t>Facebook:Garrett</a:t>
             </a:r>
             <a:r>
-              <a:rPr lang="en-US" dirty="0"/>
+              <a:rPr lang="en-US" sz="1800" dirty="0"/>
               <a:t> County FIRST LEGO League Team 3659). </a:t>
             </a:r>
           </a:p>
           <a:p>
-            <a:endParaRPr lang="en-US" dirty="0"/>
-          </a:p>
-          <a:p>
-            <a:endParaRPr lang="en-US" dirty="0"/>
+            <a:r>
+              <a:rPr lang="en-US" sz="1800" dirty="0"/>
+              <a:t>More lessons are available on </a:t>
+            </a:r>
+            <a:r>
+              <a:rPr lang="en-US" sz="1800" dirty="0">
+                <a:hlinkClick r:id="rId4"/>
+              </a:rPr>
+              <a:t>www.ev3lessons.com</a:t>
+            </a:r>
+            <a:r>
+              <a:rPr lang="en-US" sz="1800" dirty="0"/>
+              <a:t> and </a:t>
+            </a:r>
+            <a:r>
+              <a:rPr lang="en-US" sz="1800" dirty="0">
+                <a:hlinkClick r:id="rId5"/>
+              </a:rPr>
+              <a:t>www.flltutorials.com</a:t>
+            </a:r>
+            <a:endParaRPr lang="en-US" sz="1800" dirty="0"/>
+          </a:p>
+          <a:p>
+            <a:endParaRPr lang="en-US" sz="1800" dirty="0"/>
+          </a:p>
+          <a:p>
+            <a:endParaRPr lang="en-US" sz="1800" dirty="0"/>
+          </a:p>
+          <a:p>
+            <a:endParaRPr lang="en-US" sz="1800" dirty="0"/>
           </a:p>
         </p:txBody>
       </p:sp>
@@ -5140,7 +5505,7 @@
           <a:p>
             <a:r>
               <a:rPr lang="en-US"/>
-              <a:t>© 2018, FLL Tutorials (Last Edit 9/27/2017)</a:t>
+              <a:t>© 2018, FLL Tutorials (Last Edit 6/11/2018)</a:t>
             </a:r>
             <a:endParaRPr lang="en-US" dirty="0"/>
           </a:p>
@@ -5178,7 +5543,7 @@
           <p:nvPr/>
         </p:nvPicPr>
         <p:blipFill rotWithShape="1">
-          <a:blip r:embed="rId4" cstate="print">
+          <a:blip r:embed="rId6" cstate="print">
             <a:extLst>
               <a:ext uri="{28A0092B-C50C-407E-A947-70E740481C1C}">
                 <a14:useLocalDpi xmlns:a14="http://schemas.microsoft.com/office/drawing/2010/main"/>
@@ -5303,7 +5668,7 @@
           <a:p>
             <a:r>
               <a:rPr lang="en-US"/>
-              <a:t>© 2018, FLL Tutorials (Last Edit 9/27/2017)</a:t>
+              <a:t>© 2018, FLL Tutorials (Last Edit 6/11/2018)</a:t>
             </a:r>
             <a:endParaRPr lang="en-US" dirty="0"/>
           </a:p>
@@ -5370,7 +5735,7 @@
         <p:spPr>
           <a:xfrm>
             <a:off x="360464" y="1737361"/>
-            <a:ext cx="4572000" cy="2445798"/>
+            <a:ext cx="4572000" cy="2667397"/>
           </a:xfrm>
           <a:prstGeom prst="rect">
             <a:avLst/>
@@ -5382,7 +5747,7 @@
           </a:bodyPr>
           <a:lstStyle/>
           <a:p>
-            <a:pPr marL="91440" indent="-91440" defTabSz="914400">
+            <a:pPr marL="285750" indent="-285750" defTabSz="914400">
               <a:lnSpc>
                 <a:spcPct val="90000"/>
               </a:lnSpc>
@@ -5396,8 +5761,8 @@
                 <a:schemeClr val="accent1"/>
               </a:buClr>
               <a:buSzPct val="100000"/>
-              <a:buFont typeface="Calibri" panose="020F0502020204030204" pitchFamily="34" charset="0"/>
-              <a:buChar char=" "/>
+              <a:buFont typeface="Wingdings" panose="05000000000000000000" pitchFamily="2" charset="2"/>
+              <a:buChar char="§"/>
             </a:pPr>
             <a:r>
               <a:rPr lang="en-US" sz="1600" dirty="0">
@@ -5412,7 +5777,7 @@
             </a:r>
           </a:p>
           <a:p>
-            <a:pPr marL="91440" indent="-91440" defTabSz="914400">
+            <a:pPr marL="285750" indent="-285750" defTabSz="914400">
               <a:lnSpc>
                 <a:spcPct val="90000"/>
               </a:lnSpc>
@@ -5426,8 +5791,8 @@
                 <a:schemeClr val="accent1"/>
               </a:buClr>
               <a:buSzPct val="100000"/>
-              <a:buFont typeface="Calibri" panose="020F0502020204030204" pitchFamily="34" charset="0"/>
-              <a:buChar char=" "/>
+              <a:buFont typeface="Wingdings" panose="05000000000000000000" pitchFamily="2" charset="2"/>
+              <a:buChar char="§"/>
             </a:pPr>
             <a:r>
               <a:rPr lang="en-US" sz="1600" dirty="0">
@@ -5464,7 +5829,7 @@
             </a:r>
           </a:p>
           <a:p>
-            <a:pPr marL="91440" indent="-91440" defTabSz="914400">
+            <a:pPr marL="285750" indent="-285750" defTabSz="914400">
               <a:lnSpc>
                 <a:spcPct val="90000"/>
               </a:lnSpc>
@@ -5478,8 +5843,8 @@
                 <a:schemeClr val="accent1"/>
               </a:buClr>
               <a:buSzPct val="100000"/>
-              <a:buFont typeface="Calibri" panose="020F0502020204030204" pitchFamily="34" charset="0"/>
-              <a:buChar char=" "/>
+              <a:buFont typeface="Wingdings" panose="05000000000000000000" pitchFamily="2" charset="2"/>
+              <a:buChar char="§"/>
             </a:pPr>
             <a:r>
               <a:rPr lang="en-US" sz="1600" dirty="0">
@@ -5576,12 +5941,7 @@
             <p:ph type="title"/>
           </p:nvPr>
         </p:nvSpPr>
-        <p:spPr>
-          <a:xfrm>
-            <a:off x="241739" y="286604"/>
-            <a:ext cx="8681543" cy="1450757"/>
-          </a:xfrm>
-        </p:spPr>
+        <p:spPr/>
         <p:txBody>
           <a:bodyPr/>
           <a:lstStyle/>
@@ -5611,13 +5971,13 @@
         </p:nvSpPr>
         <p:spPr>
           <a:xfrm>
-            <a:off x="241739" y="1905379"/>
+            <a:off x="374007" y="1486941"/>
             <a:ext cx="4829025" cy="3884118"/>
           </a:xfrm>
         </p:spPr>
         <p:txBody>
           <a:bodyPr>
-            <a:normAutofit fontScale="92500"/>
+            <a:normAutofit fontScale="92500" lnSpcReduction="10000"/>
           </a:bodyPr>
           <a:lstStyle/>
           <a:p>
@@ -5703,7 +6063,7 @@
           <a:p>
             <a:r>
               <a:rPr lang="en-US"/>
-              <a:t>© 2018, FLL Tutorials (Last Edit 9/27/2017)</a:t>
+              <a:t>© 2018, FLL Tutorials (Last Edit 6/11/2018)</a:t>
             </a:r>
             <a:endParaRPr lang="en-US" dirty="0"/>
           </a:p>
@@ -5735,35 +6095,6 @@
               <a:t>3</a:t>
             </a:fld>
             <a:endParaRPr lang="en-US" dirty="0"/>
-          </a:p>
-        </p:txBody>
-      </p:sp>
-      <p:sp>
-        <p:nvSpPr>
-          <p:cNvPr id="7" name="TextBox 6"/>
-          <p:cNvSpPr txBox="1"/>
-          <p:nvPr/>
-        </p:nvSpPr>
-        <p:spPr>
-          <a:xfrm>
-            <a:off x="85048" y="5922437"/>
-            <a:ext cx="2679591" cy="369332"/>
-          </a:xfrm>
-          <a:prstGeom prst="rect">
-            <a:avLst/>
-          </a:prstGeom>
-          <a:noFill/>
-        </p:spPr>
-        <p:txBody>
-          <a:bodyPr wrap="square" rtlCol="0">
-            <a:spAutoFit/>
-          </a:bodyPr>
-          <a:lstStyle/>
-          <a:p>
-            <a:r>
-              <a:rPr lang="en-US" dirty="0"/>
-              <a:t>Shared by: NeXT GEN</a:t>
-            </a:r>
           </a:p>
         </p:txBody>
       </p:sp>
@@ -5968,13 +6299,13 @@
         </p:nvSpPr>
         <p:spPr>
           <a:xfrm>
-            <a:off x="241739" y="1679542"/>
-            <a:ext cx="8167624" cy="4242895"/>
+            <a:off x="419611" y="1597767"/>
+            <a:ext cx="7989752" cy="4242895"/>
           </a:xfrm>
         </p:spPr>
         <p:txBody>
           <a:bodyPr>
-            <a:normAutofit/>
+            <a:normAutofit fontScale="47500" lnSpcReduction="20000"/>
           </a:bodyPr>
           <a:lstStyle/>
           <a:p>
@@ -6087,7 +6418,7 @@
           <a:p>
             <a:r>
               <a:rPr lang="en-US"/>
-              <a:t>© 2018, FLL Tutorials (Last Edit 9/27/2017)</a:t>
+              <a:t>© 2018, FLL Tutorials (Last Edit 6/11/2018)</a:t>
             </a:r>
             <a:endParaRPr lang="en-US" dirty="0"/>
           </a:p>
@@ -6119,35 +6450,6 @@
               <a:t>4</a:t>
             </a:fld>
             <a:endParaRPr lang="en-US" dirty="0"/>
-          </a:p>
-        </p:txBody>
-      </p:sp>
-      <p:sp>
-        <p:nvSpPr>
-          <p:cNvPr id="6" name="TextBox 5"/>
-          <p:cNvSpPr txBox="1"/>
-          <p:nvPr/>
-        </p:nvSpPr>
-        <p:spPr>
-          <a:xfrm>
-            <a:off x="85048" y="5922437"/>
-            <a:ext cx="2679591" cy="369332"/>
-          </a:xfrm>
-          <a:prstGeom prst="rect">
-            <a:avLst/>
-          </a:prstGeom>
-          <a:noFill/>
-        </p:spPr>
-        <p:txBody>
-          <a:bodyPr wrap="square" rtlCol="0">
-            <a:spAutoFit/>
-          </a:bodyPr>
-          <a:lstStyle/>
-          <a:p>
-            <a:r>
-              <a:rPr lang="en-US" dirty="0"/>
-              <a:t>Shared by: NeXT GEN</a:t>
-            </a:r>
           </a:p>
         </p:txBody>
       </p:sp>
@@ -6215,13 +6517,13 @@
         </p:nvSpPr>
         <p:spPr>
           <a:xfrm>
-            <a:off x="241739" y="1845734"/>
+            <a:off x="412724" y="1540503"/>
             <a:ext cx="5968393" cy="4189306"/>
           </a:xfrm>
         </p:spPr>
         <p:txBody>
           <a:bodyPr>
-            <a:normAutofit fontScale="92500" lnSpcReduction="20000"/>
+            <a:normAutofit fontScale="47500" lnSpcReduction="20000"/>
           </a:bodyPr>
           <a:lstStyle/>
           <a:p>
@@ -6276,7 +6578,7 @@
           <a:p>
             <a:r>
               <a:rPr lang="en-US"/>
-              <a:t>© 2018, FLL Tutorials (Last Edit 9/27/2017)</a:t>
+              <a:t>© 2018, FLL Tutorials (Last Edit 6/11/2018)</a:t>
             </a:r>
             <a:endParaRPr lang="en-US" dirty="0"/>
           </a:p>
@@ -6334,35 +6636,6 @@
           </a:prstGeom>
         </p:spPr>
       </p:pic>
-      <p:sp>
-        <p:nvSpPr>
-          <p:cNvPr id="7" name="TextBox 6"/>
-          <p:cNvSpPr txBox="1"/>
-          <p:nvPr/>
-        </p:nvSpPr>
-        <p:spPr>
-          <a:xfrm>
-            <a:off x="85048" y="5922437"/>
-            <a:ext cx="2679591" cy="369332"/>
-          </a:xfrm>
-          <a:prstGeom prst="rect">
-            <a:avLst/>
-          </a:prstGeom>
-          <a:noFill/>
-        </p:spPr>
-        <p:txBody>
-          <a:bodyPr wrap="square" rtlCol="0">
-            <a:spAutoFit/>
-          </a:bodyPr>
-          <a:lstStyle/>
-          <a:p>
-            <a:r>
-              <a:rPr lang="en-US" dirty="0"/>
-              <a:t>Shared by: Bayou Builders</a:t>
-            </a:r>
-          </a:p>
-        </p:txBody>
-      </p:sp>
       <p:pic>
         <p:nvPicPr>
           <p:cNvPr id="10" name="Picture 9"/>
@@ -6456,13 +6729,13 @@
         </p:nvSpPr>
         <p:spPr>
           <a:xfrm>
-            <a:off x="241739" y="1845734"/>
+            <a:off x="131263" y="1570671"/>
             <a:ext cx="5770441" cy="4189306"/>
           </a:xfrm>
         </p:spPr>
         <p:txBody>
           <a:bodyPr>
-            <a:normAutofit fontScale="92500" lnSpcReduction="20000"/>
+            <a:normAutofit fontScale="47500" lnSpcReduction="20000"/>
           </a:bodyPr>
           <a:lstStyle/>
           <a:p>
@@ -6531,7 +6804,7 @@
           <a:p>
             <a:r>
               <a:rPr lang="en-US"/>
-              <a:t>© 2018, FLL Tutorials (Last Edit 9/27/2017)</a:t>
+              <a:t>© 2018, FLL Tutorials (Last Edit 6/11/2018)</a:t>
             </a:r>
             <a:endParaRPr lang="en-US" dirty="0"/>
           </a:p>
@@ -6589,35 +6862,6 @@
           </a:prstGeom>
         </p:spPr>
       </p:pic>
-      <p:sp>
-        <p:nvSpPr>
-          <p:cNvPr id="8" name="TextBox 7"/>
-          <p:cNvSpPr txBox="1"/>
-          <p:nvPr/>
-        </p:nvSpPr>
-        <p:spPr>
-          <a:xfrm>
-            <a:off x="85048" y="5922437"/>
-            <a:ext cx="2679591" cy="369332"/>
-          </a:xfrm>
-          <a:prstGeom prst="rect">
-            <a:avLst/>
-          </a:prstGeom>
-          <a:noFill/>
-        </p:spPr>
-        <p:txBody>
-          <a:bodyPr wrap="square" rtlCol="0">
-            <a:spAutoFit/>
-          </a:bodyPr>
-          <a:lstStyle/>
-          <a:p>
-            <a:r>
-              <a:rPr lang="en-US" dirty="0"/>
-              <a:t>Shared by: Bayou Builders</a:t>
-            </a:r>
-          </a:p>
-        </p:txBody>
-      </p:sp>
     </p:spTree>
     <p:extLst>
       <p:ext uri="{BB962C8B-B14F-4D97-AF65-F5344CB8AC3E}">
@@ -6682,19 +6926,19 @@
         </p:nvSpPr>
         <p:spPr>
           <a:xfrm>
-            <a:off x="241739" y="1845733"/>
+            <a:off x="306657" y="1565002"/>
             <a:ext cx="6054064" cy="4076703"/>
           </a:xfrm>
         </p:spPr>
         <p:txBody>
           <a:bodyPr>
-            <a:normAutofit fontScale="92500" lnSpcReduction="20000"/>
+            <a:normAutofit fontScale="47500" lnSpcReduction="20000"/>
           </a:bodyPr>
           <a:lstStyle/>
           <a:p>
-            <a:pPr marL="285750" indent="-285750">
-              <a:buFont typeface="Arial" panose="020B0604020202020204" pitchFamily="34" charset="0"/>
-              <a:buChar char="•"/>
+            <a:pPr>
+              <a:buFont typeface="Wingdings" panose="05000000000000000000" pitchFamily="2" charset="2"/>
+              <a:buChar char="§"/>
             </a:pPr>
             <a:r>
               <a:rPr lang="en-US" dirty="0"/>
@@ -6702,9 +6946,9 @@
             </a:r>
           </a:p>
           <a:p>
-            <a:pPr marL="285750" indent="-285750">
-              <a:buFont typeface="Arial" panose="020B0604020202020204" pitchFamily="34" charset="0"/>
-              <a:buChar char="•"/>
+            <a:pPr>
+              <a:buFont typeface="Wingdings" panose="05000000000000000000" pitchFamily="2" charset="2"/>
+              <a:buChar char="§"/>
             </a:pPr>
             <a:r>
               <a:rPr lang="en-US" dirty="0"/>
@@ -6720,9 +6964,9 @@
             </a:r>
           </a:p>
           <a:p>
-            <a:pPr marL="285750" indent="-285750">
-              <a:buFont typeface="Arial" panose="020B0604020202020204" pitchFamily="34" charset="0"/>
-              <a:buChar char="•"/>
+            <a:pPr>
+              <a:buFont typeface="Wingdings" panose="05000000000000000000" pitchFamily="2" charset="2"/>
+              <a:buChar char="§"/>
             </a:pPr>
             <a:r>
               <a:rPr lang="en-US" dirty="0"/>
@@ -6730,9 +6974,9 @@
             </a:r>
           </a:p>
           <a:p>
-            <a:pPr marL="578358" lvl="1" indent="-285750">
-              <a:buFont typeface="Arial" panose="020B0604020202020204" pitchFamily="34" charset="0"/>
-              <a:buChar char="•"/>
+            <a:pPr marL="749808" lvl="1" indent="-457200">
+              <a:buFont typeface="Wingdings" panose="05000000000000000000" pitchFamily="2" charset="2"/>
+              <a:buChar char="§"/>
             </a:pPr>
             <a:r>
               <a:rPr lang="en-US" dirty="0"/>
@@ -6748,9 +6992,9 @@
             </a:r>
           </a:p>
           <a:p>
-            <a:pPr marL="578358" lvl="1" indent="-285750">
-              <a:buFont typeface="Arial" panose="020B0604020202020204" pitchFamily="34" charset="0"/>
-              <a:buChar char="•"/>
+            <a:pPr marL="749808" lvl="1" indent="-457200">
+              <a:buFont typeface="Wingdings" panose="05000000000000000000" pitchFamily="2" charset="2"/>
+              <a:buChar char="§"/>
             </a:pPr>
             <a:r>
               <a:rPr lang="en-US" dirty="0"/>
@@ -6758,9 +7002,9 @@
             </a:r>
           </a:p>
           <a:p>
-            <a:pPr marL="578358" lvl="1" indent="-285750">
-              <a:buFont typeface="Arial" panose="020B0604020202020204" pitchFamily="34" charset="0"/>
-              <a:buChar char="•"/>
+            <a:pPr marL="749808" lvl="1" indent="-457200">
+              <a:buFont typeface="Wingdings" panose="05000000000000000000" pitchFamily="2" charset="2"/>
+              <a:buChar char="§"/>
             </a:pPr>
             <a:r>
               <a:rPr lang="en-US" dirty="0"/>
@@ -6768,9 +7012,9 @@
             </a:r>
           </a:p>
           <a:p>
-            <a:pPr marL="578358" lvl="1" indent="-285750">
-              <a:buFont typeface="Arial" panose="020B0604020202020204" pitchFamily="34" charset="0"/>
-              <a:buChar char="•"/>
+            <a:pPr marL="749808" lvl="1" indent="-457200">
+              <a:buFont typeface="Wingdings" panose="05000000000000000000" pitchFamily="2" charset="2"/>
+              <a:buChar char="§"/>
             </a:pPr>
             <a:r>
               <a:rPr lang="en-US" dirty="0"/>
@@ -6778,9 +7022,9 @@
             </a:r>
           </a:p>
           <a:p>
-            <a:pPr marL="578358" lvl="1" indent="-285750">
-              <a:buFont typeface="Arial" panose="020B0604020202020204" pitchFamily="34" charset="0"/>
-              <a:buChar char="•"/>
+            <a:pPr marL="749808" lvl="1" indent="-457200">
+              <a:buFont typeface="Wingdings" panose="05000000000000000000" pitchFamily="2" charset="2"/>
+              <a:buChar char="§"/>
             </a:pPr>
             <a:r>
               <a:rPr lang="en-US" dirty="0"/>
@@ -6809,7 +7053,7 @@
           <a:p>
             <a:r>
               <a:rPr lang="en-US"/>
-              <a:t>© 2018, FLL Tutorials (Last Edit 9/27/2017)</a:t>
+              <a:t>© 2018, FLL Tutorials (Last Edit 6/11/2018)</a:t>
             </a:r>
             <a:endParaRPr lang="en-US" dirty="0"/>
           </a:p>
@@ -6867,35 +7111,6 @@
           </a:prstGeom>
         </p:spPr>
       </p:pic>
-      <p:sp>
-        <p:nvSpPr>
-          <p:cNvPr id="7" name="TextBox 6"/>
-          <p:cNvSpPr txBox="1"/>
-          <p:nvPr/>
-        </p:nvSpPr>
-        <p:spPr>
-          <a:xfrm>
-            <a:off x="85048" y="5922437"/>
-            <a:ext cx="2679591" cy="369332"/>
-          </a:xfrm>
-          <a:prstGeom prst="rect">
-            <a:avLst/>
-          </a:prstGeom>
-          <a:noFill/>
-        </p:spPr>
-        <p:txBody>
-          <a:bodyPr wrap="square" rtlCol="0">
-            <a:spAutoFit/>
-          </a:bodyPr>
-          <a:lstStyle/>
-          <a:p>
-            <a:r>
-              <a:rPr lang="en-US" dirty="0"/>
-              <a:t>Shared by: Bayou Builders</a:t>
-            </a:r>
-          </a:p>
-        </p:txBody>
-      </p:sp>
       <p:pic>
         <p:nvPicPr>
           <p:cNvPr id="9" name="Picture 8"/>
@@ -7002,42 +7217,42 @@
         </p:nvSpPr>
         <p:spPr>
           <a:xfrm>
-            <a:off x="232418" y="1857609"/>
-            <a:ext cx="5782620" cy="4023360"/>
+            <a:off x="438615" y="1523072"/>
+            <a:ext cx="5524384" cy="4023360"/>
           </a:xfrm>
         </p:spPr>
         <p:txBody>
           <a:bodyPr>
-            <a:normAutofit fontScale="77500" lnSpcReduction="20000"/>
+            <a:normAutofit fontScale="25000" lnSpcReduction="20000"/>
           </a:bodyPr>
           <a:lstStyle/>
           <a:p>
-            <a:pPr marL="285750" indent="-285750">
-              <a:buFont typeface="Arial" panose="020B0604020202020204" pitchFamily="34" charset="0"/>
-              <a:buChar char="•"/>
+            <a:pPr>
+              <a:buFont typeface="Wingdings" panose="05000000000000000000" pitchFamily="2" charset="2"/>
+              <a:buChar char="§"/>
             </a:pPr>
             <a:r>
-              <a:rPr lang="en-US" dirty="0"/>
+              <a:rPr lang="en-US" sz="6400" dirty="0"/>
               <a:t>In the past, we have also developed surveys using Survey Monkey. </a:t>
             </a:r>
           </a:p>
           <a:p>
-            <a:pPr marL="285750" indent="-285750">
-              <a:buFont typeface="Arial" panose="020B0604020202020204" pitchFamily="34" charset="0"/>
-              <a:buChar char="•"/>
+            <a:pPr>
+              <a:buFont typeface="Wingdings" panose="05000000000000000000" pitchFamily="2" charset="2"/>
+              <a:buChar char="§"/>
             </a:pPr>
             <a:r>
-              <a:rPr lang="en-US" dirty="0"/>
+              <a:rPr lang="en-US" sz="6400" dirty="0"/>
               <a:t>We did this with Animal Allies to learn from teachers how they care for class aquariums.</a:t>
             </a:r>
           </a:p>
           <a:p>
-            <a:pPr marL="285750" indent="-285750">
-              <a:buFont typeface="Arial" panose="020B0604020202020204" pitchFamily="34" charset="0"/>
-              <a:buChar char="•"/>
+            <a:pPr>
+              <a:buFont typeface="Wingdings" panose="05000000000000000000" pitchFamily="2" charset="2"/>
+              <a:buChar char="§"/>
             </a:pPr>
             <a:r>
-              <a:rPr lang="en-US" dirty="0">
+              <a:rPr lang="en-US" sz="6400" dirty="0">
                 <a:solidFill>
                   <a:srgbClr val="000000"/>
                 </a:solidFill>
@@ -7045,35 +7260,35 @@
               </a:rPr>
               <a:t>Tips for developing a survey</a:t>
             </a:r>
-            <a:endParaRPr lang="en-US" dirty="0"/>
-          </a:p>
-          <a:p>
-            <a:pPr marL="285750" indent="-285750">
-              <a:buFont typeface="Arial" panose="020B0604020202020204" pitchFamily="34" charset="0"/>
-              <a:buChar char="•"/>
+            <a:endParaRPr lang="en-US" sz="6400" dirty="0"/>
+          </a:p>
+          <a:p>
+            <a:pPr>
+              <a:buFont typeface="Wingdings" panose="05000000000000000000" pitchFamily="2" charset="2"/>
+              <a:buChar char="§"/>
             </a:pPr>
             <a:r>
-              <a:rPr lang="en-US" dirty="0"/>
+              <a:rPr lang="en-US" sz="6400" dirty="0"/>
               <a:t>Brainstorm Questions: Brainstorm questions that will help define your problem and help develop a plan for developing our project </a:t>
             </a:r>
           </a:p>
           <a:p>
-            <a:pPr marL="285750" indent="-285750">
-              <a:buFont typeface="Arial" panose="020B0604020202020204" pitchFamily="34" charset="0"/>
-              <a:buChar char="•"/>
+            <a:pPr>
+              <a:buFont typeface="Wingdings" panose="05000000000000000000" pitchFamily="2" charset="2"/>
+              <a:buChar char="§"/>
             </a:pPr>
             <a:r>
-              <a:rPr lang="en-US" dirty="0"/>
+              <a:rPr lang="en-US" sz="6400" dirty="0"/>
               <a:t>Keep the survey short and to the point:   Our goal was to keep the survey answer time to about a minute or so to increase honest participation.  </a:t>
             </a:r>
           </a:p>
           <a:p>
-            <a:pPr marL="285750" indent="-285750">
-              <a:buFont typeface="Arial" panose="020B0604020202020204" pitchFamily="34" charset="0"/>
-              <a:buChar char="•"/>
+            <a:pPr>
+              <a:buFont typeface="Wingdings" panose="05000000000000000000" pitchFamily="2" charset="2"/>
+              <a:buChar char="§"/>
             </a:pPr>
             <a:r>
-              <a:rPr lang="en-US" dirty="0"/>
+              <a:rPr lang="en-US" sz="6400" dirty="0"/>
               <a:t>Share the Survey: We sent out survey out through social media and different educational sites. Include an explanation as to who you are and what you are hoping to accomplish to different educational sites.  We also send an email link to the survey to our local school board, area schools and through two different university systems.</a:t>
             </a:r>
           </a:p>
@@ -7116,7 +7331,7 @@
           <a:p>
             <a:r>
               <a:rPr lang="en-US"/>
-              <a:t>© 2018, FLL Tutorials (Last Edit 9/27/2017)</a:t>
+              <a:t>© 2018, FLL Tutorials (Last Edit 6/11/2018)</a:t>
             </a:r>
             <a:endParaRPr lang="en-US" dirty="0"/>
           </a:p>
@@ -7148,35 +7363,6 @@
               <a:t>8</a:t>
             </a:fld>
             <a:endParaRPr lang="en-US" dirty="0"/>
-          </a:p>
-        </p:txBody>
-      </p:sp>
-      <p:sp>
-        <p:nvSpPr>
-          <p:cNvPr id="7" name="TextBox 6"/>
-          <p:cNvSpPr txBox="1"/>
-          <p:nvPr/>
-        </p:nvSpPr>
-        <p:spPr>
-          <a:xfrm>
-            <a:off x="85048" y="5922437"/>
-            <a:ext cx="2679591" cy="369332"/>
-          </a:xfrm>
-          <a:prstGeom prst="rect">
-            <a:avLst/>
-          </a:prstGeom>
-          <a:noFill/>
-        </p:spPr>
-        <p:txBody>
-          <a:bodyPr wrap="square" rtlCol="0">
-            <a:spAutoFit/>
-          </a:bodyPr>
-          <a:lstStyle/>
-          <a:p>
-            <a:r>
-              <a:rPr lang="en-US" dirty="0"/>
-              <a:t>Shared by: Bayou Builders</a:t>
-            </a:r>
           </a:p>
         </p:txBody>
       </p:sp>
@@ -7308,43 +7494,45 @@
           </a:xfrm>
         </p:spPr>
         <p:txBody>
+          <a:bodyPr>
+            <a:normAutofit/>
+          </a:bodyPr>
+          <a:lstStyle/>
+          <a:p>
+            <a:r>
+              <a:rPr lang="en-US" sz="2000" dirty="0"/>
+              <a:t>Once a solution is identified and developed, you need to do research to ensure that it’s original and practical. </a:t>
+            </a:r>
+          </a:p>
+          <a:p>
+            <a:r>
+              <a:rPr lang="en-US" sz="2000" dirty="0"/>
+              <a:t>See the next lesson about developing an Innovative Solution by Team Phoenix.</a:t>
+            </a:r>
+          </a:p>
+          <a:p>
+            <a:endParaRPr lang="en-US" dirty="0"/>
+          </a:p>
+        </p:txBody>
+      </p:sp>
+      <p:sp>
+        <p:nvSpPr>
+          <p:cNvPr id="4" name="Footer Placeholder 3"/>
+          <p:cNvSpPr>
+            <a:spLocks noGrp="1"/>
+          </p:cNvSpPr>
+          <p:nvPr>
+            <p:ph type="ftr" sz="quarter" idx="11"/>
+          </p:nvPr>
+        </p:nvSpPr>
+        <p:spPr/>
+        <p:txBody>
           <a:bodyPr/>
           <a:lstStyle/>
           <a:p>
             <a:r>
-              <a:rPr lang="en-US" dirty="0"/>
-              <a:t>Once a solution is identified and developed, you need to do research to ensure that it’s original and practical. </a:t>
-            </a:r>
-          </a:p>
-          <a:p>
-            <a:r>
-              <a:rPr lang="en-US" dirty="0"/>
-              <a:t>See the next lesson about developing an Innovative Solution by Team Phoenix.</a:t>
-            </a:r>
-          </a:p>
-          <a:p>
-            <a:endParaRPr lang="en-US" dirty="0"/>
-          </a:p>
-        </p:txBody>
-      </p:sp>
-      <p:sp>
-        <p:nvSpPr>
-          <p:cNvPr id="4" name="Footer Placeholder 3"/>
-          <p:cNvSpPr>
-            <a:spLocks noGrp="1"/>
-          </p:cNvSpPr>
-          <p:nvPr>
-            <p:ph type="ftr" sz="quarter" idx="11"/>
-          </p:nvPr>
-        </p:nvSpPr>
-        <p:spPr/>
-        <p:txBody>
-          <a:bodyPr/>
-          <a:lstStyle/>
-          <a:p>
-            <a:r>
-              <a:rPr lang="en-US"/>
-              <a:t>© 2018, FLL Tutorials (Last Edit 9/27/2017)</a:t>
+              <a:rPr lang="en-US"/>
+              <a:t>© 2018, FLL Tutorials (Last Edit 6/11/2018)</a:t>
             </a:r>
             <a:endParaRPr lang="en-US" dirty="0"/>
           </a:p>
@@ -7370,35 +7558,6 @@
               <a:t>9</a:t>
             </a:fld>
             <a:endParaRPr lang="en-US" dirty="0"/>
-          </a:p>
-        </p:txBody>
-      </p:sp>
-      <p:sp>
-        <p:nvSpPr>
-          <p:cNvPr id="6" name="TextBox 5"/>
-          <p:cNvSpPr txBox="1"/>
-          <p:nvPr/>
-        </p:nvSpPr>
-        <p:spPr>
-          <a:xfrm>
-            <a:off x="85048" y="5922437"/>
-            <a:ext cx="2679591" cy="369332"/>
-          </a:xfrm>
-          <a:prstGeom prst="rect">
-            <a:avLst/>
-          </a:prstGeom>
-          <a:noFill/>
-        </p:spPr>
-        <p:txBody>
-          <a:bodyPr wrap="square" rtlCol="0">
-            <a:spAutoFit/>
-          </a:bodyPr>
-          <a:lstStyle/>
-          <a:p>
-            <a:r>
-              <a:rPr lang="en-US" dirty="0"/>
-              <a:t>Shared by: Bayou Builders</a:t>
-            </a:r>
           </a:p>
         </p:txBody>
       </p:sp>
@@ -7446,91 +7605,58 @@
 </file>
 
 <file path=ppt/theme/theme1.xml><?xml version="1.0" encoding="utf-8"?>
-<a:theme xmlns:a="http://schemas.openxmlformats.org/drawingml/2006/main" name="Retrospect">
+<a:theme xmlns:a="http://schemas.openxmlformats.org/drawingml/2006/main" name="Dividend">
   <a:themeElements>
-    <a:clrScheme name="Retrospect">
+    <a:clrScheme name="Dividend">
       <a:dk1>
-        <a:srgbClr val="000000"/>
+        <a:sysClr val="windowText" lastClr="000000"/>
       </a:dk1>
       <a:lt1>
         <a:sysClr val="window" lastClr="FFFFFF"/>
       </a:lt1>
       <a:dk2>
-        <a:srgbClr val="637052"/>
+        <a:srgbClr val="3D3D3D"/>
       </a:dk2>
       <a:lt2>
-        <a:srgbClr val="CCDDEA"/>
+        <a:srgbClr val="EBEBEB"/>
       </a:lt2>
       <a:accent1>
-        <a:srgbClr val="E48312"/>
+        <a:srgbClr val="1A3260"/>
       </a:accent1>
       <a:accent2>
-        <a:srgbClr val="BD582C"/>
+        <a:srgbClr val="4590B8"/>
       </a:accent2>
       <a:accent3>
-        <a:srgbClr val="865640"/>
+        <a:srgbClr val="45CBE8"/>
       </a:accent3>
       <a:accent4>
-        <a:srgbClr val="9B8357"/>
+        <a:srgbClr val="969FA7"/>
       </a:accent4>
       <a:accent5>
-        <a:srgbClr val="C2BC80"/>
+        <a:srgbClr val="A2C777"/>
       </a:accent5>
       <a:accent6>
-        <a:srgbClr val="94A088"/>
+        <a:srgbClr val="42955F"/>
       </a:accent6>
       <a:hlink>
-        <a:srgbClr val="2998E3"/>
+        <a:srgbClr val="828282"/>
       </a:hlink>
       <a:folHlink>
-        <a:srgbClr val="8C8C8C"/>
+        <a:srgbClr val="A5A5A5"/>
       </a:folHlink>
     </a:clrScheme>
-    <a:fontScheme name="Retrospect">
+    <a:fontScheme name="Dividend">
       <a:majorFont>
-        <a:latin typeface="Calibri Light" panose="020F0302020204030204"/>
+        <a:latin typeface="Gill Sans MT" panose="020B0502020104020203"/>
         <a:ea typeface=""/>
         <a:cs typeface=""/>
-        <a:font script="Jpan" typeface="ＭＳ Ｐゴシック"/>
-        <a:font script="Hang" typeface="맑은 고딕"/>
-        <a:font script="Hans" typeface="宋体"/>
-        <a:font script="Hant" typeface="新細明體"/>
-        <a:font script="Arab" typeface="Times New Roman"/>
-        <a:font script="Hebr" typeface="Times New Roman"/>
-        <a:font script="Thai" typeface="Angsana New"/>
-        <a:font script="Ethi" typeface="Nyala"/>
-        <a:font script="Beng" typeface="Vrinda"/>
-        <a:font script="Gujr" typeface="Shruti"/>
-        <a:font script="Khmr" typeface="MoolBoran"/>
-        <a:font script="Knda" typeface="Tunga"/>
-        <a:font script="Guru" typeface="Raavi"/>
-        <a:font script="Cans" typeface="Euphemia"/>
-        <a:font script="Cher" typeface="Plantagenet Cherokee"/>
-        <a:font script="Yiii" typeface="Microsoft Yi Baiti"/>
-        <a:font script="Tibt" typeface="Microsoft Himalaya"/>
-        <a:font script="Thaa" typeface="MV Boli"/>
-        <a:font script="Deva" typeface="Mangal"/>
-        <a:font script="Telu" typeface="Gautami"/>
-        <a:font script="Taml" typeface="Latha"/>
-        <a:font script="Syrc" typeface="Estrangelo Edessa"/>
-        <a:font script="Orya" typeface="Kalinga"/>
-        <a:font script="Mlym" typeface="Kartika"/>
-        <a:font script="Laoo" typeface="DokChampa"/>
-        <a:font script="Sinh" typeface="Iskoola Pota"/>
-        <a:font script="Mong" typeface="Mongolian Baiti"/>
-        <a:font script="Viet" typeface="Times New Roman"/>
-        <a:font script="Uigh" typeface="Microsoft Uighur"/>
-        <a:font script="Geor" typeface="Sylfaen"/>
-      </a:majorFont>
-      <a:minorFont>
-        <a:latin typeface="Calibri" panose="020F0502020204030204"/>
-        <a:ea typeface=""/>
-        <a:cs typeface=""/>
-        <a:font script="Jpan" typeface="ＭＳ Ｐゴシック"/>
-        <a:font script="Hang" typeface="맑은 고딕"/>
-        <a:font script="Hans" typeface="宋体"/>
-        <a:font script="Hant" typeface="新細明體"/>
-        <a:font script="Arab" typeface="Arial"/>
+        <a:font script="Grek" typeface="Corbel"/>
+        <a:font script="Cyrl" typeface="Corbel"/>
+        <a:font script="Jpan" typeface="HGｺﾞｼｯｸE"/>
+        <a:font script="Hang" typeface="휴먼매직체"/>
+        <a:font script="Hans" typeface="华文中宋"/>
+        <a:font script="Hant" typeface="微軟正黑體"/>
+        <a:font script="Arab" typeface="Majalla UI"/>
         <a:font script="Hebr" typeface="Arial"/>
         <a:font script="Thai" typeface="Cordia New"/>
         <a:font script="Ethi" typeface="Nyala"/>
@@ -7553,12 +7679,49 @@
         <a:font script="Laoo" typeface="DokChampa"/>
         <a:font script="Sinh" typeface="Iskoola Pota"/>
         <a:font script="Mong" typeface="Mongolian Baiti"/>
-        <a:font script="Viet" typeface="Arial"/>
+        <a:font script="Viet" typeface="Tahoma"/>
+        <a:font script="Uigh" typeface="Microsoft Uighur"/>
+        <a:font script="Geor" typeface="Sylfaen"/>
+      </a:majorFont>
+      <a:minorFont>
+        <a:latin typeface="Gill Sans MT" panose="020B0502020104020203"/>
+        <a:ea typeface=""/>
+        <a:cs typeface=""/>
+        <a:font script="Grek" typeface="Corbel"/>
+        <a:font script="Cyrl" typeface="Corbel"/>
+        <a:font script="Jpan" typeface="HGｺﾞｼｯｸE"/>
+        <a:font script="Hang" typeface="휴먼매직체"/>
+        <a:font script="Hans" typeface="华文中宋"/>
+        <a:font script="Hant" typeface="微軟正黑體"/>
+        <a:font script="Arab" typeface="Majalla UI"/>
+        <a:font script="Hebr" typeface="Arial"/>
+        <a:font script="Thai" typeface="Cordia New"/>
+        <a:font script="Ethi" typeface="Nyala"/>
+        <a:font script="Beng" typeface="Vrinda"/>
+        <a:font script="Gujr" typeface="Shruti"/>
+        <a:font script="Khmr" typeface="DaunPenh"/>
+        <a:font script="Knda" typeface="Tunga"/>
+        <a:font script="Guru" typeface="Raavi"/>
+        <a:font script="Cans" typeface="Euphemia"/>
+        <a:font script="Cher" typeface="Plantagenet Cherokee"/>
+        <a:font script="Yiii" typeface="Microsoft Yi Baiti"/>
+        <a:font script="Tibt" typeface="Microsoft Himalaya"/>
+        <a:font script="Thaa" typeface="MV Boli"/>
+        <a:font script="Deva" typeface="Mangal"/>
+        <a:font script="Telu" typeface="Gautami"/>
+        <a:font script="Taml" typeface="Latha"/>
+        <a:font script="Syrc" typeface="Estrangelo Edessa"/>
+        <a:font script="Orya" typeface="Kalinga"/>
+        <a:font script="Mlym" typeface="Kartika"/>
+        <a:font script="Laoo" typeface="DokChampa"/>
+        <a:font script="Sinh" typeface="Iskoola Pota"/>
+        <a:font script="Mong" typeface="Mongolian Baiti"/>
+        <a:font script="Viet" typeface="Tahoma"/>
         <a:font script="Uigh" typeface="Microsoft Uighur"/>
         <a:font script="Geor" typeface="Sylfaen"/>
       </a:minorFont>
     </a:fontScheme>
-    <a:fmtScheme name="Retrospect">
+    <a:fmtScheme name="Dividend">
       <a:fillStyleLst>
         <a:solidFill>
           <a:schemeClr val="phClr"/>
@@ -7567,77 +7730,54 @@
           <a:gsLst>
             <a:gs pos="0">
               <a:schemeClr val="phClr">
-                <a:tint val="65000"/>
-                <a:shade val="92000"/>
-                <a:satMod val="130000"/>
-              </a:schemeClr>
-            </a:gs>
-            <a:gs pos="45000">
-              <a:schemeClr val="phClr">
-                <a:tint val="60000"/>
-                <a:shade val="99000"/>
-                <a:satMod val="120000"/>
+                <a:tint val="68000"/>
+                <a:alpha val="90000"/>
+                <a:lumMod val="100000"/>
               </a:schemeClr>
             </a:gs>
             <a:gs pos="100000">
               <a:schemeClr val="phClr">
-                <a:tint val="55000"/>
-                <a:satMod val="140000"/>
+                <a:tint val="90000"/>
+                <a:lumMod val="95000"/>
               </a:schemeClr>
             </a:gs>
           </a:gsLst>
-          <a:path path="circle">
-            <a:fillToRect l="100000" t="100000" r="100000" b="100000"/>
-          </a:path>
+          <a:lin ang="5400000" scaled="1"/>
         </a:gradFill>
         <a:gradFill rotWithShape="1">
           <a:gsLst>
             <a:gs pos="0">
               <a:schemeClr val="phClr">
-                <a:shade val="85000"/>
-                <a:satMod val="130000"/>
+                <a:tint val="98000"/>
+                <a:lumMod val="110000"/>
               </a:schemeClr>
             </a:gs>
-            <a:gs pos="34000">
+            <a:gs pos="84000">
               <a:schemeClr val="phClr">
-                <a:shade val="87000"/>
-                <a:satMod val="125000"/>
-              </a:schemeClr>
-            </a:gs>
-            <a:gs pos="70000">
-              <a:schemeClr val="phClr">
-                <a:tint val="100000"/>
                 <a:shade val="90000"/>
-                <a:satMod val="130000"/>
-              </a:schemeClr>
-            </a:gs>
-            <a:gs pos="100000">
-              <a:schemeClr val="phClr">
-                <a:tint val="100000"/>
-                <a:shade val="100000"/>
-                <a:satMod val="110000"/>
+                <a:lumMod val="88000"/>
               </a:schemeClr>
             </a:gs>
           </a:gsLst>
-          <a:path path="circle">
-            <a:fillToRect l="100000" t="100000" r="100000" b="100000"/>
-          </a:path>
+          <a:lin ang="5400000" scaled="0"/>
         </a:gradFill>
       </a:fillStyleLst>
       <a:lnStyleLst>
-        <a:ln w="12700" cap="flat" cmpd="sng" algn="ctr">
+        <a:ln w="12700" cap="rnd" cmpd="sng" algn="ctr">
+          <a:solidFill>
+            <a:schemeClr val="phClr">
+              <a:lumMod val="90000"/>
+            </a:schemeClr>
+          </a:solidFill>
+          <a:prstDash val="solid"/>
+        </a:ln>
+        <a:ln w="22225" cap="rnd" cmpd="sng" algn="ctr">
           <a:solidFill>
             <a:schemeClr val="phClr"/>
           </a:solidFill>
           <a:prstDash val="solid"/>
         </a:ln>
-        <a:ln w="15875" cap="flat" cmpd="sng" algn="ctr">
-          <a:solidFill>
-            <a:schemeClr val="phClr"/>
-          </a:solidFill>
-          <a:prstDash val="solid"/>
-        </a:ln>
-        <a:ln w="25400" cap="flat" cmpd="sng" algn="ctr">
+        <a:ln w="25400" cap="rnd" cmpd="sng" algn="ctr">
           <a:solidFill>
             <a:schemeClr val="phClr"/>
           </a:solidFill>
@@ -7650,16 +7790,16 @@
         </a:effectStyle>
         <a:effectStyle>
           <a:effectLst>
-            <a:outerShdw blurRad="38100" dist="25400" dir="2700000" algn="br" rotWithShape="0">
+            <a:outerShdw blurRad="38100" dist="25400" dir="5400000" rotWithShape="0">
               <a:srgbClr val="000000">
-                <a:alpha val="60000"/>
+                <a:alpha val="55000"/>
               </a:srgbClr>
             </a:outerShdw>
           </a:effectLst>
         </a:effectStyle>
         <a:effectStyle>
           <a:effectLst>
-            <a:outerShdw blurRad="44450" dist="25400" dir="2700000" algn="br" rotWithShape="0">
+            <a:outerShdw blurRad="88900" dist="38100" dir="5040000" rotWithShape="0">
               <a:srgbClr val="000000">
                 <a:alpha val="60000"/>
               </a:srgbClr>
@@ -7669,12 +7809,12 @@
             <a:camera prst="orthographicFront">
               <a:rot lat="0" lon="0" rev="0"/>
             </a:camera>
-            <a:lightRig rig="threePt" dir="t">
-              <a:rot lat="0" lon="0" rev="19800000"/>
+            <a:lightRig rig="threePt" dir="tl">
+              <a:rot lat="0" lon="0" rev="1200000"/>
             </a:lightRig>
           </a:scene3d>
-          <a:sp3d prstMaterial="flat">
-            <a:bevelT w="25400" h="31750"/>
+          <a:sp3d>
+            <a:bevelT w="38100" h="50800"/>
           </a:sp3d>
         </a:effectStyle>
       </a:effectStyleLst>
@@ -7682,38 +7822,43 @@
         <a:solidFill>
           <a:schemeClr val="phClr"/>
         </a:solidFill>
-        <a:solidFill>
-          <a:schemeClr val="phClr">
-            <a:tint val="90000"/>
-            <a:shade val="97000"/>
-            <a:satMod val="130000"/>
-          </a:schemeClr>
-        </a:solidFill>
         <a:gradFill rotWithShape="1">
           <a:gsLst>
             <a:gs pos="0">
               <a:schemeClr val="phClr">
-                <a:tint val="96000"/>
-                <a:shade val="99000"/>
-                <a:satMod val="140000"/>
+                <a:tint val="90000"/>
+                <a:lumMod val="110000"/>
               </a:schemeClr>
             </a:gs>
-            <a:gs pos="65000">
+            <a:gs pos="88000">
               <a:schemeClr val="phClr">
-                <a:tint val="100000"/>
-                <a:shade val="80000"/>
-                <a:satMod val="130000"/>
+                <a:shade val="94000"/>
+                <a:satMod val="110000"/>
+                <a:lumMod val="88000"/>
+              </a:schemeClr>
+            </a:gs>
+          </a:gsLst>
+          <a:lin ang="5400000" scaled="0"/>
+        </a:gradFill>
+        <a:gradFill rotWithShape="1">
+          <a:gsLst>
+            <a:gs pos="0">
+              <a:schemeClr val="phClr">
+                <a:tint val="90000"/>
+                <a:lumMod val="110000"/>
               </a:schemeClr>
             </a:gs>
             <a:gs pos="100000">
               <a:schemeClr val="phClr">
-                <a:tint val="100000"/>
-                <a:shade val="48000"/>
-                <a:satMod val="120000"/>
+                <a:shade val="98000"/>
+                <a:satMod val="110000"/>
+                <a:lumMod val="86000"/>
               </a:schemeClr>
             </a:gs>
           </a:gsLst>
-          <a:lin ang="16200000" scaled="0"/>
+          <a:path path="circle">
+            <a:fillToRect l="50000" t="50000" r="100000" b="100000"/>
+          </a:path>
         </a:gradFill>
       </a:bgFillStyleLst>
     </a:fmtScheme>
@@ -7722,7 +7867,7 @@
   <a:extraClrSchemeLst/>
   <a:extLst>
     <a:ext uri="{05A4C25C-085E-4340-85A3-A5531E510DB2}">
-      <thm15:themeFamily xmlns:thm15="http://schemas.microsoft.com/office/thememl/2012/main" name="Retrospect" id="{5F128B03-DCCA-4EEB-AB3B-CF2899314A46}" vid="{3F1AAB62-24C6-49D2-8E01-B56FAC9A3DCD}"/>
+      <thm15:themeFamily xmlns:thm15="http://schemas.microsoft.com/office/thememl/2012/main" name="EngineeringJournal" id="{97721FB4-21DC-6D4C-AC10-5E4545120761}" vid="{EB585347-F0B4-B74F-BF80-5185492EFC16}"/>
     </a:ext>
   </a:extLst>
 </a:theme>

--- a/translations/en-us/Project/BackgroundResearch.pptx
+++ b/translations/en-us/Project/BackgroundResearch.pptx
@@ -206,7 +206,7 @@
           <a:p>
             <a:fld id="{A78B980B-A051-5042-A199-B77431CF73D3}" type="datetimeFigureOut">
               <a:rPr lang="en-US" smtClean="0"/>
-              <a:t>6/12/18</a:t>
+              <a:t>9/2/18</a:t>
             </a:fld>
             <a:endParaRPr lang="en-US"/>
           </a:p>
@@ -978,7 +978,7 @@
           <a:p>
             <a:fld id="{F6866A5A-0A55-4D5D-B5E8-F3D8DD37FB3A}" type="datetime1">
               <a:rPr lang="en-US" smtClean="0"/>
-              <a:t>6/12/18</a:t>
+              <a:t>9/2/18</a:t>
             </a:fld>
             <a:endParaRPr lang="en-US" dirty="0"/>
           </a:p>
@@ -1103,57 +1103,6 @@
           </a:prstGeom>
         </p:spPr>
       </p:pic>
-      <p:sp>
-        <p:nvSpPr>
-          <p:cNvPr id="9" name="Rectangle 8">
-            <a:extLst>
-              <a:ext uri="{FF2B5EF4-FFF2-40B4-BE49-F238E27FC236}">
-                <a16:creationId xmlns:a16="http://schemas.microsoft.com/office/drawing/2014/main" id="{D3F668BD-7077-43F8-82C1-E64A5DF178BD}"/>
-              </a:ext>
-            </a:extLst>
-          </p:cNvPr>
-          <p:cNvSpPr/>
-          <p:nvPr userDrawn="1"/>
-        </p:nvSpPr>
-        <p:spPr>
-          <a:xfrm>
-            <a:off x="-2358" y="6272819"/>
-            <a:ext cx="9141619" cy="64008"/>
-          </a:xfrm>
-          <a:prstGeom prst="rect">
-            <a:avLst/>
-          </a:prstGeom>
-          <a:solidFill>
-            <a:srgbClr val="24CF39"/>
-          </a:solidFill>
-          <a:ln>
-            <a:noFill/>
-          </a:ln>
-        </p:spPr>
-        <p:style>
-          <a:lnRef idx="2">
-            <a:schemeClr val="accent1">
-              <a:shade val="50000"/>
-            </a:schemeClr>
-          </a:lnRef>
-          <a:fillRef idx="1">
-            <a:schemeClr val="accent1"/>
-          </a:fillRef>
-          <a:effectRef idx="0">
-            <a:schemeClr val="accent1"/>
-          </a:effectRef>
-          <a:fontRef idx="minor">
-            <a:schemeClr val="lt1"/>
-          </a:fontRef>
-        </p:style>
-        <p:txBody>
-          <a:bodyPr/>
-          <a:lstStyle/>
-          <a:p>
-            <a:endParaRPr lang="en-US" dirty="0"/>
-          </a:p>
-        </p:txBody>
-      </p:sp>
     </p:spTree>
     <p:extLst>
       <p:ext uri="{BB962C8B-B14F-4D97-AF65-F5344CB8AC3E}">
@@ -1339,7 +1288,7 @@
           <a:p>
             <a:fld id="{8D0969ED-99E2-408E-BB07-DA94B73CF6BB}" type="datetime1">
               <a:rPr lang="en-US" smtClean="0"/>
-              <a:t>6/12/18</a:t>
+              <a:t>9/2/18</a:t>
             </a:fld>
             <a:endParaRPr lang="en-US" dirty="0"/>
           </a:p>
@@ -1597,7 +1546,7 @@
           <a:p>
             <a:fld id="{7803AC69-2A33-400C-BCAC-DAF57EE44F08}" type="datetime1">
               <a:rPr lang="en-US" smtClean="0"/>
-              <a:t>6/12/18</a:t>
+              <a:t>9/2/18</a:t>
             </a:fld>
             <a:endParaRPr lang="en-US" dirty="0"/>
           </a:p>
@@ -1885,7 +1834,7 @@
           <a:p>
             <a:fld id="{E0A18BA7-10AF-4A62-96A8-E5FA71B7E53B}" type="datetime1">
               <a:rPr lang="en-US" smtClean="0"/>
-              <a:t>6/12/18</a:t>
+              <a:t>9/2/18</a:t>
             </a:fld>
             <a:endParaRPr lang="en-US" dirty="0"/>
           </a:p>
@@ -2338,7 +2287,7 @@
             <a:fld id="{B61BEF0D-F0BB-DE4B-95CE-6DB70DBA9567}" type="datetimeFigureOut">
               <a:rPr lang="en-US" smtClean="0"/>
               <a:pPr/>
-              <a:t>6/12/18</a:t>
+              <a:t>9/2/18</a:t>
             </a:fld>
             <a:endParaRPr lang="en-US" dirty="0"/>
           </a:p>
@@ -2895,7 +2844,7 @@
           <a:p>
             <a:fld id="{7682FCB5-4B29-4F74-AF6D-1ECE9BAD89ED}" type="datetime1">
               <a:rPr lang="en-US" smtClean="0"/>
-              <a:t>6/12/18</a:t>
+              <a:t>9/2/18</a:t>
             </a:fld>
             <a:endParaRPr lang="en-US" dirty="0"/>
           </a:p>
@@ -3344,7 +3293,7 @@
           <a:p>
             <a:fld id="{073CCEA9-CC46-4A5E-9ACC-568CC7D20502}" type="datetime1">
               <a:rPr lang="en-US" smtClean="0"/>
-              <a:t>6/12/18</a:t>
+              <a:t>9/2/18</a:t>
             </a:fld>
             <a:endParaRPr lang="en-US" dirty="0"/>
           </a:p>
@@ -3529,7 +3478,7 @@
           <a:p>
             <a:fld id="{4495FE28-939C-4000-B10A-8CA6ED2FA30A}" type="datetime1">
               <a:rPr lang="en-US" smtClean="0"/>
-              <a:t>6/12/18</a:t>
+              <a:t>9/2/18</a:t>
             </a:fld>
             <a:endParaRPr lang="en-US" dirty="0"/>
           </a:p>
@@ -3652,7 +3601,7 @@
           <a:p>
             <a:fld id="{46203042-3756-43CC-912F-20912042B569}" type="datetime1">
               <a:rPr lang="en-US" smtClean="0"/>
-              <a:t>6/12/18</a:t>
+              <a:t>9/2/18</a:t>
             </a:fld>
             <a:endParaRPr lang="en-US" dirty="0"/>
           </a:p>
@@ -4058,7 +4007,7 @@
           <a:p>
             <a:fld id="{657503B7-C034-4A63-A905-C2AAE1E4006F}" type="datetime1">
               <a:rPr lang="en-US" smtClean="0"/>
-              <a:t>6/12/18</a:t>
+              <a:t>9/2/18</a:t>
             </a:fld>
             <a:endParaRPr lang="en-US" dirty="0"/>
           </a:p>
@@ -4375,7 +4324,7 @@
           <a:p>
             <a:fld id="{7F4269FD-51AD-40D9-86B1-068AADC977AB}" type="datetime1">
               <a:rPr lang="en-US" smtClean="0"/>
-              <a:t>6/12/18</a:t>
+              <a:t>9/2/18</a:t>
             </a:fld>
             <a:endParaRPr lang="en-US" dirty="0"/>
           </a:p>
@@ -4726,7 +4675,7 @@
           <a:p>
             <a:fld id="{BDD6E278-302A-499C-9E64-959DDB257AAA}" type="datetime1">
               <a:rPr lang="en-US" smtClean="0"/>
-              <a:t>6/12/18</a:t>
+              <a:t>9/2/18</a:t>
             </a:fld>
             <a:endParaRPr lang="en-US" dirty="0"/>
           </a:p>
@@ -4825,57 +4774,6 @@
               <a:pPr/>
               <a:t>‹#›</a:t>
             </a:fld>
-            <a:endParaRPr lang="en-US" dirty="0"/>
-          </a:p>
-        </p:txBody>
-      </p:sp>
-      <p:sp>
-        <p:nvSpPr>
-          <p:cNvPr id="15" name="Rectangle 14">
-            <a:extLst>
-              <a:ext uri="{FF2B5EF4-FFF2-40B4-BE49-F238E27FC236}">
-                <a16:creationId xmlns:a16="http://schemas.microsoft.com/office/drawing/2014/main" id="{13012697-A2FD-465B-B907-452079313A19}"/>
-              </a:ext>
-            </a:extLst>
-          </p:cNvPr>
-          <p:cNvSpPr/>
-          <p:nvPr userDrawn="1"/>
-        </p:nvSpPr>
-        <p:spPr>
-          <a:xfrm>
-            <a:off x="-1" y="6273337"/>
-            <a:ext cx="9144001" cy="65999"/>
-          </a:xfrm>
-          <a:prstGeom prst="rect">
-            <a:avLst/>
-          </a:prstGeom>
-          <a:solidFill>
-            <a:srgbClr val="24CF39"/>
-          </a:solidFill>
-          <a:ln>
-            <a:noFill/>
-          </a:ln>
-        </p:spPr>
-        <p:style>
-          <a:lnRef idx="2">
-            <a:schemeClr val="accent1">
-              <a:shade val="50000"/>
-            </a:schemeClr>
-          </a:lnRef>
-          <a:fillRef idx="1">
-            <a:schemeClr val="accent1"/>
-          </a:fillRef>
-          <a:effectRef idx="0">
-            <a:schemeClr val="accent1"/>
-          </a:effectRef>
-          <a:fontRef idx="minor">
-            <a:schemeClr val="lt1"/>
-          </a:fontRef>
-        </p:style>
-        <p:txBody>
-          <a:bodyPr/>
-          <a:lstStyle/>
-          <a:p>
             <a:endParaRPr lang="en-US" dirty="0"/>
           </a:p>
         </p:txBody>

--- a/translations/en-us/Project/BackgroundResearch.pptx
+++ b/translations/en-us/Project/BackgroundResearch.pptx
@@ -206,7 +206,7 @@
           <a:p>
             <a:fld id="{A78B980B-A051-5042-A199-B77431CF73D3}" type="datetimeFigureOut">
               <a:rPr lang="en-US" smtClean="0"/>
-              <a:t>9/2/18</a:t>
+              <a:t>10/27/22</a:t>
             </a:fld>
             <a:endParaRPr lang="en-US"/>
           </a:p>
@@ -976,9 +976,9 @@
             </a:lvl1pPr>
           </a:lstStyle>
           <a:p>
-            <a:fld id="{F6866A5A-0A55-4D5D-B5E8-F3D8DD37FB3A}" type="datetime1">
+            <a:fld id="{8DF8F508-4D21-7342-AE74-B2858C88F410}" type="datetime1">
               <a:rPr lang="en-US" smtClean="0"/>
-              <a:t>9/2/18</a:t>
+              <a:t>10/27/22</a:t>
             </a:fld>
             <a:endParaRPr lang="en-US" dirty="0"/>
           </a:p>
@@ -1020,7 +1020,7 @@
           <a:p>
             <a:r>
               <a:rPr lang="en-US"/>
-              <a:t>© 2018, FLL Tutorials (Last Edit 6/11/2018)</a:t>
+              <a:t>© 2022, FLL Tutorials</a:t>
             </a:r>
             <a:endParaRPr lang="en-US" dirty="0"/>
           </a:p>
@@ -1286,9 +1286,9 @@
           <a:bodyPr/>
           <a:lstStyle/>
           <a:p>
-            <a:fld id="{8D0969ED-99E2-408E-BB07-DA94B73CF6BB}" type="datetime1">
+            <a:fld id="{3A1C6816-60C2-4547-8D19-A8F6D1FDAB7B}" type="datetime1">
               <a:rPr lang="en-US" smtClean="0"/>
-              <a:t>9/2/18</a:t>
+              <a:t>10/27/22</a:t>
             </a:fld>
             <a:endParaRPr lang="en-US" dirty="0"/>
           </a:p>
@@ -1319,7 +1319,7 @@
           <a:p>
             <a:r>
               <a:rPr lang="en-US"/>
-              <a:t>© 2018, FLL Tutorials (Last Edit 6/11/2018)</a:t>
+              <a:t>© 2022, FLL Tutorials</a:t>
             </a:r>
             <a:endParaRPr lang="en-US" dirty="0"/>
           </a:p>
@@ -1544,9 +1544,9 @@
             </a:lvl1pPr>
           </a:lstStyle>
           <a:p>
-            <a:fld id="{7803AC69-2A33-400C-BCAC-DAF57EE44F08}" type="datetime1">
+            <a:fld id="{63FBB26E-D81B-8540-9838-BB6139DDB7E7}" type="datetime1">
               <a:rPr lang="en-US" smtClean="0"/>
-              <a:t>9/2/18</a:t>
+              <a:t>10/27/22</a:t>
             </a:fld>
             <a:endParaRPr lang="en-US" dirty="0"/>
           </a:p>
@@ -1577,7 +1577,7 @@
           <a:p>
             <a:r>
               <a:rPr lang="en-US"/>
-              <a:t>© 2018, FLL Tutorials (Last Edit 6/11/2018)</a:t>
+              <a:t>© 2022, FLL Tutorials</a:t>
             </a:r>
             <a:endParaRPr lang="en-US" dirty="0"/>
           </a:p>
@@ -1832,9 +1832,9 @@
             </a:lvl1pPr>
           </a:lstStyle>
           <a:p>
-            <a:fld id="{E0A18BA7-10AF-4A62-96A8-E5FA71B7E53B}" type="datetime1">
+            <a:fld id="{20922FB9-1BF8-5448-A690-6622CA106328}" type="datetime1">
               <a:rPr lang="en-US" smtClean="0"/>
-              <a:t>9/2/18</a:t>
+              <a:t>10/27/22</a:t>
             </a:fld>
             <a:endParaRPr lang="en-US" dirty="0"/>
           </a:p>
@@ -1879,7 +1879,7 @@
           <a:p>
             <a:r>
               <a:rPr lang="en-US"/>
-              <a:t>© 2018, FLL Tutorials (Last Edit 6/11/2018)</a:t>
+              <a:t>© 2022, FLL Tutorials</a:t>
             </a:r>
             <a:endParaRPr lang="en-US" dirty="0"/>
           </a:p>
@@ -2287,7 +2287,7 @@
             <a:fld id="{B61BEF0D-F0BB-DE4B-95CE-6DB70DBA9567}" type="datetimeFigureOut">
               <a:rPr lang="en-US" smtClean="0"/>
               <a:pPr/>
-              <a:t>9/2/18</a:t>
+              <a:t>10/27/22</a:t>
             </a:fld>
             <a:endParaRPr lang="en-US" dirty="0"/>
           </a:p>
@@ -2842,9 +2842,9 @@
           <a:bodyPr/>
           <a:lstStyle/>
           <a:p>
-            <a:fld id="{7682FCB5-4B29-4F74-AF6D-1ECE9BAD89ED}" type="datetime1">
+            <a:fld id="{312FF397-931F-3246-A8B2-56200D7F469E}" type="datetime1">
               <a:rPr lang="en-US" smtClean="0"/>
-              <a:t>9/2/18</a:t>
+              <a:t>10/27/22</a:t>
             </a:fld>
             <a:endParaRPr lang="en-US" dirty="0"/>
           </a:p>
@@ -2875,7 +2875,7 @@
           <a:p>
             <a:r>
               <a:rPr lang="en-US"/>
-              <a:t>© 2018, FLL Tutorials (Last Edit 6/11/2018)</a:t>
+              <a:t>© 2022, FLL Tutorials</a:t>
             </a:r>
             <a:endParaRPr lang="en-US" dirty="0"/>
           </a:p>
@@ -3291,9 +3291,9 @@
           <a:bodyPr/>
           <a:lstStyle/>
           <a:p>
-            <a:fld id="{073CCEA9-CC46-4A5E-9ACC-568CC7D20502}" type="datetime1">
+            <a:fld id="{C14B6FDC-39B6-184E-9F82-7351E445439C}" type="datetime1">
               <a:rPr lang="en-US" smtClean="0"/>
-              <a:t>9/2/18</a:t>
+              <a:t>10/27/22</a:t>
             </a:fld>
             <a:endParaRPr lang="en-US" dirty="0"/>
           </a:p>
@@ -3324,7 +3324,7 @@
           <a:p>
             <a:r>
               <a:rPr lang="en-US"/>
-              <a:t>© 2018, FLL Tutorials (Last Edit 6/11/2018)</a:t>
+              <a:t>© 2022, FLL Tutorials</a:t>
             </a:r>
             <a:endParaRPr lang="en-US" dirty="0"/>
           </a:p>
@@ -3476,9 +3476,9 @@
           <a:bodyPr/>
           <a:lstStyle/>
           <a:p>
-            <a:fld id="{4495FE28-939C-4000-B10A-8CA6ED2FA30A}" type="datetime1">
+            <a:fld id="{8CEF6C34-FD0C-2F4B-B7B7-D08165494B81}" type="datetime1">
               <a:rPr lang="en-US" smtClean="0"/>
-              <a:t>9/2/18</a:t>
+              <a:t>10/27/22</a:t>
             </a:fld>
             <a:endParaRPr lang="en-US" dirty="0"/>
           </a:p>
@@ -3509,7 +3509,7 @@
           <a:p>
             <a:r>
               <a:rPr lang="en-US"/>
-              <a:t>© 2018, FLL Tutorials (Last Edit 6/11/2018)</a:t>
+              <a:t>© 2022, FLL Tutorials</a:t>
             </a:r>
             <a:endParaRPr lang="en-US" dirty="0"/>
           </a:p>
@@ -3599,9 +3599,9 @@
           <a:bodyPr/>
           <a:lstStyle/>
           <a:p>
-            <a:fld id="{46203042-3756-43CC-912F-20912042B569}" type="datetime1">
+            <a:fld id="{59DA8EE6-27DC-9B4B-A87A-820D1A29E2B2}" type="datetime1">
               <a:rPr lang="en-US" smtClean="0"/>
-              <a:t>9/2/18</a:t>
+              <a:t>10/27/22</a:t>
             </a:fld>
             <a:endParaRPr lang="en-US" dirty="0"/>
           </a:p>
@@ -3632,7 +3632,7 @@
           <a:p>
             <a:r>
               <a:rPr lang="en-US"/>
-              <a:t>© 2018, FLL Tutorials (Last Edit 6/11/2018)</a:t>
+              <a:t>© 2022, FLL Tutorials</a:t>
             </a:r>
             <a:endParaRPr lang="en-US" dirty="0"/>
           </a:p>
@@ -4005,9 +4005,9 @@
             </a:lvl1pPr>
           </a:lstStyle>
           <a:p>
-            <a:fld id="{657503B7-C034-4A63-A905-C2AAE1E4006F}" type="datetime1">
+            <a:fld id="{0A96E927-6413-0C4F-9909-DA9461970837}" type="datetime1">
               <a:rPr lang="en-US" smtClean="0"/>
-              <a:t>9/2/18</a:t>
+              <a:t>10/27/22</a:t>
             </a:fld>
             <a:endParaRPr lang="en-US" dirty="0"/>
           </a:p>
@@ -4049,7 +4049,7 @@
           <a:p>
             <a:r>
               <a:rPr lang="en-US"/>
-              <a:t>© 2018, FLL Tutorials (Last Edit 6/11/2018)</a:t>
+              <a:t>© 2022, FLL Tutorials</a:t>
             </a:r>
             <a:endParaRPr lang="en-US" dirty="0"/>
           </a:p>
@@ -4322,9 +4322,9 @@
           <a:bodyPr/>
           <a:lstStyle/>
           <a:p>
-            <a:fld id="{7F4269FD-51AD-40D9-86B1-068AADC977AB}" type="datetime1">
+            <a:fld id="{F9392D93-0038-4E4D-A72D-AD3DB48F5D70}" type="datetime1">
               <a:rPr lang="en-US" smtClean="0"/>
-              <a:t>9/2/18</a:t>
+              <a:t>10/27/22</a:t>
             </a:fld>
             <a:endParaRPr lang="en-US" dirty="0"/>
           </a:p>
@@ -4355,7 +4355,7 @@
           <a:p>
             <a:r>
               <a:rPr lang="en-US"/>
-              <a:t>© 2018, FLL Tutorials (Last Edit 6/11/2018)</a:t>
+              <a:t>© 2022, FLL Tutorials</a:t>
             </a:r>
             <a:endParaRPr lang="en-US" dirty="0"/>
           </a:p>
@@ -4673,9 +4673,9 @@
             </a:lvl1pPr>
           </a:lstStyle>
           <a:p>
-            <a:fld id="{BDD6E278-302A-499C-9E64-959DDB257AAA}" type="datetime1">
+            <a:fld id="{ED3E15E7-B6ED-9144-B345-DD2E1F013272}" type="datetime1">
               <a:rPr lang="en-US" smtClean="0"/>
-              <a:t>9/2/18</a:t>
+              <a:t>10/27/22</a:t>
             </a:fld>
             <a:endParaRPr lang="en-US" dirty="0"/>
           </a:p>
@@ -4723,7 +4723,7 @@
           <a:p>
             <a:r>
               <a:rPr lang="en-US"/>
-              <a:t>© 2018, FLL Tutorials (Last Edit 6/11/2018)</a:t>
+              <a:t>© 2022, FLL Tutorials</a:t>
             </a:r>
             <a:endParaRPr lang="en-US" dirty="0"/>
           </a:p>
@@ -5403,7 +5403,7 @@
           <a:p>
             <a:r>
               <a:rPr lang="en-US"/>
-              <a:t>© 2018, FLL Tutorials (Last Edit 6/11/2018)</a:t>
+              <a:t>© 2022, FLL Tutorials</a:t>
             </a:r>
             <a:endParaRPr lang="en-US" dirty="0"/>
           </a:p>
@@ -5566,7 +5566,7 @@
           <a:p>
             <a:r>
               <a:rPr lang="en-US"/>
-              <a:t>© 2018, FLL Tutorials (Last Edit 6/11/2018)</a:t>
+              <a:t>© 2022, FLL Tutorials</a:t>
             </a:r>
             <a:endParaRPr lang="en-US" dirty="0"/>
           </a:p>
@@ -5888,7 +5888,7 @@
             </a:pPr>
             <a:r>
               <a:rPr lang="en-US" sz="2300" dirty="0"/>
-              <a:t> Use a variety of sources including websites books, magazines, reports, professionals</a:t>
+              <a:t>Use a variety of sources including websites books, magazines, reports, professionals</a:t>
             </a:r>
           </a:p>
           <a:p>
@@ -5901,7 +5901,7 @@
             </a:pPr>
             <a:r>
               <a:rPr lang="en-US" sz="2300" dirty="0"/>
-              <a:t> Go on fieldtrips</a:t>
+              <a:t>Go on fieldtrips</a:t>
             </a:r>
           </a:p>
           <a:p>
@@ -5914,7 +5914,7 @@
             </a:pPr>
             <a:r>
               <a:rPr lang="en-US" sz="2300" dirty="0"/>
-              <a:t> Collect your own survey data</a:t>
+              <a:t>Collect your own survey data</a:t>
             </a:r>
           </a:p>
           <a:p>
@@ -5927,7 +5927,7 @@
             </a:pPr>
             <a:r>
               <a:rPr lang="en-US" sz="2300" dirty="0"/>
-              <a:t> Remember that all sources need to be cited</a:t>
+              <a:t>Remember that all sources need to be cited</a:t>
             </a:r>
           </a:p>
           <a:p>
@@ -5961,7 +5961,7 @@
           <a:p>
             <a:r>
               <a:rPr lang="en-US"/>
-              <a:t>© 2018, FLL Tutorials (Last Edit 6/11/2018)</a:t>
+              <a:t>© 2022, FLL Tutorials</a:t>
             </a:r>
             <a:endParaRPr lang="en-US" dirty="0"/>
           </a:p>
@@ -5996,49 +5996,6 @@
           </a:p>
         </p:txBody>
       </p:sp>
-      <p:pic>
-        <p:nvPicPr>
-          <p:cNvPr id="8" name="Picture 7"/>
-          <p:cNvPicPr>
-            <a:picLocks noChangeAspect="1"/>
-          </p:cNvPicPr>
-          <p:nvPr/>
-        </p:nvPicPr>
-        <p:blipFill rotWithShape="1">
-          <a:blip r:embed="rId3" cstate="print">
-            <a:extLst>
-              <a:ext uri="{28A0092B-C50C-407E-A947-70E740481C1C}">
-                <a14:useLocalDpi xmlns:a14="http://schemas.microsoft.com/office/drawing/2010/main"/>
-              </a:ext>
-            </a:extLst>
-          </a:blip>
-          <a:srcRect/>
-          <a:stretch/>
-        </p:blipFill>
-        <p:spPr>
-          <a:xfrm>
-            <a:off x="4356095" y="4827294"/>
-            <a:ext cx="4567187" cy="1255362"/>
-          </a:xfrm>
-          <a:prstGeom prst="rect">
-            <a:avLst/>
-          </a:prstGeom>
-          <a:ln w="38100" cap="sq">
-            <a:solidFill>
-              <a:srgbClr val="000000"/>
-            </a:solidFill>
-            <a:prstDash val="solid"/>
-            <a:miter lim="800000"/>
-          </a:ln>
-          <a:effectLst>
-            <a:outerShdw blurRad="50800" dist="38100" dir="2700000" algn="tl" rotWithShape="0">
-              <a:srgbClr val="000000">
-                <a:alpha val="43000"/>
-              </a:srgbClr>
-            </a:outerShdw>
-          </a:effectLst>
-        </p:spPr>
-      </p:pic>
       <p:pic>
         <p:nvPicPr>
           <p:cNvPr id="9" name="Picture 8">
@@ -6054,7 +6011,7 @@
           <p:nvPr/>
         </p:nvPicPr>
         <p:blipFill>
-          <a:blip r:embed="rId4" cstate="print">
+          <a:blip r:embed="rId3" cstate="print">
             <a:extLst>
               <a:ext uri="{28A0092B-C50C-407E-A947-70E740481C1C}">
                 <a14:useLocalDpi xmlns:a14="http://schemas.microsoft.com/office/drawing/2010/main"/>
@@ -6075,52 +6032,6 @@
           </a:prstGeom>
         </p:spPr>
       </p:pic>
-      <p:sp>
-        <p:nvSpPr>
-          <p:cNvPr id="10" name="Rectangle 9"/>
-          <p:cNvSpPr/>
-          <p:nvPr/>
-        </p:nvSpPr>
-        <p:spPr>
-          <a:xfrm>
-            <a:off x="4426527" y="5278582"/>
-            <a:ext cx="4291446" cy="457200"/>
-          </a:xfrm>
-          <a:prstGeom prst="rect">
-            <a:avLst/>
-          </a:prstGeom>
-          <a:noFill/>
-          <a:ln w="38100">
-            <a:solidFill>
-              <a:srgbClr val="FF0000"/>
-            </a:solidFill>
-          </a:ln>
-        </p:spPr>
-        <p:style>
-          <a:lnRef idx="2">
-            <a:schemeClr val="accent1">
-              <a:shade val="50000"/>
-            </a:schemeClr>
-          </a:lnRef>
-          <a:fillRef idx="1">
-            <a:schemeClr val="accent1"/>
-          </a:fillRef>
-          <a:effectRef idx="0">
-            <a:schemeClr val="accent1"/>
-          </a:effectRef>
-          <a:fontRef idx="minor">
-            <a:schemeClr val="lt1"/>
-          </a:fontRef>
-        </p:style>
-        <p:txBody>
-          <a:bodyPr rtlCol="0" anchor="ctr"/>
-          <a:lstStyle/>
-          <a:p>
-            <a:pPr algn="ctr"/>
-            <a:endParaRPr lang="en-US"/>
-          </a:p>
-        </p:txBody>
-      </p:sp>
     </p:spTree>
     <p:extLst>
       <p:ext uri="{BB962C8B-B14F-4D97-AF65-F5344CB8AC3E}">
@@ -6316,7 +6227,7 @@
           <a:p>
             <a:r>
               <a:rPr lang="en-US"/>
-              <a:t>© 2018, FLL Tutorials (Last Edit 6/11/2018)</a:t>
+              <a:t>© 2022, FLL Tutorials</a:t>
             </a:r>
             <a:endParaRPr lang="en-US" dirty="0"/>
           </a:p>
@@ -6476,7 +6387,7 @@
           <a:p>
             <a:r>
               <a:rPr lang="en-US"/>
-              <a:t>© 2018, FLL Tutorials (Last Edit 6/11/2018)</a:t>
+              <a:t>© 2022, FLL Tutorials</a:t>
             </a:r>
             <a:endParaRPr lang="en-US" dirty="0"/>
           </a:p>
@@ -6702,7 +6613,7 @@
           <a:p>
             <a:r>
               <a:rPr lang="en-US"/>
-              <a:t>© 2018, FLL Tutorials (Last Edit 6/11/2018)</a:t>
+              <a:t>© 2022, FLL Tutorials</a:t>
             </a:r>
             <a:endParaRPr lang="en-US" dirty="0"/>
           </a:p>
@@ -6951,7 +6862,7 @@
           <a:p>
             <a:r>
               <a:rPr lang="en-US"/>
-              <a:t>© 2018, FLL Tutorials (Last Edit 6/11/2018)</a:t>
+              <a:t>© 2022, FLL Tutorials</a:t>
             </a:r>
             <a:endParaRPr lang="en-US" dirty="0"/>
           </a:p>
@@ -7229,7 +7140,7 @@
           <a:p>
             <a:r>
               <a:rPr lang="en-US"/>
-              <a:t>© 2018, FLL Tutorials (Last Edit 6/11/2018)</a:t>
+              <a:t>© 2022, FLL Tutorials</a:t>
             </a:r>
             <a:endParaRPr lang="en-US" dirty="0"/>
           </a:p>
@@ -7430,7 +7341,7 @@
           <a:p>
             <a:r>
               <a:rPr lang="en-US"/>
-              <a:t>© 2018, FLL Tutorials (Last Edit 6/11/2018)</a:t>
+              <a:t>© 2022, FLL Tutorials</a:t>
             </a:r>
             <a:endParaRPr lang="en-US" dirty="0"/>
           </a:p>

--- a/translations/en-us/Project/BackgroundResearch.pptx
+++ b/translations/en-us/Project/BackgroundResearch.pptx
@@ -206,7 +206,7 @@
           <a:p>
             <a:fld id="{A78B980B-A051-5042-A199-B77431CF73D3}" type="datetimeFigureOut">
               <a:rPr lang="en-US" smtClean="0"/>
-              <a:t>10/27/22</a:t>
+              <a:t>5/29/23</a:t>
             </a:fld>
             <a:endParaRPr lang="en-US"/>
           </a:p>
@@ -976,9 +976,9 @@
             </a:lvl1pPr>
           </a:lstStyle>
           <a:p>
-            <a:fld id="{8DF8F508-4D21-7342-AE74-B2858C88F410}" type="datetime1">
+            <a:fld id="{54D5586A-B98B-DD44-9BF2-8B4DF49101FE}" type="datetime1">
               <a:rPr lang="en-US" smtClean="0"/>
-              <a:t>10/27/22</a:t>
+              <a:t>5/29/23</a:t>
             </a:fld>
             <a:endParaRPr lang="en-US" dirty="0"/>
           </a:p>
@@ -1020,7 +1020,7 @@
           <a:p>
             <a:r>
               <a:rPr lang="en-US"/>
-              <a:t>© 2022, FLL Tutorials</a:t>
+              <a:t>© 2023, FLLTutorials.com. Last Edit 5/29/2023</a:t>
             </a:r>
             <a:endParaRPr lang="en-US" dirty="0"/>
           </a:p>
@@ -1286,9 +1286,9 @@
           <a:bodyPr/>
           <a:lstStyle/>
           <a:p>
-            <a:fld id="{3A1C6816-60C2-4547-8D19-A8F6D1FDAB7B}" type="datetime1">
+            <a:fld id="{A07F1FA6-9EC8-9F47-B4EA-CFEC7AD0BB3C}" type="datetime1">
               <a:rPr lang="en-US" smtClean="0"/>
-              <a:t>10/27/22</a:t>
+              <a:t>5/29/23</a:t>
             </a:fld>
             <a:endParaRPr lang="en-US" dirty="0"/>
           </a:p>
@@ -1319,7 +1319,7 @@
           <a:p>
             <a:r>
               <a:rPr lang="en-US"/>
-              <a:t>© 2022, FLL Tutorials</a:t>
+              <a:t>© 2023, FLLTutorials.com. Last Edit 5/29/2023</a:t>
             </a:r>
             <a:endParaRPr lang="en-US" dirty="0"/>
           </a:p>
@@ -1544,9 +1544,9 @@
             </a:lvl1pPr>
           </a:lstStyle>
           <a:p>
-            <a:fld id="{63FBB26E-D81B-8540-9838-BB6139DDB7E7}" type="datetime1">
+            <a:fld id="{086E716B-3339-FD46-B118-232A939BD82D}" type="datetime1">
               <a:rPr lang="en-US" smtClean="0"/>
-              <a:t>10/27/22</a:t>
+              <a:t>5/29/23</a:t>
             </a:fld>
             <a:endParaRPr lang="en-US" dirty="0"/>
           </a:p>
@@ -1577,7 +1577,7 @@
           <a:p>
             <a:r>
               <a:rPr lang="en-US"/>
-              <a:t>© 2022, FLL Tutorials</a:t>
+              <a:t>© 2023, FLLTutorials.com. Last Edit 5/29/2023</a:t>
             </a:r>
             <a:endParaRPr lang="en-US" dirty="0"/>
           </a:p>
@@ -1832,9 +1832,9 @@
             </a:lvl1pPr>
           </a:lstStyle>
           <a:p>
-            <a:fld id="{20922FB9-1BF8-5448-A690-6622CA106328}" type="datetime1">
+            <a:fld id="{8C282761-E2FD-5443-9592-0A9A52992A80}" type="datetime1">
               <a:rPr lang="en-US" smtClean="0"/>
-              <a:t>10/27/22</a:t>
+              <a:t>5/29/23</a:t>
             </a:fld>
             <a:endParaRPr lang="en-US" dirty="0"/>
           </a:p>
@@ -1879,7 +1879,7 @@
           <a:p>
             <a:r>
               <a:rPr lang="en-US"/>
-              <a:t>© 2022, FLL Tutorials</a:t>
+              <a:t>© 2023, FLLTutorials.com. Last Edit 5/29/2023</a:t>
             </a:r>
             <a:endParaRPr lang="en-US" dirty="0"/>
           </a:p>
@@ -2287,7 +2287,7 @@
             <a:fld id="{B61BEF0D-F0BB-DE4B-95CE-6DB70DBA9567}" type="datetimeFigureOut">
               <a:rPr lang="en-US" smtClean="0"/>
               <a:pPr/>
-              <a:t>10/27/22</a:t>
+              <a:t>5/29/23</a:t>
             </a:fld>
             <a:endParaRPr lang="en-US" dirty="0"/>
           </a:p>
@@ -2842,9 +2842,9 @@
           <a:bodyPr/>
           <a:lstStyle/>
           <a:p>
-            <a:fld id="{312FF397-931F-3246-A8B2-56200D7F469E}" type="datetime1">
+            <a:fld id="{3B881CA7-7AFB-584B-A9F0-3BF5960F9E81}" type="datetime1">
               <a:rPr lang="en-US" smtClean="0"/>
-              <a:t>10/27/22</a:t>
+              <a:t>5/29/23</a:t>
             </a:fld>
             <a:endParaRPr lang="en-US" dirty="0"/>
           </a:p>
@@ -2875,7 +2875,7 @@
           <a:p>
             <a:r>
               <a:rPr lang="en-US"/>
-              <a:t>© 2022, FLL Tutorials</a:t>
+              <a:t>© 2023, FLLTutorials.com. Last Edit 5/29/2023</a:t>
             </a:r>
             <a:endParaRPr lang="en-US" dirty="0"/>
           </a:p>
@@ -3291,9 +3291,9 @@
           <a:bodyPr/>
           <a:lstStyle/>
           <a:p>
-            <a:fld id="{C14B6FDC-39B6-184E-9F82-7351E445439C}" type="datetime1">
+            <a:fld id="{BF7EE2A3-C747-F74E-B081-5D7D67534942}" type="datetime1">
               <a:rPr lang="en-US" smtClean="0"/>
-              <a:t>10/27/22</a:t>
+              <a:t>5/29/23</a:t>
             </a:fld>
             <a:endParaRPr lang="en-US" dirty="0"/>
           </a:p>
@@ -3324,7 +3324,7 @@
           <a:p>
             <a:r>
               <a:rPr lang="en-US"/>
-              <a:t>© 2022, FLL Tutorials</a:t>
+              <a:t>© 2023, FLLTutorials.com. Last Edit 5/29/2023</a:t>
             </a:r>
             <a:endParaRPr lang="en-US" dirty="0"/>
           </a:p>
@@ -3476,9 +3476,9 @@
           <a:bodyPr/>
           <a:lstStyle/>
           <a:p>
-            <a:fld id="{8CEF6C34-FD0C-2F4B-B7B7-D08165494B81}" type="datetime1">
+            <a:fld id="{28F05EAA-113D-8447-84EE-BCD85096F1C3}" type="datetime1">
               <a:rPr lang="en-US" smtClean="0"/>
-              <a:t>10/27/22</a:t>
+              <a:t>5/29/23</a:t>
             </a:fld>
             <a:endParaRPr lang="en-US" dirty="0"/>
           </a:p>
@@ -3509,7 +3509,7 @@
           <a:p>
             <a:r>
               <a:rPr lang="en-US"/>
-              <a:t>© 2022, FLL Tutorials</a:t>
+              <a:t>© 2023, FLLTutorials.com. Last Edit 5/29/2023</a:t>
             </a:r>
             <a:endParaRPr lang="en-US" dirty="0"/>
           </a:p>
@@ -3599,9 +3599,9 @@
           <a:bodyPr/>
           <a:lstStyle/>
           <a:p>
-            <a:fld id="{59DA8EE6-27DC-9B4B-A87A-820D1A29E2B2}" type="datetime1">
+            <a:fld id="{01A2DDB0-7958-4B44-870F-AB2A80055E73}" type="datetime1">
               <a:rPr lang="en-US" smtClean="0"/>
-              <a:t>10/27/22</a:t>
+              <a:t>5/29/23</a:t>
             </a:fld>
             <a:endParaRPr lang="en-US" dirty="0"/>
           </a:p>
@@ -3632,7 +3632,7 @@
           <a:p>
             <a:r>
               <a:rPr lang="en-US"/>
-              <a:t>© 2022, FLL Tutorials</a:t>
+              <a:t>© 2023, FLLTutorials.com. Last Edit 5/29/2023</a:t>
             </a:r>
             <a:endParaRPr lang="en-US" dirty="0"/>
           </a:p>
@@ -4005,9 +4005,9 @@
             </a:lvl1pPr>
           </a:lstStyle>
           <a:p>
-            <a:fld id="{0A96E927-6413-0C4F-9909-DA9461970837}" type="datetime1">
+            <a:fld id="{058D4F1C-7005-C948-B658-A149BE1BF292}" type="datetime1">
               <a:rPr lang="en-US" smtClean="0"/>
-              <a:t>10/27/22</a:t>
+              <a:t>5/29/23</a:t>
             </a:fld>
             <a:endParaRPr lang="en-US" dirty="0"/>
           </a:p>
@@ -4049,7 +4049,7 @@
           <a:p>
             <a:r>
               <a:rPr lang="en-US"/>
-              <a:t>© 2022, FLL Tutorials</a:t>
+              <a:t>© 2023, FLLTutorials.com. Last Edit 5/29/2023</a:t>
             </a:r>
             <a:endParaRPr lang="en-US" dirty="0"/>
           </a:p>
@@ -4322,9 +4322,9 @@
           <a:bodyPr/>
           <a:lstStyle/>
           <a:p>
-            <a:fld id="{F9392D93-0038-4E4D-A72D-AD3DB48F5D70}" type="datetime1">
+            <a:fld id="{8CB0A4D8-8E8E-FF48-9611-4F6A085E799B}" type="datetime1">
               <a:rPr lang="en-US" smtClean="0"/>
-              <a:t>10/27/22</a:t>
+              <a:t>5/29/23</a:t>
             </a:fld>
             <a:endParaRPr lang="en-US" dirty="0"/>
           </a:p>
@@ -4355,7 +4355,7 @@
           <a:p>
             <a:r>
               <a:rPr lang="en-US"/>
-              <a:t>© 2022, FLL Tutorials</a:t>
+              <a:t>© 2023, FLLTutorials.com. Last Edit 5/29/2023</a:t>
             </a:r>
             <a:endParaRPr lang="en-US" dirty="0"/>
           </a:p>
@@ -4673,9 +4673,9 @@
             </a:lvl1pPr>
           </a:lstStyle>
           <a:p>
-            <a:fld id="{ED3E15E7-B6ED-9144-B345-DD2E1F013272}" type="datetime1">
+            <a:fld id="{218CAFBA-7635-1542-8E6B-F2308FE90566}" type="datetime1">
               <a:rPr lang="en-US" smtClean="0"/>
-              <a:t>10/27/22</a:t>
+              <a:t>5/29/23</a:t>
             </a:fld>
             <a:endParaRPr lang="en-US" dirty="0"/>
           </a:p>
@@ -4723,7 +4723,7 @@
           <a:p>
             <a:r>
               <a:rPr lang="en-US"/>
-              <a:t>© 2022, FLL Tutorials</a:t>
+              <a:t>© 2023, FLLTutorials.com. Last Edit 5/29/2023</a:t>
             </a:r>
             <a:endParaRPr lang="en-US" dirty="0"/>
           </a:p>
@@ -5403,7 +5403,7 @@
           <a:p>
             <a:r>
               <a:rPr lang="en-US"/>
-              <a:t>© 2022, FLL Tutorials</a:t>
+              <a:t>© 2023, FLLTutorials.com. Last Edit 5/29/2023</a:t>
             </a:r>
             <a:endParaRPr lang="en-US" dirty="0"/>
           </a:p>
@@ -5508,7 +5508,7 @@
           <a:p>
             <a:r>
               <a:rPr lang="en-US" dirty="0"/>
-              <a:t>About Us</a:t>
+              <a:t>MEET THE AUTHORS</a:t>
             </a:r>
           </a:p>
         </p:txBody>
@@ -5566,7 +5566,7 @@
           <a:p>
             <a:r>
               <a:rPr lang="en-US"/>
-              <a:t>© 2022, FLL Tutorials</a:t>
+              <a:t>© 2023, FLLTutorials.com. Last Edit 5/29/2023</a:t>
             </a:r>
             <a:endParaRPr lang="en-US" dirty="0"/>
           </a:p>
@@ -5961,7 +5961,7 @@
           <a:p>
             <a:r>
               <a:rPr lang="en-US"/>
-              <a:t>© 2022, FLL Tutorials</a:t>
+              <a:t>© 2023, FLLTutorials.com. Last Edit 5/29/2023</a:t>
             </a:r>
             <a:endParaRPr lang="en-US" dirty="0"/>
           </a:p>
@@ -6227,7 +6227,7 @@
           <a:p>
             <a:r>
               <a:rPr lang="en-US"/>
-              <a:t>© 2022, FLL Tutorials</a:t>
+              <a:t>© 2023, FLLTutorials.com. Last Edit 5/29/2023</a:t>
             </a:r>
             <a:endParaRPr lang="en-US" dirty="0"/>
           </a:p>
@@ -6387,7 +6387,7 @@
           <a:p>
             <a:r>
               <a:rPr lang="en-US"/>
-              <a:t>© 2022, FLL Tutorials</a:t>
+              <a:t>© 2023, FLLTutorials.com. Last Edit 5/29/2023</a:t>
             </a:r>
             <a:endParaRPr lang="en-US" dirty="0"/>
           </a:p>
@@ -6613,7 +6613,7 @@
           <a:p>
             <a:r>
               <a:rPr lang="en-US"/>
-              <a:t>© 2022, FLL Tutorials</a:t>
+              <a:t>© 2023, FLLTutorials.com. Last Edit 5/29/2023</a:t>
             </a:r>
             <a:endParaRPr lang="en-US" dirty="0"/>
           </a:p>
@@ -6862,7 +6862,7 @@
           <a:p>
             <a:r>
               <a:rPr lang="en-US"/>
-              <a:t>© 2022, FLL Tutorials</a:t>
+              <a:t>© 2023, FLLTutorials.com. Last Edit 5/29/2023</a:t>
             </a:r>
             <a:endParaRPr lang="en-US" dirty="0"/>
           </a:p>
@@ -7140,7 +7140,7 @@
           <a:p>
             <a:r>
               <a:rPr lang="en-US"/>
-              <a:t>© 2022, FLL Tutorials</a:t>
+              <a:t>© 2023, FLLTutorials.com. Last Edit 5/29/2023</a:t>
             </a:r>
             <a:endParaRPr lang="en-US" dirty="0"/>
           </a:p>
@@ -7341,7 +7341,7 @@
           <a:p>
             <a:r>
               <a:rPr lang="en-US"/>
-              <a:t>© 2022, FLL Tutorials</a:t>
+              <a:t>© 2023, FLLTutorials.com. Last Edit 5/29/2023</a:t>
             </a:r>
             <a:endParaRPr lang="en-US" dirty="0"/>
           </a:p>
